--- a/document/쇼핑몰(이태훈).pptx
+++ b/document/쇼핑몰(이태훈).pptx
@@ -1,6 +1,6 @@
 
 <file path=ppt/presentation.xml><?xml version="1.0" encoding="utf-8"?>
-<p:presentation xmlns:a="http://schemas.openxmlformats.org/drawingml/2006/main" xmlns:r="http://schemas.openxmlformats.org/officeDocument/2006/relationships" xmlns:p="http://schemas.openxmlformats.org/presentationml/2006/main" saveSubsetFonts="1">
+<p:presentation xmlns:a="http://schemas.openxmlformats.org/drawingml/2006/main" xmlns:r="http://schemas.openxmlformats.org/officeDocument/2006/relationships" xmlns:p="http://schemas.openxmlformats.org/presentationml/2006/main" serverZoom="26789" saveSubsetFonts="1">
   <p:sldMasterIdLst>
     <p:sldMasterId id="2147483698" r:id="rId1"/>
     <p:sldMasterId id="2147483753" r:id="rId2"/>
@@ -6866,7 +6866,7 @@
           <p:cNvPr id="4" name="Slide Number Placeholder 3">
             <a:extLst>
               <a:ext uri="{FF2B5EF4-FFF2-40B4-BE49-F238E27FC236}">
-                <a16:creationId xmlns:a16="http://schemas.microsoft.com/office/drawing/2014/main" xmlns="" id="{BA98FF0A-865D-4F86-BEB7-CA3699CDA173}"/>
+                <a16:creationId xmlns="" xmlns:a16="http://schemas.microsoft.com/office/drawing/2014/main" id="{BA98FF0A-865D-4F86-BEB7-CA3699CDA173}"/>
               </a:ext>
             </a:extLst>
           </p:cNvPr>
@@ -6896,7 +6896,7 @@
           <p:cNvPr id="43" name="TextBox 42">
             <a:extLst>
               <a:ext uri="{FF2B5EF4-FFF2-40B4-BE49-F238E27FC236}">
-                <a16:creationId xmlns:a16="http://schemas.microsoft.com/office/drawing/2014/main" xmlns="" id="{5C94F937-36CF-49C2-84FE-8CA3CC0B3F65}"/>
+                <a16:creationId xmlns="" xmlns:a16="http://schemas.microsoft.com/office/drawing/2014/main" id="{5C94F937-36CF-49C2-84FE-8CA3CC0B3F65}"/>
               </a:ext>
             </a:extLst>
           </p:cNvPr>
@@ -9566,7 +9566,7 @@
           <p:cNvPr id="76" name="Shape">
             <a:extLst>
               <a:ext uri="{FF2B5EF4-FFF2-40B4-BE49-F238E27FC236}">
-                <a16:creationId xmlns:a16="http://schemas.microsoft.com/office/drawing/2014/main" xmlns="" id="{E28A227A-DFA3-0649-A4A0-558F7171B0EA}"/>
+                <a16:creationId xmlns="" xmlns:a16="http://schemas.microsoft.com/office/drawing/2014/main" id="{E28A227A-DFA3-0649-A4A0-558F7171B0EA}"/>
               </a:ext>
             </a:extLst>
           </p:cNvPr>
@@ -9762,7 +9762,7 @@
           <p:cNvPr id="77" name="Shape">
             <a:extLst>
               <a:ext uri="{FF2B5EF4-FFF2-40B4-BE49-F238E27FC236}">
-                <a16:creationId xmlns:a16="http://schemas.microsoft.com/office/drawing/2014/main" xmlns="" id="{625D9CEB-E53C-D446-8909-8C2A1208A47F}"/>
+                <a16:creationId xmlns="" xmlns:a16="http://schemas.microsoft.com/office/drawing/2014/main" id="{625D9CEB-E53C-D446-8909-8C2A1208A47F}"/>
               </a:ext>
             </a:extLst>
           </p:cNvPr>
@@ -9929,7 +9929,7 @@
           <p:cNvPr id="78" name="Shape">
             <a:extLst>
               <a:ext uri="{FF2B5EF4-FFF2-40B4-BE49-F238E27FC236}">
-                <a16:creationId xmlns:a16="http://schemas.microsoft.com/office/drawing/2014/main" xmlns="" id="{060CE464-B7D0-A542-8015-021B812A8847}"/>
+                <a16:creationId xmlns="" xmlns:a16="http://schemas.microsoft.com/office/drawing/2014/main" id="{060CE464-B7D0-A542-8015-021B812A8847}"/>
               </a:ext>
             </a:extLst>
           </p:cNvPr>
@@ -10096,7 +10096,7 @@
           <p:cNvPr id="79" name="Shape">
             <a:extLst>
               <a:ext uri="{FF2B5EF4-FFF2-40B4-BE49-F238E27FC236}">
-                <a16:creationId xmlns:a16="http://schemas.microsoft.com/office/drawing/2014/main" xmlns="" id="{DC8D0D3E-24AB-B748-81CA-26BC59EAA9B7}"/>
+                <a16:creationId xmlns="" xmlns:a16="http://schemas.microsoft.com/office/drawing/2014/main" id="{DC8D0D3E-24AB-B748-81CA-26BC59EAA9B7}"/>
               </a:ext>
             </a:extLst>
           </p:cNvPr>
@@ -10248,7 +10248,7 @@
           <p:cNvPr id="2" name="Title 1">
             <a:extLst>
               <a:ext uri="{FF2B5EF4-FFF2-40B4-BE49-F238E27FC236}">
-                <a16:creationId xmlns:a16="http://schemas.microsoft.com/office/drawing/2014/main" xmlns="" id="{AC523816-F025-41D1-A143-DC280077D18D}"/>
+                <a16:creationId xmlns="" xmlns:a16="http://schemas.microsoft.com/office/drawing/2014/main" id="{AC523816-F025-41D1-A143-DC280077D18D}"/>
               </a:ext>
             </a:extLst>
           </p:cNvPr>
@@ -10277,7 +10277,7 @@
           <p:cNvPr id="4" name="Slide Number Placeholder 3">
             <a:extLst>
               <a:ext uri="{FF2B5EF4-FFF2-40B4-BE49-F238E27FC236}">
-                <a16:creationId xmlns:a16="http://schemas.microsoft.com/office/drawing/2014/main" xmlns="" id="{4C4435A3-58E5-41CD-BE69-EB2CA78B2C09}"/>
+                <a16:creationId xmlns="" xmlns:a16="http://schemas.microsoft.com/office/drawing/2014/main" id="{4C4435A3-58E5-41CD-BE69-EB2CA78B2C09}"/>
               </a:ext>
             </a:extLst>
           </p:cNvPr>
@@ -10307,7 +10307,7 @@
           <p:cNvPr id="5" name="Shape">
             <a:extLst>
               <a:ext uri="{FF2B5EF4-FFF2-40B4-BE49-F238E27FC236}">
-                <a16:creationId xmlns:a16="http://schemas.microsoft.com/office/drawing/2014/main" xmlns="" id="{7E0E8D87-8BBF-4923-BD90-33D785ECE516}"/>
+                <a16:creationId xmlns="" xmlns:a16="http://schemas.microsoft.com/office/drawing/2014/main" id="{7E0E8D87-8BBF-4923-BD90-33D785ECE516}"/>
               </a:ext>
             </a:extLst>
           </p:cNvPr>
@@ -10512,7 +10512,7 @@
           <p:cNvPr id="6" name="Circle">
             <a:extLst>
               <a:ext uri="{FF2B5EF4-FFF2-40B4-BE49-F238E27FC236}">
-                <a16:creationId xmlns:a16="http://schemas.microsoft.com/office/drawing/2014/main" xmlns="" id="{290B786E-A9A6-4DEB-9D75-E4F066EAE2E2}"/>
+                <a16:creationId xmlns="" xmlns:a16="http://schemas.microsoft.com/office/drawing/2014/main" id="{290B786E-A9A6-4DEB-9D75-E4F066EAE2E2}"/>
               </a:ext>
             </a:extLst>
           </p:cNvPr>
@@ -10554,7 +10554,7 @@
           <p:cNvPr id="7" name="Shape">
             <a:extLst>
               <a:ext uri="{FF2B5EF4-FFF2-40B4-BE49-F238E27FC236}">
-                <a16:creationId xmlns:a16="http://schemas.microsoft.com/office/drawing/2014/main" xmlns="" id="{0C86614A-B915-4B9E-BEC6-AE0CB640778B}"/>
+                <a16:creationId xmlns="" xmlns:a16="http://schemas.microsoft.com/office/drawing/2014/main" id="{0C86614A-B915-4B9E-BEC6-AE0CB640778B}"/>
               </a:ext>
             </a:extLst>
           </p:cNvPr>
@@ -10665,7 +10665,7 @@
           <p:cNvPr id="8" name="Circle">
             <a:extLst>
               <a:ext uri="{FF2B5EF4-FFF2-40B4-BE49-F238E27FC236}">
-                <a16:creationId xmlns:a16="http://schemas.microsoft.com/office/drawing/2014/main" xmlns="" id="{B46B687E-3831-4C46-8386-A23BBA4D21D5}"/>
+                <a16:creationId xmlns="" xmlns:a16="http://schemas.microsoft.com/office/drawing/2014/main" id="{B46B687E-3831-4C46-8386-A23BBA4D21D5}"/>
               </a:ext>
             </a:extLst>
           </p:cNvPr>
@@ -10707,7 +10707,7 @@
           <p:cNvPr id="9" name="Shape">
             <a:extLst>
               <a:ext uri="{FF2B5EF4-FFF2-40B4-BE49-F238E27FC236}">
-                <a16:creationId xmlns:a16="http://schemas.microsoft.com/office/drawing/2014/main" xmlns="" id="{5788A58C-8CBE-49BB-BAC0-41E5E38983D8}"/>
+                <a16:creationId xmlns="" xmlns:a16="http://schemas.microsoft.com/office/drawing/2014/main" id="{5788A58C-8CBE-49BB-BAC0-41E5E38983D8}"/>
               </a:ext>
             </a:extLst>
           </p:cNvPr>
@@ -10818,7 +10818,7 @@
           <p:cNvPr id="10" name="Circle">
             <a:extLst>
               <a:ext uri="{FF2B5EF4-FFF2-40B4-BE49-F238E27FC236}">
-                <a16:creationId xmlns:a16="http://schemas.microsoft.com/office/drawing/2014/main" xmlns="" id="{16E844B6-E2E4-4E6F-8B3A-E5873DD5C725}"/>
+                <a16:creationId xmlns="" xmlns:a16="http://schemas.microsoft.com/office/drawing/2014/main" id="{16E844B6-E2E4-4E6F-8B3A-E5873DD5C725}"/>
               </a:ext>
             </a:extLst>
           </p:cNvPr>
@@ -10860,7 +10860,7 @@
           <p:cNvPr id="11" name="Shape">
             <a:extLst>
               <a:ext uri="{FF2B5EF4-FFF2-40B4-BE49-F238E27FC236}">
-                <a16:creationId xmlns:a16="http://schemas.microsoft.com/office/drawing/2014/main" xmlns="" id="{4E3CD0A2-F6E9-4A17-A361-3AA7994A76D3}"/>
+                <a16:creationId xmlns="" xmlns:a16="http://schemas.microsoft.com/office/drawing/2014/main" id="{4E3CD0A2-F6E9-4A17-A361-3AA7994A76D3}"/>
               </a:ext>
             </a:extLst>
           </p:cNvPr>
@@ -10971,7 +10971,7 @@
           <p:cNvPr id="13" name="Shape">
             <a:extLst>
               <a:ext uri="{FF2B5EF4-FFF2-40B4-BE49-F238E27FC236}">
-                <a16:creationId xmlns:a16="http://schemas.microsoft.com/office/drawing/2014/main" xmlns="" id="{BFF12144-6EAF-4FB9-B9E4-653DE51CFA3F}"/>
+                <a16:creationId xmlns="" xmlns:a16="http://schemas.microsoft.com/office/drawing/2014/main" id="{BFF12144-6EAF-4FB9-B9E4-653DE51CFA3F}"/>
               </a:ext>
             </a:extLst>
           </p:cNvPr>
@@ -11082,7 +11082,7 @@
           <p:cNvPr id="15" name="Graphic 14" descr="Crawl">
             <a:extLst>
               <a:ext uri="{FF2B5EF4-FFF2-40B4-BE49-F238E27FC236}">
-                <a16:creationId xmlns:a16="http://schemas.microsoft.com/office/drawing/2014/main" xmlns="" id="{5238E483-5570-4774-B9E2-97EAF1234A9E}"/>
+                <a16:creationId xmlns="" xmlns:a16="http://schemas.microsoft.com/office/drawing/2014/main" id="{5238E483-5570-4774-B9E2-97EAF1234A9E}"/>
               </a:ext>
             </a:extLst>
           </p:cNvPr>
@@ -11098,7 +11098,7 @@
                 <a14:useLocalDpi xmlns:a14="http://schemas.microsoft.com/office/drawing/2010/main" val="0"/>
               </a:ext>
               <a:ext uri="{96DAC541-7B7A-43D3-8B79-37D633B846F1}">
-                <asvg:svgBlip xmlns:asvg="http://schemas.microsoft.com/office/drawing/2016/SVG/main" xmlns="" r:embed="rId5"/>
+                <asvg:svgBlip xmlns="" xmlns:asvg="http://schemas.microsoft.com/office/drawing/2016/SVG/main" r:embed="rId5"/>
               </a:ext>
             </a:extLst>
           </a:blip>
@@ -11121,7 +11121,7 @@
           <p:cNvPr id="17" name="Graphic 16" descr="Walk">
             <a:extLst>
               <a:ext uri="{FF2B5EF4-FFF2-40B4-BE49-F238E27FC236}">
-                <a16:creationId xmlns:a16="http://schemas.microsoft.com/office/drawing/2014/main" xmlns="" id="{B7AA8476-258E-4643-8CF2-5C785445315E}"/>
+                <a16:creationId xmlns="" xmlns:a16="http://schemas.microsoft.com/office/drawing/2014/main" id="{B7AA8476-258E-4643-8CF2-5C785445315E}"/>
               </a:ext>
             </a:extLst>
           </p:cNvPr>
@@ -11137,7 +11137,7 @@
                 <a14:useLocalDpi xmlns:a14="http://schemas.microsoft.com/office/drawing/2010/main" val="0"/>
               </a:ext>
               <a:ext uri="{96DAC541-7B7A-43D3-8B79-37D633B846F1}">
-                <asvg:svgBlip xmlns:asvg="http://schemas.microsoft.com/office/drawing/2016/SVG/main" xmlns="" r:embed="rId7"/>
+                <asvg:svgBlip xmlns="" xmlns:asvg="http://schemas.microsoft.com/office/drawing/2016/SVG/main" r:embed="rId7"/>
               </a:ext>
             </a:extLst>
           </a:blip>
@@ -11160,7 +11160,7 @@
           <p:cNvPr id="19" name="Graphic 18" descr="Run">
             <a:extLst>
               <a:ext uri="{FF2B5EF4-FFF2-40B4-BE49-F238E27FC236}">
-                <a16:creationId xmlns:a16="http://schemas.microsoft.com/office/drawing/2014/main" xmlns="" id="{BE648B54-971A-461E-810B-AE08F8505377}"/>
+                <a16:creationId xmlns="" xmlns:a16="http://schemas.microsoft.com/office/drawing/2014/main" id="{BE648B54-971A-461E-810B-AE08F8505377}"/>
               </a:ext>
             </a:extLst>
           </p:cNvPr>
@@ -11176,7 +11176,7 @@
                 <a14:useLocalDpi xmlns:a14="http://schemas.microsoft.com/office/drawing/2010/main" val="0"/>
               </a:ext>
               <a:ext uri="{96DAC541-7B7A-43D3-8B79-37D633B846F1}">
-                <asvg:svgBlip xmlns:asvg="http://schemas.microsoft.com/office/drawing/2016/SVG/main" xmlns="" r:embed="rId9"/>
+                <asvg:svgBlip xmlns="" xmlns:asvg="http://schemas.microsoft.com/office/drawing/2016/SVG/main" r:embed="rId9"/>
               </a:ext>
             </a:extLst>
           </a:blip>
@@ -11199,7 +11199,7 @@
           <p:cNvPr id="71" name="TextBox 70">
             <a:extLst>
               <a:ext uri="{FF2B5EF4-FFF2-40B4-BE49-F238E27FC236}">
-                <a16:creationId xmlns:a16="http://schemas.microsoft.com/office/drawing/2014/main" xmlns="" id="{DB391A6A-ED68-4869-9463-BFF0A089F51D}"/>
+                <a16:creationId xmlns="" xmlns:a16="http://schemas.microsoft.com/office/drawing/2014/main" id="{DB391A6A-ED68-4869-9463-BFF0A089F51D}"/>
               </a:ext>
             </a:extLst>
           </p:cNvPr>
@@ -11388,7 +11388,7 @@
           <p:cNvPr id="58" name="Shape">
             <a:extLst>
               <a:ext uri="{FF2B5EF4-FFF2-40B4-BE49-F238E27FC236}">
-                <a16:creationId xmlns:a16="http://schemas.microsoft.com/office/drawing/2014/main" xmlns="" id="{060CE464-B7D0-A542-8015-021B812A8847}"/>
+                <a16:creationId xmlns="" xmlns:a16="http://schemas.microsoft.com/office/drawing/2014/main" id="{060CE464-B7D0-A542-8015-021B812A8847}"/>
               </a:ext>
             </a:extLst>
           </p:cNvPr>
@@ -11555,7 +11555,7 @@
           <p:cNvPr id="59" name="Shape">
             <a:extLst>
               <a:ext uri="{FF2B5EF4-FFF2-40B4-BE49-F238E27FC236}">
-                <a16:creationId xmlns:a16="http://schemas.microsoft.com/office/drawing/2014/main" xmlns="" id="{DC8D0D3E-24AB-B748-81CA-26BC59EAA9B7}"/>
+                <a16:creationId xmlns="" xmlns:a16="http://schemas.microsoft.com/office/drawing/2014/main" id="{DC8D0D3E-24AB-B748-81CA-26BC59EAA9B7}"/>
               </a:ext>
             </a:extLst>
           </p:cNvPr>
@@ -11707,7 +11707,7 @@
           <p:cNvPr id="2" name="Title 1">
             <a:extLst>
               <a:ext uri="{FF2B5EF4-FFF2-40B4-BE49-F238E27FC236}">
-                <a16:creationId xmlns:a16="http://schemas.microsoft.com/office/drawing/2014/main" xmlns="" id="{B9608D36-728B-4FF3-A9AB-A63636C210C5}"/>
+                <a16:creationId xmlns="" xmlns:a16="http://schemas.microsoft.com/office/drawing/2014/main" id="{B9608D36-728B-4FF3-A9AB-A63636C210C5}"/>
               </a:ext>
             </a:extLst>
           </p:cNvPr>
@@ -11736,7 +11736,7 @@
           <p:cNvPr id="4" name="Slide Number Placeholder 3">
             <a:extLst>
               <a:ext uri="{FF2B5EF4-FFF2-40B4-BE49-F238E27FC236}">
-                <a16:creationId xmlns:a16="http://schemas.microsoft.com/office/drawing/2014/main" xmlns="" id="{BA98FF0A-865D-4F86-BEB7-CA3699CDA173}"/>
+                <a16:creationId xmlns="" xmlns:a16="http://schemas.microsoft.com/office/drawing/2014/main" id="{BA98FF0A-865D-4F86-BEB7-CA3699CDA173}"/>
               </a:ext>
             </a:extLst>
           </p:cNvPr>
@@ -11766,7 +11766,7 @@
           <p:cNvPr id="49" name="Group 41">
             <a:extLst>
               <a:ext uri="{FF2B5EF4-FFF2-40B4-BE49-F238E27FC236}">
-                <a16:creationId xmlns:a16="http://schemas.microsoft.com/office/drawing/2014/main" xmlns="" id="{D824673C-4A15-40F6-ADC3-7F250ADB8B6B}"/>
+                <a16:creationId xmlns="" xmlns:a16="http://schemas.microsoft.com/office/drawing/2014/main" id="{D824673C-4A15-40F6-ADC3-7F250ADB8B6B}"/>
               </a:ext>
             </a:extLst>
           </p:cNvPr>
@@ -11786,7 +11786,7 @@
             <p:cNvPr id="50" name="TextBox 49">
               <a:extLst>
                 <a:ext uri="{FF2B5EF4-FFF2-40B4-BE49-F238E27FC236}">
-                  <a16:creationId xmlns:a16="http://schemas.microsoft.com/office/drawing/2014/main" xmlns="" id="{5C94F937-36CF-49C2-84FE-8CA3CC0B3F65}"/>
+                  <a16:creationId xmlns="" xmlns:a16="http://schemas.microsoft.com/office/drawing/2014/main" id="{5C94F937-36CF-49C2-84FE-8CA3CC0B3F65}"/>
                 </a:ext>
               </a:extLst>
             </p:cNvPr>
@@ -11830,7 +11830,7 @@
             <p:cNvPr id="51" name="Rectangle 43">
               <a:extLst>
                 <a:ext uri="{FF2B5EF4-FFF2-40B4-BE49-F238E27FC236}">
-                  <a16:creationId xmlns:a16="http://schemas.microsoft.com/office/drawing/2014/main" xmlns="" id="{E935819C-A263-4244-905A-0C0008112263}"/>
+                  <a16:creationId xmlns="" xmlns:a16="http://schemas.microsoft.com/office/drawing/2014/main" id="{E935819C-A263-4244-905A-0C0008112263}"/>
                 </a:ext>
               </a:extLst>
             </p:cNvPr>
@@ -11991,7 +11991,7 @@
           <p:cNvPr id="55" name="Shape">
             <a:extLst>
               <a:ext uri="{FF2B5EF4-FFF2-40B4-BE49-F238E27FC236}">
-                <a16:creationId xmlns:a16="http://schemas.microsoft.com/office/drawing/2014/main" xmlns="" id="{DC8D0D3E-24AB-B748-81CA-26BC59EAA9B7}"/>
+                <a16:creationId xmlns="" xmlns:a16="http://schemas.microsoft.com/office/drawing/2014/main" id="{DC8D0D3E-24AB-B748-81CA-26BC59EAA9B7}"/>
               </a:ext>
             </a:extLst>
           </p:cNvPr>
@@ -12143,7 +12143,7 @@
           <p:cNvPr id="60" name="Shape">
             <a:extLst>
               <a:ext uri="{FF2B5EF4-FFF2-40B4-BE49-F238E27FC236}">
-                <a16:creationId xmlns:a16="http://schemas.microsoft.com/office/drawing/2014/main" xmlns="" id="{DC8D0D3E-24AB-B748-81CA-26BC59EAA9B7}"/>
+                <a16:creationId xmlns="" xmlns:a16="http://schemas.microsoft.com/office/drawing/2014/main" id="{DC8D0D3E-24AB-B748-81CA-26BC59EAA9B7}"/>
               </a:ext>
             </a:extLst>
           </p:cNvPr>
@@ -12400,7 +12400,7 @@
           <p:cNvPr id="56" name="Shape">
             <a:extLst>
               <a:ext uri="{FF2B5EF4-FFF2-40B4-BE49-F238E27FC236}">
-                <a16:creationId xmlns:a16="http://schemas.microsoft.com/office/drawing/2014/main" xmlns="" id="{E28A227A-DFA3-0649-A4A0-558F7171B0EA}"/>
+                <a16:creationId xmlns="" xmlns:a16="http://schemas.microsoft.com/office/drawing/2014/main" id="{E28A227A-DFA3-0649-A4A0-558F7171B0EA}"/>
               </a:ext>
             </a:extLst>
           </p:cNvPr>
@@ -12596,7 +12596,7 @@
           <p:cNvPr id="2" name="Title 1">
             <a:extLst>
               <a:ext uri="{FF2B5EF4-FFF2-40B4-BE49-F238E27FC236}">
-                <a16:creationId xmlns:a16="http://schemas.microsoft.com/office/drawing/2014/main" xmlns="" id="{B9608D36-728B-4FF3-A9AB-A63636C210C5}"/>
+                <a16:creationId xmlns="" xmlns:a16="http://schemas.microsoft.com/office/drawing/2014/main" id="{B9608D36-728B-4FF3-A9AB-A63636C210C5}"/>
               </a:ext>
             </a:extLst>
           </p:cNvPr>
@@ -12625,7 +12625,7 @@
           <p:cNvPr id="4" name="Slide Number Placeholder 3">
             <a:extLst>
               <a:ext uri="{FF2B5EF4-FFF2-40B4-BE49-F238E27FC236}">
-                <a16:creationId xmlns:a16="http://schemas.microsoft.com/office/drawing/2014/main" xmlns="" id="{BA98FF0A-865D-4F86-BEB7-CA3699CDA173}"/>
+                <a16:creationId xmlns="" xmlns:a16="http://schemas.microsoft.com/office/drawing/2014/main" id="{BA98FF0A-865D-4F86-BEB7-CA3699CDA173}"/>
               </a:ext>
             </a:extLst>
           </p:cNvPr>
@@ -12702,7 +12702,7 @@
           <p:cNvPr id="58" name="Shape">
             <a:extLst>
               <a:ext uri="{FF2B5EF4-FFF2-40B4-BE49-F238E27FC236}">
-                <a16:creationId xmlns:a16="http://schemas.microsoft.com/office/drawing/2014/main" xmlns="" id="{060CE464-B7D0-A542-8015-021B812A8847}"/>
+                <a16:creationId xmlns="" xmlns:a16="http://schemas.microsoft.com/office/drawing/2014/main" id="{060CE464-B7D0-A542-8015-021B812A8847}"/>
               </a:ext>
             </a:extLst>
           </p:cNvPr>
@@ -12869,7 +12869,7 @@
           <p:cNvPr id="14" name="Shape">
             <a:extLst>
               <a:ext uri="{FF2B5EF4-FFF2-40B4-BE49-F238E27FC236}">
-                <a16:creationId xmlns:a16="http://schemas.microsoft.com/office/drawing/2014/main" xmlns="" id="{060CE464-B7D0-A542-8015-021B812A8847}"/>
+                <a16:creationId xmlns="" xmlns:a16="http://schemas.microsoft.com/office/drawing/2014/main" id="{060CE464-B7D0-A542-8015-021B812A8847}"/>
               </a:ext>
             </a:extLst>
           </p:cNvPr>
@@ -13036,7 +13036,7 @@
           <p:cNvPr id="15" name="Shape">
             <a:extLst>
               <a:ext uri="{FF2B5EF4-FFF2-40B4-BE49-F238E27FC236}">
-                <a16:creationId xmlns:a16="http://schemas.microsoft.com/office/drawing/2014/main" xmlns="" id="{060CE464-B7D0-A542-8015-021B812A8847}"/>
+                <a16:creationId xmlns="" xmlns:a16="http://schemas.microsoft.com/office/drawing/2014/main" id="{060CE464-B7D0-A542-8015-021B812A8847}"/>
               </a:ext>
             </a:extLst>
           </p:cNvPr>
@@ -13203,7 +13203,7 @@
           <p:cNvPr id="16" name="Shape">
             <a:extLst>
               <a:ext uri="{FF2B5EF4-FFF2-40B4-BE49-F238E27FC236}">
-                <a16:creationId xmlns:a16="http://schemas.microsoft.com/office/drawing/2014/main" xmlns="" id="{060CE464-B7D0-A542-8015-021B812A8847}"/>
+                <a16:creationId xmlns="" xmlns:a16="http://schemas.microsoft.com/office/drawing/2014/main" id="{060CE464-B7D0-A542-8015-021B812A8847}"/>
               </a:ext>
             </a:extLst>
           </p:cNvPr>
@@ -13427,7 +13427,7 @@
           <p:cNvPr id="56" name="Shape">
             <a:extLst>
               <a:ext uri="{FF2B5EF4-FFF2-40B4-BE49-F238E27FC236}">
-                <a16:creationId xmlns:a16="http://schemas.microsoft.com/office/drawing/2014/main" xmlns="" id="{E28A227A-DFA3-0649-A4A0-558F7171B0EA}"/>
+                <a16:creationId xmlns="" xmlns:a16="http://schemas.microsoft.com/office/drawing/2014/main" id="{E28A227A-DFA3-0649-A4A0-558F7171B0EA}"/>
               </a:ext>
             </a:extLst>
           </p:cNvPr>
@@ -13623,7 +13623,7 @@
           <p:cNvPr id="2" name="Title 1">
             <a:extLst>
               <a:ext uri="{FF2B5EF4-FFF2-40B4-BE49-F238E27FC236}">
-                <a16:creationId xmlns:a16="http://schemas.microsoft.com/office/drawing/2014/main" xmlns="" id="{B9608D36-728B-4FF3-A9AB-A63636C210C5}"/>
+                <a16:creationId xmlns="" xmlns:a16="http://schemas.microsoft.com/office/drawing/2014/main" id="{B9608D36-728B-4FF3-A9AB-A63636C210C5}"/>
               </a:ext>
             </a:extLst>
           </p:cNvPr>
@@ -13660,7 +13660,7 @@
           <p:cNvPr id="4" name="Slide Number Placeholder 3">
             <a:extLst>
               <a:ext uri="{FF2B5EF4-FFF2-40B4-BE49-F238E27FC236}">
-                <a16:creationId xmlns:a16="http://schemas.microsoft.com/office/drawing/2014/main" xmlns="" id="{BA98FF0A-865D-4F86-BEB7-CA3699CDA173}"/>
+                <a16:creationId xmlns="" xmlns:a16="http://schemas.microsoft.com/office/drawing/2014/main" id="{BA98FF0A-865D-4F86-BEB7-CA3699CDA173}"/>
               </a:ext>
             </a:extLst>
           </p:cNvPr>
@@ -13865,7 +13865,7 @@
           <p:cNvPr id="32" name="Shape">
             <a:extLst>
               <a:ext uri="{FF2B5EF4-FFF2-40B4-BE49-F238E27FC236}">
-                <a16:creationId xmlns:a16="http://schemas.microsoft.com/office/drawing/2014/main" xmlns="" id="{060CE464-B7D0-A542-8015-021B812A8847}"/>
+                <a16:creationId xmlns="" xmlns:a16="http://schemas.microsoft.com/office/drawing/2014/main" id="{060CE464-B7D0-A542-8015-021B812A8847}"/>
               </a:ext>
             </a:extLst>
           </p:cNvPr>
@@ -14032,7 +14032,7 @@
           <p:cNvPr id="33" name="Shape">
             <a:extLst>
               <a:ext uri="{FF2B5EF4-FFF2-40B4-BE49-F238E27FC236}">
-                <a16:creationId xmlns:a16="http://schemas.microsoft.com/office/drawing/2014/main" xmlns="" id="{DC8D0D3E-24AB-B748-81CA-26BC59EAA9B7}"/>
+                <a16:creationId xmlns="" xmlns:a16="http://schemas.microsoft.com/office/drawing/2014/main" id="{DC8D0D3E-24AB-B748-81CA-26BC59EAA9B7}"/>
               </a:ext>
             </a:extLst>
           </p:cNvPr>
@@ -14184,7 +14184,7 @@
           <p:cNvPr id="56" name="Shape">
             <a:extLst>
               <a:ext uri="{FF2B5EF4-FFF2-40B4-BE49-F238E27FC236}">
-                <a16:creationId xmlns:a16="http://schemas.microsoft.com/office/drawing/2014/main" xmlns="" id="{E28A227A-DFA3-0649-A4A0-558F7171B0EA}"/>
+                <a16:creationId xmlns="" xmlns:a16="http://schemas.microsoft.com/office/drawing/2014/main" id="{E28A227A-DFA3-0649-A4A0-558F7171B0EA}"/>
               </a:ext>
             </a:extLst>
           </p:cNvPr>
@@ -14380,7 +14380,7 @@
           <p:cNvPr id="2" name="Title 1">
             <a:extLst>
               <a:ext uri="{FF2B5EF4-FFF2-40B4-BE49-F238E27FC236}">
-                <a16:creationId xmlns:a16="http://schemas.microsoft.com/office/drawing/2014/main" xmlns="" id="{B9608D36-728B-4FF3-A9AB-A63636C210C5}"/>
+                <a16:creationId xmlns="" xmlns:a16="http://schemas.microsoft.com/office/drawing/2014/main" id="{B9608D36-728B-4FF3-A9AB-A63636C210C5}"/>
               </a:ext>
             </a:extLst>
           </p:cNvPr>
@@ -14413,7 +14413,7 @@
           <p:cNvPr id="4" name="Slide Number Placeholder 3">
             <a:extLst>
               <a:ext uri="{FF2B5EF4-FFF2-40B4-BE49-F238E27FC236}">
-                <a16:creationId xmlns:a16="http://schemas.microsoft.com/office/drawing/2014/main" xmlns="" id="{BA98FF0A-865D-4F86-BEB7-CA3699CDA173}"/>
+                <a16:creationId xmlns="" xmlns:a16="http://schemas.microsoft.com/office/drawing/2014/main" id="{BA98FF0A-865D-4F86-BEB7-CA3699CDA173}"/>
               </a:ext>
             </a:extLst>
           </p:cNvPr>
@@ -14927,7 +14927,7 @@
           <p:cNvPr id="31" name="Shape">
             <a:extLst>
               <a:ext uri="{FF2B5EF4-FFF2-40B4-BE49-F238E27FC236}">
-                <a16:creationId xmlns:a16="http://schemas.microsoft.com/office/drawing/2014/main" xmlns="" id="{E28A227A-DFA3-0649-A4A0-558F7171B0EA}"/>
+                <a16:creationId xmlns="" xmlns:a16="http://schemas.microsoft.com/office/drawing/2014/main" id="{E28A227A-DFA3-0649-A4A0-558F7171B0EA}"/>
               </a:ext>
             </a:extLst>
           </p:cNvPr>
@@ -15123,7 +15123,7 @@
           <p:cNvPr id="2" name="Title 1">
             <a:extLst>
               <a:ext uri="{FF2B5EF4-FFF2-40B4-BE49-F238E27FC236}">
-                <a16:creationId xmlns:a16="http://schemas.microsoft.com/office/drawing/2014/main" xmlns="" id="{B83E0CBD-0020-9B4C-9A56-326C3B22F02F}"/>
+                <a16:creationId xmlns="" xmlns:a16="http://schemas.microsoft.com/office/drawing/2014/main" id="{B83E0CBD-0020-9B4C-9A56-326C3B22F02F}"/>
               </a:ext>
             </a:extLst>
           </p:cNvPr>
@@ -15162,7 +15162,7 @@
           <p:cNvPr id="4" name="Slide Number Placeholder 3">
             <a:extLst>
               <a:ext uri="{FF2B5EF4-FFF2-40B4-BE49-F238E27FC236}">
-                <a16:creationId xmlns:a16="http://schemas.microsoft.com/office/drawing/2014/main" xmlns="" id="{F1077B55-DE0A-1147-90F1-0FC783990A48}"/>
+                <a16:creationId xmlns="" xmlns:a16="http://schemas.microsoft.com/office/drawing/2014/main" id="{F1077B55-DE0A-1147-90F1-0FC783990A48}"/>
               </a:ext>
             </a:extLst>
           </p:cNvPr>
@@ -15273,7 +15273,7 @@
           <p:cNvPr id="31" name="Shape">
             <a:extLst>
               <a:ext uri="{FF2B5EF4-FFF2-40B4-BE49-F238E27FC236}">
-                <a16:creationId xmlns:a16="http://schemas.microsoft.com/office/drawing/2014/main" xmlns="" id="{E28A227A-DFA3-0649-A4A0-558F7171B0EA}"/>
+                <a16:creationId xmlns="" xmlns:a16="http://schemas.microsoft.com/office/drawing/2014/main" id="{E28A227A-DFA3-0649-A4A0-558F7171B0EA}"/>
               </a:ext>
             </a:extLst>
           </p:cNvPr>
@@ -15469,7 +15469,7 @@
           <p:cNvPr id="2" name="Title 1">
             <a:extLst>
               <a:ext uri="{FF2B5EF4-FFF2-40B4-BE49-F238E27FC236}">
-                <a16:creationId xmlns:a16="http://schemas.microsoft.com/office/drawing/2014/main" xmlns="" id="{B83E0CBD-0020-9B4C-9A56-326C3B22F02F}"/>
+                <a16:creationId xmlns="" xmlns:a16="http://schemas.microsoft.com/office/drawing/2014/main" id="{B83E0CBD-0020-9B4C-9A56-326C3B22F02F}"/>
               </a:ext>
             </a:extLst>
           </p:cNvPr>
@@ -15508,7 +15508,7 @@
           <p:cNvPr id="4" name="Slide Number Placeholder 3">
             <a:extLst>
               <a:ext uri="{FF2B5EF4-FFF2-40B4-BE49-F238E27FC236}">
-                <a16:creationId xmlns:a16="http://schemas.microsoft.com/office/drawing/2014/main" xmlns="" id="{F1077B55-DE0A-1147-90F1-0FC783990A48}"/>
+                <a16:creationId xmlns="" xmlns:a16="http://schemas.microsoft.com/office/drawing/2014/main" id="{F1077B55-DE0A-1147-90F1-0FC783990A48}"/>
               </a:ext>
             </a:extLst>
           </p:cNvPr>
@@ -15619,7 +15619,7 @@
           <p:cNvPr id="32" name="Shape">
             <a:extLst>
               <a:ext uri="{FF2B5EF4-FFF2-40B4-BE49-F238E27FC236}">
-                <a16:creationId xmlns:a16="http://schemas.microsoft.com/office/drawing/2014/main" xmlns="" id="{625D9CEB-E53C-D446-8909-8C2A1208A47F}"/>
+                <a16:creationId xmlns="" xmlns:a16="http://schemas.microsoft.com/office/drawing/2014/main" id="{625D9CEB-E53C-D446-8909-8C2A1208A47F}"/>
               </a:ext>
             </a:extLst>
           </p:cNvPr>
@@ -15786,7 +15786,7 @@
           <p:cNvPr id="35" name="Shape">
             <a:extLst>
               <a:ext uri="{FF2B5EF4-FFF2-40B4-BE49-F238E27FC236}">
-                <a16:creationId xmlns:a16="http://schemas.microsoft.com/office/drawing/2014/main" xmlns="" id="{060CE464-B7D0-A542-8015-021B812A8847}"/>
+                <a16:creationId xmlns="" xmlns:a16="http://schemas.microsoft.com/office/drawing/2014/main" id="{060CE464-B7D0-A542-8015-021B812A8847}"/>
               </a:ext>
             </a:extLst>
           </p:cNvPr>
@@ -15953,7 +15953,7 @@
           <p:cNvPr id="36" name="Shape">
             <a:extLst>
               <a:ext uri="{FF2B5EF4-FFF2-40B4-BE49-F238E27FC236}">
-                <a16:creationId xmlns:a16="http://schemas.microsoft.com/office/drawing/2014/main" xmlns="" id="{DC8D0D3E-24AB-B748-81CA-26BC59EAA9B7}"/>
+                <a16:creationId xmlns="" xmlns:a16="http://schemas.microsoft.com/office/drawing/2014/main" id="{DC8D0D3E-24AB-B748-81CA-26BC59EAA9B7}"/>
               </a:ext>
             </a:extLst>
           </p:cNvPr>
@@ -16105,7 +16105,7 @@
           <p:cNvPr id="31" name="Shape">
             <a:extLst>
               <a:ext uri="{FF2B5EF4-FFF2-40B4-BE49-F238E27FC236}">
-                <a16:creationId xmlns:a16="http://schemas.microsoft.com/office/drawing/2014/main" xmlns="" id="{E28A227A-DFA3-0649-A4A0-558F7171B0EA}"/>
+                <a16:creationId xmlns="" xmlns:a16="http://schemas.microsoft.com/office/drawing/2014/main" id="{E28A227A-DFA3-0649-A4A0-558F7171B0EA}"/>
               </a:ext>
             </a:extLst>
           </p:cNvPr>
@@ -16301,7 +16301,7 @@
           <p:cNvPr id="2" name="Title 1">
             <a:extLst>
               <a:ext uri="{FF2B5EF4-FFF2-40B4-BE49-F238E27FC236}">
-                <a16:creationId xmlns:a16="http://schemas.microsoft.com/office/drawing/2014/main" xmlns="" id="{B83E0CBD-0020-9B4C-9A56-326C3B22F02F}"/>
+                <a16:creationId xmlns="" xmlns:a16="http://schemas.microsoft.com/office/drawing/2014/main" id="{B83E0CBD-0020-9B4C-9A56-326C3B22F02F}"/>
               </a:ext>
             </a:extLst>
           </p:cNvPr>
@@ -16334,7 +16334,7 @@
           <p:cNvPr id="4" name="Slide Number Placeholder 3">
             <a:extLst>
               <a:ext uri="{FF2B5EF4-FFF2-40B4-BE49-F238E27FC236}">
-                <a16:creationId xmlns:a16="http://schemas.microsoft.com/office/drawing/2014/main" xmlns="" id="{F1077B55-DE0A-1147-90F1-0FC783990A48}"/>
+                <a16:creationId xmlns="" xmlns:a16="http://schemas.microsoft.com/office/drawing/2014/main" id="{F1077B55-DE0A-1147-90F1-0FC783990A48}"/>
               </a:ext>
             </a:extLst>
           </p:cNvPr>

--- a/document/쇼핑몰(이태훈).pptx
+++ b/document/쇼핑몰(이태훈).pptx
@@ -6,10 +6,10 @@
     <p:sldMasterId id="2147483753" r:id="rId2"/>
   </p:sldMasterIdLst>
   <p:notesMasterIdLst>
-    <p:notesMasterId r:id="rId14"/>
+    <p:notesMasterId r:id="rId21"/>
   </p:notesMasterIdLst>
   <p:handoutMasterIdLst>
-    <p:handoutMasterId r:id="rId15"/>
+    <p:handoutMasterId r:id="rId22"/>
   </p:handoutMasterIdLst>
   <p:sldIdLst>
     <p:sldId id="1087" r:id="rId3"/>
@@ -21,8 +21,15 @@
     <p:sldId id="1130" r:id="rId9"/>
     <p:sldId id="1131" r:id="rId10"/>
     <p:sldId id="1100" r:id="rId11"/>
-    <p:sldId id="1129" r:id="rId12"/>
-    <p:sldId id="787" r:id="rId13"/>
+    <p:sldId id="1132" r:id="rId12"/>
+    <p:sldId id="1133" r:id="rId13"/>
+    <p:sldId id="1134" r:id="rId14"/>
+    <p:sldId id="1138" r:id="rId15"/>
+    <p:sldId id="1135" r:id="rId16"/>
+    <p:sldId id="1136" r:id="rId17"/>
+    <p:sldId id="1137" r:id="rId18"/>
+    <p:sldId id="1129" r:id="rId19"/>
+    <p:sldId id="787" r:id="rId20"/>
   </p:sldIdLst>
   <p:sldSz cx="12192000" cy="6858000"/>
   <p:notesSz cx="6797675" cy="9926638"/>
@@ -135,6 +142,13 @@
             <p14:sldId id="1130"/>
             <p14:sldId id="1131"/>
             <p14:sldId id="1100"/>
+            <p14:sldId id="1132"/>
+            <p14:sldId id="1133"/>
+            <p14:sldId id="1134"/>
+            <p14:sldId id="1138"/>
+            <p14:sldId id="1135"/>
+            <p14:sldId id="1136"/>
+            <p14:sldId id="1137"/>
             <p14:sldId id="1129"/>
           </p14:sldIdLst>
         </p14:section>
@@ -315,7 +329,7 @@
             <a:fld id="{EA33B4B9-AFB0-43EB-82AF-ED70AC262E4F}" type="datetimeFigureOut">
               <a:rPr lang="en-US" smtClean="0"/>
               <a:pPr/>
-              <a:t>4/26/2021</a:t>
+              <a:t>4/27/2021</a:t>
             </a:fld>
             <a:endParaRPr lang="en-US"/>
           </a:p>
@@ -483,7 +497,7 @@
             <a:fld id="{3D31E77A-DD07-4A76-801D-B4BF4990C412}" type="datetimeFigureOut">
               <a:rPr lang="en-US" smtClean="0"/>
               <a:pPr/>
-              <a:t>4/26/2021</a:t>
+              <a:t>4/27/2021</a:t>
             </a:fld>
             <a:endParaRPr lang="en-US"/>
           </a:p>
@@ -1090,7 +1104,7 @@
             <a:fld id="{2CA3AB2B-189A-4C92-A457-C6A3833631A7}" type="slidenum">
               <a:rPr lang="en-US" smtClean="0"/>
               <a:pPr/>
-              <a:t>10</a:t>
+              <a:t>17</a:t>
             </a:fld>
             <a:endParaRPr lang="en-US"/>
           </a:p>
@@ -1193,7 +1207,7 @@
               <a:pPr defTabSz="914213">
                 <a:defRPr/>
               </a:pPr>
-              <a:t>11</a:t>
+              <a:t>18</a:t>
             </a:fld>
             <a:endParaRPr lang="en-US">
               <a:solidFill>
@@ -6863,10 +6877,1455 @@
       </p:grpSpPr>
       <p:sp>
         <p:nvSpPr>
+          <p:cNvPr id="2" name="제목 1"/>
+          <p:cNvSpPr>
+            <a:spLocks noGrp="1"/>
+          </p:cNvSpPr>
+          <p:nvPr>
+            <p:ph type="title"/>
+          </p:nvPr>
+        </p:nvSpPr>
+        <p:spPr/>
+        <p:txBody>
+          <a:bodyPr/>
+          <a:lstStyle/>
+          <a:p>
+            <a:endParaRPr lang="ko-KR" altLang="en-US" dirty="0"/>
+          </a:p>
+        </p:txBody>
+      </p:sp>
+      <p:sp>
+        <p:nvSpPr>
+          <p:cNvPr id="4" name="슬라이드 번호 개체 틀 3"/>
+          <p:cNvSpPr>
+            <a:spLocks noGrp="1"/>
+          </p:cNvSpPr>
+          <p:nvPr>
+            <p:ph type="sldNum" sz="quarter" idx="12"/>
+          </p:nvPr>
+        </p:nvSpPr>
+        <p:spPr/>
+        <p:txBody>
+          <a:bodyPr/>
+          <a:lstStyle/>
+          <a:p>
+            <a:fld id="{F68327C5-B821-4FE9-A59A-A60D9EB59A9A}" type="slidenum">
+              <a:rPr lang="en-US" smtClean="0"/>
+              <a:pPr/>
+              <a:t>10</a:t>
+            </a:fld>
+            <a:endParaRPr lang="en-US" dirty="0"/>
+          </a:p>
+        </p:txBody>
+      </p:sp>
+      <p:pic>
+        <p:nvPicPr>
+          <p:cNvPr id="5" name="그림 4"/>
+          <p:cNvPicPr>
+            <a:picLocks noChangeAspect="1"/>
+          </p:cNvPicPr>
+          <p:nvPr/>
+        </p:nvPicPr>
+        <p:blipFill>
+          <a:blip r:embed="rId3"/>
+          <a:stretch>
+            <a:fillRect/>
+          </a:stretch>
+        </p:blipFill>
+        <p:spPr>
+          <a:xfrm>
+            <a:off x="1775520" y="908720"/>
+            <a:ext cx="8716591" cy="5010849"/>
+          </a:xfrm>
+          <a:prstGeom prst="rect">
+            <a:avLst/>
+          </a:prstGeom>
+        </p:spPr>
+      </p:pic>
+      <p:sp>
+        <p:nvSpPr>
+          <p:cNvPr id="7" name="TextBox 6"/>
+          <p:cNvSpPr txBox="1"/>
+          <p:nvPr/>
+        </p:nvSpPr>
+        <p:spPr>
+          <a:xfrm>
+            <a:off x="3935760" y="4941168"/>
+            <a:ext cx="864096" cy="360040"/>
+          </a:xfrm>
+          <a:prstGeom prst="rect">
+            <a:avLst/>
+          </a:prstGeom>
+          <a:noFill/>
+          <a:ln w="28575">
+            <a:solidFill>
+              <a:srgbClr val="FF0000"/>
+            </a:solidFill>
+          </a:ln>
+        </p:spPr>
+        <p:txBody>
+          <a:bodyPr vert="eaVert" wrap="square" rtlCol="0">
+            <a:spAutoFit/>
+          </a:bodyPr>
+          <a:lstStyle/>
+          <a:p>
+            <a:endParaRPr lang="ko-KR" altLang="en-US" dirty="0"/>
+          </a:p>
+        </p:txBody>
+      </p:sp>
+      <p:sp>
+        <p:nvSpPr>
+          <p:cNvPr id="10" name="TextBox 9"/>
+          <p:cNvSpPr txBox="1"/>
+          <p:nvPr/>
+        </p:nvSpPr>
+        <p:spPr>
+          <a:xfrm>
+            <a:off x="8040216" y="1484784"/>
+            <a:ext cx="864096" cy="360040"/>
+          </a:xfrm>
+          <a:prstGeom prst="rect">
+            <a:avLst/>
+          </a:prstGeom>
+          <a:noFill/>
+          <a:ln w="28575">
+            <a:solidFill>
+              <a:srgbClr val="FF0000"/>
+            </a:solidFill>
+          </a:ln>
+        </p:spPr>
+        <p:txBody>
+          <a:bodyPr vert="eaVert" wrap="square" rtlCol="0">
+            <a:spAutoFit/>
+          </a:bodyPr>
+          <a:lstStyle/>
+          <a:p>
+            <a:endParaRPr lang="ko-KR" altLang="en-US" dirty="0"/>
+          </a:p>
+        </p:txBody>
+      </p:sp>
+    </p:spTree>
+    <p:extLst>
+      <p:ext uri="{BB962C8B-B14F-4D97-AF65-F5344CB8AC3E}">
+        <p14:creationId xmlns:p14="http://schemas.microsoft.com/office/powerpoint/2010/main" val="370168632"/>
+      </p:ext>
+    </p:extLst>
+  </p:cSld>
+  <p:clrMapOvr>
+    <a:masterClrMapping/>
+  </p:clrMapOvr>
+  <mc:AlternateContent xmlns:mc="http://schemas.openxmlformats.org/markup-compatibility/2006">
+    <mc:Choice xmlns:p14="http://schemas.microsoft.com/office/powerpoint/2010/main" Requires="p14">
+      <p:transition spd="slow" p14:dur="2000">
+        <p:sndAc>
+          <p:stSnd>
+            <p:snd r:embed="rId2" name="click.wav"/>
+          </p:stSnd>
+        </p:sndAc>
+      </p:transition>
+    </mc:Choice>
+    <mc:Fallback>
+      <p:transition spd="slow">
+        <p:sndAc>
+          <p:stSnd>
+            <p:snd r:embed="rId2" name="click.wav"/>
+          </p:stSnd>
+        </p:sndAc>
+      </p:transition>
+    </mc:Fallback>
+  </mc:AlternateContent>
+  <p:timing>
+    <p:tnLst>
+      <p:par>
+        <p:cTn id="1" dur="indefinite" restart="never" nodeType="tmRoot"/>
+      </p:par>
+    </p:tnLst>
+  </p:timing>
+</p:sld>
+</file>
+
+<file path=ppt/slides/slide11.xml><?xml version="1.0" encoding="utf-8"?>
+<p:sld xmlns:a="http://schemas.openxmlformats.org/drawingml/2006/main" xmlns:r="http://schemas.openxmlformats.org/officeDocument/2006/relationships" xmlns:p="http://schemas.openxmlformats.org/presentationml/2006/main">
+  <p:cSld>
+    <p:spTree>
+      <p:nvGrpSpPr>
+        <p:cNvPr id="1" name=""/>
+        <p:cNvGrpSpPr/>
+        <p:nvPr/>
+      </p:nvGrpSpPr>
+      <p:grpSpPr>
+        <a:xfrm>
+          <a:off x="0" y="0"/>
+          <a:ext cx="0" cy="0"/>
+          <a:chOff x="0" y="0"/>
+          <a:chExt cx="0" cy="0"/>
+        </a:xfrm>
+      </p:grpSpPr>
+      <p:sp>
+        <p:nvSpPr>
+          <p:cNvPr id="4" name="슬라이드 번호 개체 틀 3"/>
+          <p:cNvSpPr>
+            <a:spLocks noGrp="1"/>
+          </p:cNvSpPr>
+          <p:nvPr>
+            <p:ph type="sldNum" sz="quarter" idx="12"/>
+          </p:nvPr>
+        </p:nvSpPr>
+        <p:spPr/>
+        <p:txBody>
+          <a:bodyPr/>
+          <a:lstStyle/>
+          <a:p>
+            <a:fld id="{F68327C5-B821-4FE9-A59A-A60D9EB59A9A}" type="slidenum">
+              <a:rPr lang="en-US" smtClean="0"/>
+              <a:pPr/>
+              <a:t>11</a:t>
+            </a:fld>
+            <a:endParaRPr lang="en-US" dirty="0"/>
+          </a:p>
+        </p:txBody>
+      </p:sp>
+      <p:pic>
+        <p:nvPicPr>
+          <p:cNvPr id="5" name="그림 4"/>
+          <p:cNvPicPr>
+            <a:picLocks noChangeAspect="1"/>
+          </p:cNvPicPr>
+          <p:nvPr/>
+        </p:nvPicPr>
+        <p:blipFill>
+          <a:blip r:embed="rId3"/>
+          <a:stretch>
+            <a:fillRect/>
+          </a:stretch>
+        </p:blipFill>
+        <p:spPr>
+          <a:xfrm>
+            <a:off x="1487488" y="404664"/>
+            <a:ext cx="8507012" cy="5915851"/>
+          </a:xfrm>
+          <a:prstGeom prst="rect">
+            <a:avLst/>
+          </a:prstGeom>
+        </p:spPr>
+      </p:pic>
+      <p:sp>
+        <p:nvSpPr>
+          <p:cNvPr id="6" name="TextBox 5"/>
+          <p:cNvSpPr txBox="1"/>
+          <p:nvPr/>
+        </p:nvSpPr>
+        <p:spPr>
+          <a:xfrm>
+            <a:off x="3615296" y="5805264"/>
+            <a:ext cx="864096" cy="360040"/>
+          </a:xfrm>
+          <a:prstGeom prst="rect">
+            <a:avLst/>
+          </a:prstGeom>
+          <a:noFill/>
+          <a:ln w="28575">
+            <a:solidFill>
+              <a:srgbClr val="FF0000"/>
+            </a:solidFill>
+          </a:ln>
+        </p:spPr>
+        <p:txBody>
+          <a:bodyPr vert="eaVert" wrap="square" rtlCol="0">
+            <a:spAutoFit/>
+          </a:bodyPr>
+          <a:lstStyle/>
+          <a:p>
+            <a:endParaRPr lang="ko-KR" altLang="en-US" dirty="0"/>
+          </a:p>
+        </p:txBody>
+      </p:sp>
+      <p:pic>
+        <p:nvPicPr>
+          <p:cNvPr id="7" name="그림 6"/>
+          <p:cNvPicPr>
+            <a:picLocks noChangeAspect="1"/>
+          </p:cNvPicPr>
+          <p:nvPr/>
+        </p:nvPicPr>
+        <p:blipFill>
+          <a:blip r:embed="rId4"/>
+          <a:stretch>
+            <a:fillRect/>
+          </a:stretch>
+        </p:blipFill>
+        <p:spPr>
+          <a:xfrm>
+            <a:off x="5740994" y="4979837"/>
+            <a:ext cx="2619741" cy="1257475"/>
+          </a:xfrm>
+          <a:prstGeom prst="rect">
+            <a:avLst/>
+          </a:prstGeom>
+        </p:spPr>
+      </p:pic>
+      <p:sp>
+        <p:nvSpPr>
+          <p:cNvPr id="8" name="TextBox 7"/>
+          <p:cNvSpPr txBox="1"/>
+          <p:nvPr/>
+        </p:nvSpPr>
+        <p:spPr>
+          <a:xfrm>
+            <a:off x="2750145" y="5805264"/>
+            <a:ext cx="864096" cy="360040"/>
+          </a:xfrm>
+          <a:prstGeom prst="rect">
+            <a:avLst/>
+          </a:prstGeom>
+          <a:noFill/>
+          <a:ln w="28575">
+            <a:solidFill>
+              <a:schemeClr val="accent2">
+                <a:lumMod val="75000"/>
+              </a:schemeClr>
+            </a:solidFill>
+          </a:ln>
+        </p:spPr>
+        <p:txBody>
+          <a:bodyPr vert="eaVert" wrap="square" rtlCol="0">
+            <a:spAutoFit/>
+          </a:bodyPr>
+          <a:lstStyle/>
+          <a:p>
+            <a:endParaRPr lang="ko-KR" altLang="en-US" dirty="0"/>
+          </a:p>
+        </p:txBody>
+      </p:sp>
+      <p:cxnSp>
+        <p:nvCxnSpPr>
+          <p:cNvPr id="10" name="직선 화살표 연결선 9"/>
+          <p:cNvCxnSpPr/>
+          <p:nvPr/>
+        </p:nvCxnSpPr>
+        <p:spPr>
+          <a:xfrm>
+            <a:off x="4479392" y="5985284"/>
+            <a:ext cx="1261602" cy="0"/>
+          </a:xfrm>
+          <a:prstGeom prst="straightConnector1">
+            <a:avLst/>
+          </a:prstGeom>
+          <a:ln>
+            <a:tailEnd type="triangle"/>
+          </a:ln>
+        </p:spPr>
+        <p:style>
+          <a:lnRef idx="1">
+            <a:schemeClr val="accent1"/>
+          </a:lnRef>
+          <a:fillRef idx="0">
+            <a:schemeClr val="accent1"/>
+          </a:fillRef>
+          <a:effectRef idx="0">
+            <a:schemeClr val="accent1"/>
+          </a:effectRef>
+          <a:fontRef idx="minor">
+            <a:schemeClr val="tx1"/>
+          </a:fontRef>
+        </p:style>
+      </p:cxnSp>
+      <p:cxnSp>
+        <p:nvCxnSpPr>
+          <p:cNvPr id="12" name="직선 화살표 연결선 11"/>
+          <p:cNvCxnSpPr/>
+          <p:nvPr/>
+        </p:nvCxnSpPr>
+        <p:spPr>
+          <a:xfrm flipV="1">
+            <a:off x="3359696" y="692696"/>
+            <a:ext cx="2520280" cy="5112568"/>
+          </a:xfrm>
+          <a:prstGeom prst="straightConnector1">
+            <a:avLst/>
+          </a:prstGeom>
+          <a:ln>
+            <a:tailEnd type="triangle"/>
+          </a:ln>
+        </p:spPr>
+        <p:style>
+          <a:lnRef idx="1">
+            <a:schemeClr val="accent1"/>
+          </a:lnRef>
+          <a:fillRef idx="0">
+            <a:schemeClr val="accent1"/>
+          </a:fillRef>
+          <a:effectRef idx="0">
+            <a:schemeClr val="accent1"/>
+          </a:effectRef>
+          <a:fontRef idx="minor">
+            <a:schemeClr val="tx1"/>
+          </a:fontRef>
+        </p:style>
+      </p:cxnSp>
+    </p:spTree>
+    <p:extLst>
+      <p:ext uri="{BB962C8B-B14F-4D97-AF65-F5344CB8AC3E}">
+        <p14:creationId xmlns:p14="http://schemas.microsoft.com/office/powerpoint/2010/main" val="3620335108"/>
+      </p:ext>
+    </p:extLst>
+  </p:cSld>
+  <p:clrMapOvr>
+    <a:masterClrMapping/>
+  </p:clrMapOvr>
+  <mc:AlternateContent xmlns:mc="http://schemas.openxmlformats.org/markup-compatibility/2006">
+    <mc:Choice xmlns:p14="http://schemas.microsoft.com/office/powerpoint/2010/main" Requires="p14">
+      <p:transition spd="slow" p14:dur="2000">
+        <p:sndAc>
+          <p:stSnd>
+            <p:snd r:embed="rId2" name="click.wav"/>
+          </p:stSnd>
+        </p:sndAc>
+      </p:transition>
+    </mc:Choice>
+    <mc:Fallback>
+      <p:transition spd="slow">
+        <p:sndAc>
+          <p:stSnd>
+            <p:snd r:embed="rId2" name="click.wav"/>
+          </p:stSnd>
+        </p:sndAc>
+      </p:transition>
+    </mc:Fallback>
+  </mc:AlternateContent>
+  <p:timing>
+    <p:tnLst>
+      <p:par>
+        <p:cTn id="1" dur="indefinite" restart="never" nodeType="tmRoot"/>
+      </p:par>
+    </p:tnLst>
+  </p:timing>
+</p:sld>
+</file>
+
+<file path=ppt/slides/slide12.xml><?xml version="1.0" encoding="utf-8"?>
+<p:sld xmlns:a="http://schemas.openxmlformats.org/drawingml/2006/main" xmlns:r="http://schemas.openxmlformats.org/officeDocument/2006/relationships" xmlns:p="http://schemas.openxmlformats.org/presentationml/2006/main">
+  <p:cSld>
+    <p:spTree>
+      <p:nvGrpSpPr>
+        <p:cNvPr id="1" name=""/>
+        <p:cNvGrpSpPr/>
+        <p:nvPr/>
+      </p:nvGrpSpPr>
+      <p:grpSpPr>
+        <a:xfrm>
+          <a:off x="0" y="0"/>
+          <a:ext cx="0" cy="0"/>
+          <a:chOff x="0" y="0"/>
+          <a:chExt cx="0" cy="0"/>
+        </a:xfrm>
+      </p:grpSpPr>
+      <p:sp>
+        <p:nvSpPr>
+          <p:cNvPr id="2" name="제목 1"/>
+          <p:cNvSpPr>
+            <a:spLocks noGrp="1"/>
+          </p:cNvSpPr>
+          <p:nvPr>
+            <p:ph type="title"/>
+          </p:nvPr>
+        </p:nvSpPr>
+        <p:spPr/>
+        <p:txBody>
+          <a:bodyPr/>
+          <a:lstStyle/>
+          <a:p>
+            <a:r>
+              <a:rPr lang="ko-KR" altLang="en-US" dirty="0" smtClean="0"/>
+              <a:t>메인 </a:t>
+            </a:r>
+            <a:r>
+              <a:rPr lang="en-US" altLang="ko-KR" dirty="0" smtClean="0"/>
+              <a:t>UI</a:t>
+            </a:r>
+            <a:endParaRPr lang="ko-KR" altLang="en-US" dirty="0"/>
+          </a:p>
+        </p:txBody>
+      </p:sp>
+      <p:sp>
+        <p:nvSpPr>
+          <p:cNvPr id="4" name="슬라이드 번호 개체 틀 3"/>
+          <p:cNvSpPr>
+            <a:spLocks noGrp="1"/>
+          </p:cNvSpPr>
+          <p:nvPr>
+            <p:ph type="sldNum" sz="quarter" idx="12"/>
+          </p:nvPr>
+        </p:nvSpPr>
+        <p:spPr/>
+        <p:txBody>
+          <a:bodyPr/>
+          <a:lstStyle/>
+          <a:p>
+            <a:fld id="{F68327C5-B821-4FE9-A59A-A60D9EB59A9A}" type="slidenum">
+              <a:rPr lang="en-US" smtClean="0"/>
+              <a:pPr/>
+              <a:t>12</a:t>
+            </a:fld>
+            <a:endParaRPr lang="en-US" dirty="0"/>
+          </a:p>
+        </p:txBody>
+      </p:sp>
+      <p:pic>
+        <p:nvPicPr>
+          <p:cNvPr id="5" name="그림 4"/>
+          <p:cNvPicPr>
+            <a:picLocks noChangeAspect="1"/>
+          </p:cNvPicPr>
+          <p:nvPr/>
+        </p:nvPicPr>
+        <p:blipFill>
+          <a:blip r:embed="rId3"/>
+          <a:stretch>
+            <a:fillRect/>
+          </a:stretch>
+        </p:blipFill>
+        <p:spPr>
+          <a:xfrm>
+            <a:off x="559170" y="907149"/>
+            <a:ext cx="6392167" cy="5268060"/>
+          </a:xfrm>
+          <a:prstGeom prst="rect">
+            <a:avLst/>
+          </a:prstGeom>
+        </p:spPr>
+      </p:pic>
+    </p:spTree>
+    <p:extLst>
+      <p:ext uri="{BB962C8B-B14F-4D97-AF65-F5344CB8AC3E}">
+        <p14:creationId xmlns:p14="http://schemas.microsoft.com/office/powerpoint/2010/main" val="2035920088"/>
+      </p:ext>
+    </p:extLst>
+  </p:cSld>
+  <p:clrMapOvr>
+    <a:masterClrMapping/>
+  </p:clrMapOvr>
+  <mc:AlternateContent xmlns:mc="http://schemas.openxmlformats.org/markup-compatibility/2006">
+    <mc:Choice xmlns:p14="http://schemas.microsoft.com/office/powerpoint/2010/main" Requires="p14">
+      <p:transition spd="slow" p14:dur="2000">
+        <p:sndAc>
+          <p:stSnd>
+            <p:snd r:embed="rId2" name="click.wav"/>
+          </p:stSnd>
+        </p:sndAc>
+      </p:transition>
+    </mc:Choice>
+    <mc:Fallback>
+      <p:transition spd="slow">
+        <p:sndAc>
+          <p:stSnd>
+            <p:snd r:embed="rId2" name="click.wav"/>
+          </p:stSnd>
+        </p:sndAc>
+      </p:transition>
+    </mc:Fallback>
+  </mc:AlternateContent>
+  <p:timing>
+    <p:tnLst>
+      <p:par>
+        <p:cTn id="1" dur="indefinite" restart="never" nodeType="tmRoot"/>
+      </p:par>
+    </p:tnLst>
+  </p:timing>
+</p:sld>
+</file>
+
+<file path=ppt/slides/slide13.xml><?xml version="1.0" encoding="utf-8"?>
+<p:sld xmlns:a="http://schemas.openxmlformats.org/drawingml/2006/main" xmlns:r="http://schemas.openxmlformats.org/officeDocument/2006/relationships" xmlns:p="http://schemas.openxmlformats.org/presentationml/2006/main">
+  <p:cSld>
+    <p:spTree>
+      <p:nvGrpSpPr>
+        <p:cNvPr id="1" name=""/>
+        <p:cNvGrpSpPr/>
+        <p:nvPr/>
+      </p:nvGrpSpPr>
+      <p:grpSpPr>
+        <a:xfrm>
+          <a:off x="0" y="0"/>
+          <a:ext cx="0" cy="0"/>
+          <a:chOff x="0" y="0"/>
+          <a:chExt cx="0" cy="0"/>
+        </a:xfrm>
+      </p:grpSpPr>
+      <p:sp>
+        <p:nvSpPr>
+          <p:cNvPr id="4" name="슬라이드 번호 개체 틀 3"/>
+          <p:cNvSpPr>
+            <a:spLocks noGrp="1"/>
+          </p:cNvSpPr>
+          <p:nvPr>
+            <p:ph type="sldNum" sz="quarter" idx="12"/>
+          </p:nvPr>
+        </p:nvSpPr>
+        <p:spPr/>
+        <p:txBody>
+          <a:bodyPr/>
+          <a:lstStyle/>
+          <a:p>
+            <a:fld id="{F68327C5-B821-4FE9-A59A-A60D9EB59A9A}" type="slidenum">
+              <a:rPr lang="en-US" smtClean="0"/>
+              <a:pPr/>
+              <a:t>13</a:t>
+            </a:fld>
+            <a:endParaRPr lang="en-US" dirty="0"/>
+          </a:p>
+        </p:txBody>
+      </p:sp>
+      <p:pic>
+        <p:nvPicPr>
+          <p:cNvPr id="7" name="그림 6"/>
+          <p:cNvPicPr>
+            <a:picLocks noChangeAspect="1"/>
+          </p:cNvPicPr>
+          <p:nvPr/>
+        </p:nvPicPr>
+        <p:blipFill>
+          <a:blip r:embed="rId3"/>
+          <a:stretch>
+            <a:fillRect/>
+          </a:stretch>
+        </p:blipFill>
+        <p:spPr>
+          <a:xfrm>
+            <a:off x="733928" y="1079603"/>
+            <a:ext cx="5884206" cy="4853455"/>
+          </a:xfrm>
+          <a:prstGeom prst="rect">
+            <a:avLst/>
+          </a:prstGeom>
+        </p:spPr>
+      </p:pic>
+      <p:sp>
+        <p:nvSpPr>
+          <p:cNvPr id="8" name="제목 1"/>
+          <p:cNvSpPr>
+            <a:spLocks noGrp="1"/>
+          </p:cNvSpPr>
+          <p:nvPr>
+            <p:ph type="title"/>
+          </p:nvPr>
+        </p:nvSpPr>
+        <p:spPr>
+          <a:xfrm>
+            <a:off x="623887" y="137160"/>
+            <a:ext cx="9797831" cy="707886"/>
+          </a:xfrm>
+        </p:spPr>
+        <p:txBody>
+          <a:bodyPr/>
+          <a:lstStyle/>
+          <a:p>
+            <a:r>
+              <a:rPr lang="ko-KR" altLang="en-US" dirty="0" smtClean="0"/>
+              <a:t>제품별조회 </a:t>
+            </a:r>
+            <a:r>
+              <a:rPr lang="en-US" altLang="ko-KR" dirty="0" smtClean="0"/>
+              <a:t>UI</a:t>
+            </a:r>
+            <a:endParaRPr lang="ko-KR" altLang="en-US" dirty="0"/>
+          </a:p>
+        </p:txBody>
+      </p:sp>
+    </p:spTree>
+    <p:extLst>
+      <p:ext uri="{BB962C8B-B14F-4D97-AF65-F5344CB8AC3E}">
+        <p14:creationId xmlns:p14="http://schemas.microsoft.com/office/powerpoint/2010/main" val="1835225254"/>
+      </p:ext>
+    </p:extLst>
+  </p:cSld>
+  <p:clrMapOvr>
+    <a:masterClrMapping/>
+  </p:clrMapOvr>
+  <mc:AlternateContent xmlns:mc="http://schemas.openxmlformats.org/markup-compatibility/2006">
+    <mc:Choice xmlns:p14="http://schemas.microsoft.com/office/powerpoint/2010/main" Requires="p14">
+      <p:transition spd="slow" p14:dur="2000">
+        <p:sndAc>
+          <p:stSnd>
+            <p:snd r:embed="rId2" name="click.wav"/>
+          </p:stSnd>
+        </p:sndAc>
+      </p:transition>
+    </mc:Choice>
+    <mc:Fallback>
+      <p:transition spd="slow">
+        <p:sndAc>
+          <p:stSnd>
+            <p:snd r:embed="rId2" name="click.wav"/>
+          </p:stSnd>
+        </p:sndAc>
+      </p:transition>
+    </mc:Fallback>
+  </mc:AlternateContent>
+  <p:timing>
+    <p:tnLst>
+      <p:par>
+        <p:cTn id="1" dur="indefinite" restart="never" nodeType="tmRoot"/>
+      </p:par>
+    </p:tnLst>
+  </p:timing>
+</p:sld>
+</file>
+
+<file path=ppt/slides/slide14.xml><?xml version="1.0" encoding="utf-8"?>
+<p:sld xmlns:a="http://schemas.openxmlformats.org/drawingml/2006/main" xmlns:r="http://schemas.openxmlformats.org/officeDocument/2006/relationships" xmlns:p="http://schemas.openxmlformats.org/presentationml/2006/main">
+  <p:cSld>
+    <p:spTree>
+      <p:nvGrpSpPr>
+        <p:cNvPr id="1" name=""/>
+        <p:cNvGrpSpPr/>
+        <p:nvPr/>
+      </p:nvGrpSpPr>
+      <p:grpSpPr>
+        <a:xfrm>
+          <a:off x="0" y="0"/>
+          <a:ext cx="0" cy="0"/>
+          <a:chOff x="0" y="0"/>
+          <a:chExt cx="0" cy="0"/>
+        </a:xfrm>
+      </p:grpSpPr>
+      <p:sp>
+        <p:nvSpPr>
+          <p:cNvPr id="4" name="슬라이드 번호 개체 틀 3"/>
+          <p:cNvSpPr>
+            <a:spLocks noGrp="1"/>
+          </p:cNvSpPr>
+          <p:nvPr>
+            <p:ph type="sldNum" sz="quarter" idx="12"/>
+          </p:nvPr>
+        </p:nvSpPr>
+        <p:spPr/>
+        <p:txBody>
+          <a:bodyPr/>
+          <a:lstStyle/>
+          <a:p>
+            <a:fld id="{F68327C5-B821-4FE9-A59A-A60D9EB59A9A}" type="slidenum">
+              <a:rPr lang="en-US" smtClean="0"/>
+              <a:pPr/>
+              <a:t>14</a:t>
+            </a:fld>
+            <a:endParaRPr lang="en-US" dirty="0"/>
+          </a:p>
+        </p:txBody>
+      </p:sp>
+      <p:pic>
+        <p:nvPicPr>
+          <p:cNvPr id="7" name="그림 6"/>
+          <p:cNvPicPr>
+            <a:picLocks noChangeAspect="1"/>
+          </p:cNvPicPr>
+          <p:nvPr/>
+        </p:nvPicPr>
+        <p:blipFill>
+          <a:blip r:embed="rId3"/>
+          <a:stretch>
+            <a:fillRect/>
+          </a:stretch>
+        </p:blipFill>
+        <p:spPr>
+          <a:xfrm>
+            <a:off x="767410" y="1268760"/>
+            <a:ext cx="4525006" cy="3734321"/>
+          </a:xfrm>
+          <a:prstGeom prst="rect">
+            <a:avLst/>
+          </a:prstGeom>
+        </p:spPr>
+      </p:pic>
+      <p:pic>
+        <p:nvPicPr>
+          <p:cNvPr id="9" name="그림 8"/>
+          <p:cNvPicPr>
+            <a:picLocks noChangeAspect="1"/>
+          </p:cNvPicPr>
+          <p:nvPr/>
+        </p:nvPicPr>
+        <p:blipFill>
+          <a:blip r:embed="rId4"/>
+          <a:stretch>
+            <a:fillRect/>
+          </a:stretch>
+        </p:blipFill>
+        <p:spPr>
+          <a:xfrm>
+            <a:off x="5934817" y="1236260"/>
+            <a:ext cx="4486901" cy="3715268"/>
+          </a:xfrm>
+          <a:prstGeom prst="rect">
+            <a:avLst/>
+          </a:prstGeom>
+        </p:spPr>
+      </p:pic>
+      <p:sp>
+        <p:nvSpPr>
+          <p:cNvPr id="10" name="제목 1"/>
+          <p:cNvSpPr>
+            <a:spLocks noGrp="1"/>
+          </p:cNvSpPr>
+          <p:nvPr>
+            <p:ph type="title"/>
+          </p:nvPr>
+        </p:nvSpPr>
+        <p:spPr>
+          <a:xfrm>
+            <a:off x="623887" y="137160"/>
+            <a:ext cx="9797831" cy="707886"/>
+          </a:xfrm>
+        </p:spPr>
+        <p:txBody>
+          <a:bodyPr/>
+          <a:lstStyle/>
+          <a:p>
+            <a:r>
+              <a:rPr lang="ko-KR" altLang="en-US" dirty="0" smtClean="0"/>
+              <a:t>상세조회 </a:t>
+            </a:r>
+            <a:r>
+              <a:rPr lang="en-US" altLang="ko-KR" dirty="0" smtClean="0"/>
+              <a:t>UI</a:t>
+            </a:r>
+            <a:endParaRPr lang="ko-KR" altLang="en-US" dirty="0"/>
+          </a:p>
+        </p:txBody>
+      </p:sp>
+    </p:spTree>
+    <p:extLst>
+      <p:ext uri="{BB962C8B-B14F-4D97-AF65-F5344CB8AC3E}">
+        <p14:creationId xmlns:p14="http://schemas.microsoft.com/office/powerpoint/2010/main" val="2528932251"/>
+      </p:ext>
+    </p:extLst>
+  </p:cSld>
+  <p:clrMapOvr>
+    <a:masterClrMapping/>
+  </p:clrMapOvr>
+  <mc:AlternateContent xmlns:mc="http://schemas.openxmlformats.org/markup-compatibility/2006">
+    <mc:Choice xmlns:p14="http://schemas.microsoft.com/office/powerpoint/2010/main" Requires="p14">
+      <p:transition spd="slow" p14:dur="2000">
+        <p:sndAc>
+          <p:stSnd>
+            <p:snd r:embed="rId2" name="click.wav"/>
+          </p:stSnd>
+        </p:sndAc>
+      </p:transition>
+    </mc:Choice>
+    <mc:Fallback>
+      <p:transition spd="slow">
+        <p:sndAc>
+          <p:stSnd>
+            <p:snd r:embed="rId2" name="click.wav"/>
+          </p:stSnd>
+        </p:sndAc>
+      </p:transition>
+    </mc:Fallback>
+  </mc:AlternateContent>
+  <p:timing>
+    <p:tnLst>
+      <p:par>
+        <p:cTn id="1" dur="indefinite" restart="never" nodeType="tmRoot"/>
+      </p:par>
+    </p:tnLst>
+  </p:timing>
+</p:sld>
+</file>
+
+<file path=ppt/slides/slide15.xml><?xml version="1.0" encoding="utf-8"?>
+<p:sld xmlns:a="http://schemas.openxmlformats.org/drawingml/2006/main" xmlns:r="http://schemas.openxmlformats.org/officeDocument/2006/relationships" xmlns:p="http://schemas.openxmlformats.org/presentationml/2006/main">
+  <p:cSld>
+    <p:spTree>
+      <p:nvGrpSpPr>
+        <p:cNvPr id="1" name=""/>
+        <p:cNvGrpSpPr/>
+        <p:nvPr/>
+      </p:nvGrpSpPr>
+      <p:grpSpPr>
+        <a:xfrm>
+          <a:off x="0" y="0"/>
+          <a:ext cx="0" cy="0"/>
+          <a:chOff x="0" y="0"/>
+          <a:chExt cx="0" cy="0"/>
+        </a:xfrm>
+      </p:grpSpPr>
+      <p:sp>
+        <p:nvSpPr>
+          <p:cNvPr id="2" name="제목 1"/>
+          <p:cNvSpPr>
+            <a:spLocks noGrp="1"/>
+          </p:cNvSpPr>
+          <p:nvPr>
+            <p:ph type="title"/>
+          </p:nvPr>
+        </p:nvSpPr>
+        <p:spPr/>
+        <p:txBody>
+          <a:bodyPr/>
+          <a:lstStyle/>
+          <a:p>
+            <a:r>
+              <a:rPr lang="ko-KR" altLang="en-US" dirty="0" smtClean="0"/>
+              <a:t>제품관리</a:t>
+            </a:r>
+            <a:endParaRPr lang="ko-KR" altLang="en-US" dirty="0"/>
+          </a:p>
+        </p:txBody>
+      </p:sp>
+      <p:sp>
+        <p:nvSpPr>
+          <p:cNvPr id="4" name="슬라이드 번호 개체 틀 3"/>
+          <p:cNvSpPr>
+            <a:spLocks noGrp="1"/>
+          </p:cNvSpPr>
+          <p:nvPr>
+            <p:ph type="sldNum" sz="quarter" idx="12"/>
+          </p:nvPr>
+        </p:nvSpPr>
+        <p:spPr/>
+        <p:txBody>
+          <a:bodyPr/>
+          <a:lstStyle/>
+          <a:p>
+            <a:fld id="{F68327C5-B821-4FE9-A59A-A60D9EB59A9A}" type="slidenum">
+              <a:rPr lang="en-US" smtClean="0"/>
+              <a:pPr/>
+              <a:t>15</a:t>
+            </a:fld>
+            <a:endParaRPr lang="en-US" dirty="0"/>
+          </a:p>
+        </p:txBody>
+      </p:sp>
+      <p:pic>
+        <p:nvPicPr>
+          <p:cNvPr id="7" name="그림 6"/>
+          <p:cNvPicPr>
+            <a:picLocks noChangeAspect="1"/>
+          </p:cNvPicPr>
+          <p:nvPr/>
+        </p:nvPicPr>
+        <p:blipFill>
+          <a:blip r:embed="rId3"/>
+          <a:stretch>
+            <a:fillRect/>
+          </a:stretch>
+        </p:blipFill>
+        <p:spPr>
+          <a:xfrm>
+            <a:off x="547789" y="930427"/>
+            <a:ext cx="5220733" cy="4298773"/>
+          </a:xfrm>
+          <a:prstGeom prst="rect">
+            <a:avLst/>
+          </a:prstGeom>
+        </p:spPr>
+      </p:pic>
+      <p:pic>
+        <p:nvPicPr>
+          <p:cNvPr id="8" name="그림 7"/>
+          <p:cNvPicPr>
+            <a:picLocks noChangeAspect="1"/>
+          </p:cNvPicPr>
+          <p:nvPr/>
+        </p:nvPicPr>
+        <p:blipFill>
+          <a:blip r:embed="rId4"/>
+          <a:stretch>
+            <a:fillRect/>
+          </a:stretch>
+        </p:blipFill>
+        <p:spPr>
+          <a:xfrm>
+            <a:off x="6384032" y="814096"/>
+            <a:ext cx="4605138" cy="5618434"/>
+          </a:xfrm>
+          <a:prstGeom prst="rect">
+            <a:avLst/>
+          </a:prstGeom>
+        </p:spPr>
+      </p:pic>
+      <p:sp>
+        <p:nvSpPr>
+          <p:cNvPr id="9" name="TextBox 8"/>
+          <p:cNvSpPr txBox="1"/>
+          <p:nvPr/>
+        </p:nvSpPr>
+        <p:spPr>
+          <a:xfrm>
+            <a:off x="4151784" y="2996952"/>
+            <a:ext cx="720080" cy="241175"/>
+          </a:xfrm>
+          <a:prstGeom prst="rect">
+            <a:avLst/>
+          </a:prstGeom>
+          <a:noFill/>
+          <a:ln w="28575">
+            <a:solidFill>
+              <a:srgbClr val="FF0000"/>
+            </a:solidFill>
+          </a:ln>
+        </p:spPr>
+        <p:txBody>
+          <a:bodyPr vert="eaVert" wrap="square" rtlCol="0">
+            <a:spAutoFit/>
+          </a:bodyPr>
+          <a:lstStyle/>
+          <a:p>
+            <a:endParaRPr lang="ko-KR" altLang="en-US" dirty="0"/>
+          </a:p>
+        </p:txBody>
+      </p:sp>
+      <p:sp>
+        <p:nvSpPr>
+          <p:cNvPr id="10" name="TextBox 9"/>
+          <p:cNvSpPr txBox="1"/>
+          <p:nvPr/>
+        </p:nvSpPr>
+        <p:spPr>
+          <a:xfrm>
+            <a:off x="2711625" y="1340768"/>
+            <a:ext cx="864096" cy="360040"/>
+          </a:xfrm>
+          <a:prstGeom prst="rect">
+            <a:avLst/>
+          </a:prstGeom>
+          <a:noFill/>
+          <a:ln w="28575">
+            <a:solidFill>
+              <a:srgbClr val="FF0000"/>
+            </a:solidFill>
+          </a:ln>
+        </p:spPr>
+        <p:txBody>
+          <a:bodyPr vert="eaVert" wrap="square" rtlCol="0">
+            <a:spAutoFit/>
+          </a:bodyPr>
+          <a:lstStyle/>
+          <a:p>
+            <a:endParaRPr lang="ko-KR" altLang="en-US" dirty="0"/>
+          </a:p>
+        </p:txBody>
+      </p:sp>
+      <p:cxnSp>
+        <p:nvCxnSpPr>
+          <p:cNvPr id="12" name="직선 화살표 연결선 11"/>
+          <p:cNvCxnSpPr>
+            <a:stCxn id="10" idx="3"/>
+          </p:cNvCxnSpPr>
+          <p:nvPr/>
+        </p:nvCxnSpPr>
+        <p:spPr>
+          <a:xfrm flipV="1">
+            <a:off x="3575721" y="1052736"/>
+            <a:ext cx="2952327" cy="468052"/>
+          </a:xfrm>
+          <a:prstGeom prst="straightConnector1">
+            <a:avLst/>
+          </a:prstGeom>
+          <a:ln>
+            <a:tailEnd type="triangle"/>
+          </a:ln>
+        </p:spPr>
+        <p:style>
+          <a:lnRef idx="1">
+            <a:schemeClr val="accent1"/>
+          </a:lnRef>
+          <a:fillRef idx="0">
+            <a:schemeClr val="accent1"/>
+          </a:fillRef>
+          <a:effectRef idx="0">
+            <a:schemeClr val="accent1"/>
+          </a:effectRef>
+          <a:fontRef idx="minor">
+            <a:schemeClr val="tx1"/>
+          </a:fontRef>
+        </p:style>
+      </p:cxnSp>
+      <p:cxnSp>
+        <p:nvCxnSpPr>
+          <p:cNvPr id="14" name="직선 화살표 연결선 13"/>
+          <p:cNvCxnSpPr>
+            <a:stCxn id="9" idx="3"/>
+            <a:endCxn id="8" idx="1"/>
+          </p:cNvCxnSpPr>
+          <p:nvPr/>
+        </p:nvCxnSpPr>
+        <p:spPr>
+          <a:xfrm>
+            <a:off x="4871864" y="3117540"/>
+            <a:ext cx="1512168" cy="505773"/>
+          </a:xfrm>
+          <a:prstGeom prst="straightConnector1">
+            <a:avLst/>
+          </a:prstGeom>
+          <a:ln>
+            <a:tailEnd type="triangle"/>
+          </a:ln>
+        </p:spPr>
+        <p:style>
+          <a:lnRef idx="1">
+            <a:schemeClr val="accent1"/>
+          </a:lnRef>
+          <a:fillRef idx="0">
+            <a:schemeClr val="accent1"/>
+          </a:fillRef>
+          <a:effectRef idx="0">
+            <a:schemeClr val="accent1"/>
+          </a:effectRef>
+          <a:fontRef idx="minor">
+            <a:schemeClr val="tx1"/>
+          </a:fontRef>
+        </p:style>
+      </p:cxnSp>
+    </p:spTree>
+    <p:extLst>
+      <p:ext uri="{BB962C8B-B14F-4D97-AF65-F5344CB8AC3E}">
+        <p14:creationId xmlns:p14="http://schemas.microsoft.com/office/powerpoint/2010/main" val="2492267559"/>
+      </p:ext>
+    </p:extLst>
+  </p:cSld>
+  <p:clrMapOvr>
+    <a:masterClrMapping/>
+  </p:clrMapOvr>
+  <mc:AlternateContent xmlns:mc="http://schemas.openxmlformats.org/markup-compatibility/2006">
+    <mc:Choice xmlns:p14="http://schemas.microsoft.com/office/powerpoint/2010/main" Requires="p14">
+      <p:transition spd="slow" p14:dur="2000">
+        <p:sndAc>
+          <p:stSnd>
+            <p:snd r:embed="rId2" name="click.wav"/>
+          </p:stSnd>
+        </p:sndAc>
+      </p:transition>
+    </mc:Choice>
+    <mc:Fallback>
+      <p:transition spd="slow">
+        <p:sndAc>
+          <p:stSnd>
+            <p:snd r:embed="rId2" name="click.wav"/>
+          </p:stSnd>
+        </p:sndAc>
+      </p:transition>
+    </mc:Fallback>
+  </mc:AlternateContent>
+  <p:timing>
+    <p:tnLst>
+      <p:par>
+        <p:cTn id="1" dur="indefinite" restart="never" nodeType="tmRoot"/>
+      </p:par>
+    </p:tnLst>
+  </p:timing>
+</p:sld>
+</file>
+
+<file path=ppt/slides/slide16.xml><?xml version="1.0" encoding="utf-8"?>
+<p:sld xmlns:a="http://schemas.openxmlformats.org/drawingml/2006/main" xmlns:r="http://schemas.openxmlformats.org/officeDocument/2006/relationships" xmlns:p="http://schemas.openxmlformats.org/presentationml/2006/main">
+  <p:cSld>
+    <p:spTree>
+      <p:nvGrpSpPr>
+        <p:cNvPr id="1" name=""/>
+        <p:cNvGrpSpPr/>
+        <p:nvPr/>
+      </p:nvGrpSpPr>
+      <p:grpSpPr>
+        <a:xfrm>
+          <a:off x="0" y="0"/>
+          <a:ext cx="0" cy="0"/>
+          <a:chOff x="0" y="0"/>
+          <a:chExt cx="0" cy="0"/>
+        </a:xfrm>
+      </p:grpSpPr>
+      <p:sp>
+        <p:nvSpPr>
+          <p:cNvPr id="2" name="제목 1"/>
+          <p:cNvSpPr>
+            <a:spLocks noGrp="1"/>
+          </p:cNvSpPr>
+          <p:nvPr>
+            <p:ph type="title"/>
+          </p:nvPr>
+        </p:nvSpPr>
+        <p:spPr/>
+        <p:txBody>
+          <a:bodyPr/>
+          <a:lstStyle/>
+          <a:p>
+            <a:r>
+              <a:rPr lang="ko-KR" altLang="en-US" dirty="0" smtClean="0"/>
+              <a:t>회원 관리</a:t>
+            </a:r>
+            <a:endParaRPr lang="ko-KR" altLang="en-US" dirty="0"/>
+          </a:p>
+        </p:txBody>
+      </p:sp>
+      <p:sp>
+        <p:nvSpPr>
+          <p:cNvPr id="4" name="슬라이드 번호 개체 틀 3"/>
+          <p:cNvSpPr>
+            <a:spLocks noGrp="1"/>
+          </p:cNvSpPr>
+          <p:nvPr>
+            <p:ph type="sldNum" sz="quarter" idx="12"/>
+          </p:nvPr>
+        </p:nvSpPr>
+        <p:spPr/>
+        <p:txBody>
+          <a:bodyPr/>
+          <a:lstStyle/>
+          <a:p>
+            <a:fld id="{F68327C5-B821-4FE9-A59A-A60D9EB59A9A}" type="slidenum">
+              <a:rPr lang="en-US" smtClean="0"/>
+              <a:pPr/>
+              <a:t>16</a:t>
+            </a:fld>
+            <a:endParaRPr lang="en-US" dirty="0"/>
+          </a:p>
+        </p:txBody>
+      </p:sp>
+      <p:pic>
+        <p:nvPicPr>
+          <p:cNvPr id="6" name="그림 5"/>
+          <p:cNvPicPr>
+            <a:picLocks noChangeAspect="1"/>
+          </p:cNvPicPr>
+          <p:nvPr/>
+        </p:nvPicPr>
+        <p:blipFill>
+          <a:blip r:embed="rId3"/>
+          <a:stretch>
+            <a:fillRect/>
+          </a:stretch>
+        </p:blipFill>
+        <p:spPr>
+          <a:xfrm>
+            <a:off x="547789" y="980728"/>
+            <a:ext cx="4505954" cy="3677163"/>
+          </a:xfrm>
+          <a:prstGeom prst="rect">
+            <a:avLst/>
+          </a:prstGeom>
+        </p:spPr>
+      </p:pic>
+      <p:pic>
+        <p:nvPicPr>
+          <p:cNvPr id="7" name="그림 6"/>
+          <p:cNvPicPr>
+            <a:picLocks noChangeAspect="1"/>
+          </p:cNvPicPr>
+          <p:nvPr/>
+        </p:nvPicPr>
+        <p:blipFill>
+          <a:blip r:embed="rId4"/>
+          <a:stretch>
+            <a:fillRect/>
+          </a:stretch>
+        </p:blipFill>
+        <p:spPr>
+          <a:xfrm>
+            <a:off x="4151784" y="1369358"/>
+            <a:ext cx="8364117" cy="4867954"/>
+          </a:xfrm>
+          <a:prstGeom prst="rect">
+            <a:avLst/>
+          </a:prstGeom>
+        </p:spPr>
+      </p:pic>
+      <p:sp>
+        <p:nvSpPr>
+          <p:cNvPr id="8" name="TextBox 7"/>
+          <p:cNvSpPr txBox="1"/>
+          <p:nvPr/>
+        </p:nvSpPr>
+        <p:spPr>
+          <a:xfrm>
+            <a:off x="3296255" y="2060848"/>
+            <a:ext cx="720080" cy="241175"/>
+          </a:xfrm>
+          <a:prstGeom prst="rect">
+            <a:avLst/>
+          </a:prstGeom>
+          <a:noFill/>
+          <a:ln w="28575">
+            <a:solidFill>
+              <a:schemeClr val="accent1"/>
+            </a:solidFill>
+          </a:ln>
+        </p:spPr>
+        <p:txBody>
+          <a:bodyPr vert="eaVert" wrap="square" rtlCol="0">
+            <a:spAutoFit/>
+          </a:bodyPr>
+          <a:lstStyle/>
+          <a:p>
+            <a:endParaRPr lang="ko-KR" altLang="en-US" dirty="0"/>
+          </a:p>
+        </p:txBody>
+      </p:sp>
+      <p:sp>
+        <p:nvSpPr>
+          <p:cNvPr id="9" name="TextBox 8"/>
+          <p:cNvSpPr txBox="1"/>
+          <p:nvPr/>
+        </p:nvSpPr>
+        <p:spPr>
+          <a:xfrm>
+            <a:off x="2440726" y="1393581"/>
+            <a:ext cx="720080" cy="241175"/>
+          </a:xfrm>
+          <a:prstGeom prst="rect">
+            <a:avLst/>
+          </a:prstGeom>
+          <a:noFill/>
+          <a:ln w="28575">
+            <a:solidFill>
+              <a:srgbClr val="FF0000"/>
+            </a:solidFill>
+          </a:ln>
+        </p:spPr>
+        <p:txBody>
+          <a:bodyPr vert="eaVert" wrap="square" rtlCol="0">
+            <a:spAutoFit/>
+          </a:bodyPr>
+          <a:lstStyle/>
+          <a:p>
+            <a:endParaRPr lang="ko-KR" altLang="en-US" dirty="0"/>
+          </a:p>
+        </p:txBody>
+      </p:sp>
+      <p:cxnSp>
+        <p:nvCxnSpPr>
+          <p:cNvPr id="11" name="직선 화살표 연결선 10"/>
+          <p:cNvCxnSpPr>
+            <a:stCxn id="9" idx="3"/>
+          </p:cNvCxnSpPr>
+          <p:nvPr/>
+        </p:nvCxnSpPr>
+        <p:spPr>
+          <a:xfrm flipV="1">
+            <a:off x="3160806" y="1514168"/>
+            <a:ext cx="5277311" cy="1"/>
+          </a:xfrm>
+          <a:prstGeom prst="straightConnector1">
+            <a:avLst/>
+          </a:prstGeom>
+          <a:ln>
+            <a:solidFill>
+              <a:schemeClr val="accent5"/>
+            </a:solidFill>
+            <a:tailEnd type="triangle"/>
+          </a:ln>
+        </p:spPr>
+        <p:style>
+          <a:lnRef idx="1">
+            <a:schemeClr val="accent1"/>
+          </a:lnRef>
+          <a:fillRef idx="0">
+            <a:schemeClr val="accent1"/>
+          </a:fillRef>
+          <a:effectRef idx="0">
+            <a:schemeClr val="accent1"/>
+          </a:effectRef>
+          <a:fontRef idx="minor">
+            <a:schemeClr val="tx1"/>
+          </a:fontRef>
+        </p:style>
+      </p:cxnSp>
+      <p:cxnSp>
+        <p:nvCxnSpPr>
+          <p:cNvPr id="14" name="직선 화살표 연결선 13"/>
+          <p:cNvCxnSpPr/>
+          <p:nvPr/>
+        </p:nvCxnSpPr>
+        <p:spPr>
+          <a:xfrm flipV="1">
+            <a:off x="4016335" y="1634756"/>
+            <a:ext cx="567497" cy="426092"/>
+          </a:xfrm>
+          <a:prstGeom prst="straightConnector1">
+            <a:avLst/>
+          </a:prstGeom>
+          <a:ln>
+            <a:tailEnd type="triangle"/>
+          </a:ln>
+        </p:spPr>
+        <p:style>
+          <a:lnRef idx="1">
+            <a:schemeClr val="accent1"/>
+          </a:lnRef>
+          <a:fillRef idx="0">
+            <a:schemeClr val="accent1"/>
+          </a:fillRef>
+          <a:effectRef idx="0">
+            <a:schemeClr val="accent1"/>
+          </a:effectRef>
+          <a:fontRef idx="minor">
+            <a:schemeClr val="tx1"/>
+          </a:fontRef>
+        </p:style>
+      </p:cxnSp>
+    </p:spTree>
+    <p:extLst>
+      <p:ext uri="{BB962C8B-B14F-4D97-AF65-F5344CB8AC3E}">
+        <p14:creationId xmlns:p14="http://schemas.microsoft.com/office/powerpoint/2010/main" val="1866331751"/>
+      </p:ext>
+    </p:extLst>
+  </p:cSld>
+  <p:clrMapOvr>
+    <a:masterClrMapping/>
+  </p:clrMapOvr>
+  <mc:AlternateContent xmlns:mc="http://schemas.openxmlformats.org/markup-compatibility/2006">
+    <mc:Choice xmlns:p14="http://schemas.microsoft.com/office/powerpoint/2010/main" Requires="p14">
+      <p:transition spd="slow" p14:dur="2000">
+        <p:sndAc>
+          <p:stSnd>
+            <p:snd r:embed="rId2" name="click.wav"/>
+          </p:stSnd>
+        </p:sndAc>
+      </p:transition>
+    </mc:Choice>
+    <mc:Fallback>
+      <p:transition spd="slow">
+        <p:sndAc>
+          <p:stSnd>
+            <p:snd r:embed="rId2" name="click.wav"/>
+          </p:stSnd>
+        </p:sndAc>
+      </p:transition>
+    </mc:Fallback>
+  </mc:AlternateContent>
+  <p:timing>
+    <p:tnLst>
+      <p:par>
+        <p:cTn id="1" dur="indefinite" restart="never" nodeType="tmRoot"/>
+      </p:par>
+    </p:tnLst>
+  </p:timing>
+</p:sld>
+</file>
+
+<file path=ppt/slides/slide17.xml><?xml version="1.0" encoding="utf-8"?>
+<p:sld xmlns:a="http://schemas.openxmlformats.org/drawingml/2006/main" xmlns:r="http://schemas.openxmlformats.org/officeDocument/2006/relationships" xmlns:p="http://schemas.openxmlformats.org/presentationml/2006/main">
+  <p:cSld>
+    <p:spTree>
+      <p:nvGrpSpPr>
+        <p:cNvPr id="1" name=""/>
+        <p:cNvGrpSpPr/>
+        <p:nvPr/>
+      </p:nvGrpSpPr>
+      <p:grpSpPr>
+        <a:xfrm>
+          <a:off x="0" y="0"/>
+          <a:ext cx="0" cy="0"/>
+          <a:chOff x="0" y="0"/>
+          <a:chExt cx="0" cy="0"/>
+        </a:xfrm>
+      </p:grpSpPr>
+      <p:sp>
+        <p:nvSpPr>
           <p:cNvPr id="4" name="Slide Number Placeholder 3">
             <a:extLst>
               <a:ext uri="{FF2B5EF4-FFF2-40B4-BE49-F238E27FC236}">
-                <a16:creationId xmlns="" xmlns:a16="http://schemas.microsoft.com/office/drawing/2014/main" id="{BA98FF0A-865D-4F86-BEB7-CA3699CDA173}"/>
+                <a16:creationId xmlns:a16="http://schemas.microsoft.com/office/drawing/2014/main" xmlns="" id="{BA98FF0A-865D-4F86-BEB7-CA3699CDA173}"/>
               </a:ext>
             </a:extLst>
           </p:cNvPr>
@@ -6885,7 +8344,7 @@
             <a:fld id="{F68327C5-B821-4FE9-A59A-A60D9EB59A9A}" type="slidenum">
               <a:rPr lang="en-US" smtClean="0"/>
               <a:pPr/>
-              <a:t>10</a:t>
+              <a:t>17</a:t>
             </a:fld>
             <a:endParaRPr lang="en-US" dirty="0"/>
           </a:p>
@@ -6896,7 +8355,7 @@
           <p:cNvPr id="43" name="TextBox 42">
             <a:extLst>
               <a:ext uri="{FF2B5EF4-FFF2-40B4-BE49-F238E27FC236}">
-                <a16:creationId xmlns="" xmlns:a16="http://schemas.microsoft.com/office/drawing/2014/main" id="{5C94F937-36CF-49C2-84FE-8CA3CC0B3F65}"/>
+                <a16:creationId xmlns:a16="http://schemas.microsoft.com/office/drawing/2014/main" xmlns="" id="{5C94F937-36CF-49C2-84FE-8CA3CC0B3F65}"/>
               </a:ext>
             </a:extLst>
           </p:cNvPr>
@@ -6978,7 +8437,7 @@
 </p:sld>
 </file>
 
-<file path=ppt/slides/slide11.xml><?xml version="1.0" encoding="utf-8"?>
+<file path=ppt/slides/slide18.xml><?xml version="1.0" encoding="utf-8"?>
 <p:sld xmlns:a="http://schemas.openxmlformats.org/drawingml/2006/main" xmlns:r="http://schemas.openxmlformats.org/officeDocument/2006/relationships" xmlns:p="http://schemas.openxmlformats.org/presentationml/2006/main">
   <p:cSld>
     <p:spTree>
@@ -9566,7 +11025,7 @@
           <p:cNvPr id="76" name="Shape">
             <a:extLst>
               <a:ext uri="{FF2B5EF4-FFF2-40B4-BE49-F238E27FC236}">
-                <a16:creationId xmlns="" xmlns:a16="http://schemas.microsoft.com/office/drawing/2014/main" id="{E28A227A-DFA3-0649-A4A0-558F7171B0EA}"/>
+                <a16:creationId xmlns:a16="http://schemas.microsoft.com/office/drawing/2014/main" xmlns="" id="{E28A227A-DFA3-0649-A4A0-558F7171B0EA}"/>
               </a:ext>
             </a:extLst>
           </p:cNvPr>
@@ -9759,496 +11218,10 @@
       </p:sp>
       <p:sp>
         <p:nvSpPr>
-          <p:cNvPr id="77" name="Shape">
-            <a:extLst>
-              <a:ext uri="{FF2B5EF4-FFF2-40B4-BE49-F238E27FC236}">
-                <a16:creationId xmlns="" xmlns:a16="http://schemas.microsoft.com/office/drawing/2014/main" id="{625D9CEB-E53C-D446-8909-8C2A1208A47F}"/>
-              </a:ext>
-            </a:extLst>
-          </p:cNvPr>
-          <p:cNvSpPr/>
-          <p:nvPr/>
-        </p:nvSpPr>
-        <p:spPr>
-          <a:xfrm>
-            <a:off x="1222339" y="3907259"/>
-            <a:ext cx="5689633" cy="2347159"/>
-          </a:xfrm>
-          <a:custGeom>
-            <a:avLst/>
-            <a:gdLst/>
-            <a:ahLst/>
-            <a:cxnLst>
-              <a:cxn ang="0">
-                <a:pos x="wd2" y="hd2"/>
-              </a:cxn>
-              <a:cxn ang="5400000">
-                <a:pos x="wd2" y="hd2"/>
-              </a:cxn>
-              <a:cxn ang="10800000">
-                <a:pos x="wd2" y="hd2"/>
-              </a:cxn>
-              <a:cxn ang="16200000">
-                <a:pos x="wd2" y="hd2"/>
-              </a:cxn>
-            </a:cxnLst>
-            <a:rect l="0" t="0" r="r" b="b"/>
-            <a:pathLst>
-              <a:path w="21600" h="21600" extrusionOk="0">
-                <a:moveTo>
-                  <a:pt x="19481" y="9663"/>
-                </a:moveTo>
-                <a:cubicBezTo>
-                  <a:pt x="19195" y="9663"/>
-                  <a:pt x="18924" y="9802"/>
-                  <a:pt x="18675" y="10050"/>
-                </a:cubicBezTo>
-                <a:cubicBezTo>
-                  <a:pt x="18192" y="6607"/>
-                  <a:pt x="16850" y="4125"/>
-                  <a:pt x="15266" y="4125"/>
-                </a:cubicBezTo>
-                <a:cubicBezTo>
-                  <a:pt x="14728" y="4125"/>
-                  <a:pt x="14221" y="4418"/>
-                  <a:pt x="13763" y="4929"/>
-                </a:cubicBezTo>
-                <a:cubicBezTo>
-                  <a:pt x="12969" y="1963"/>
-                  <a:pt x="11592" y="0"/>
-                  <a:pt x="10025" y="0"/>
-                </a:cubicBezTo>
-                <a:cubicBezTo>
-                  <a:pt x="8210" y="0"/>
-                  <a:pt x="6650" y="2631"/>
-                  <a:pt x="5955" y="6405"/>
-                </a:cubicBezTo>
-                <a:cubicBezTo>
-                  <a:pt x="5954" y="6405"/>
-                  <a:pt x="5952" y="6405"/>
-                  <a:pt x="5951" y="6405"/>
-                </a:cubicBezTo>
-                <a:cubicBezTo>
-                  <a:pt x="4544" y="6405"/>
-                  <a:pt x="3354" y="8652"/>
-                  <a:pt x="2958" y="11747"/>
-                </a:cubicBezTo>
-                <a:cubicBezTo>
-                  <a:pt x="2701" y="11478"/>
-                  <a:pt x="2417" y="11327"/>
-                  <a:pt x="2119" y="11327"/>
-                </a:cubicBezTo>
-                <a:cubicBezTo>
-                  <a:pt x="949" y="11327"/>
-                  <a:pt x="0" y="13626"/>
-                  <a:pt x="0" y="16463"/>
-                </a:cubicBezTo>
-                <a:cubicBezTo>
-                  <a:pt x="0" y="19300"/>
-                  <a:pt x="948" y="21600"/>
-                  <a:pt x="2119" y="21600"/>
-                </a:cubicBezTo>
-                <a:cubicBezTo>
-                  <a:pt x="2812" y="21600"/>
-                  <a:pt x="3425" y="20790"/>
-                  <a:pt x="3812" y="19543"/>
-                </a:cubicBezTo>
-                <a:cubicBezTo>
-                  <a:pt x="4372" y="20816"/>
-                  <a:pt x="5123" y="21600"/>
-                  <a:pt x="5952" y="21600"/>
-                </a:cubicBezTo>
-                <a:cubicBezTo>
-                  <a:pt x="6640" y="21600"/>
-                  <a:pt x="7274" y="21055"/>
-                  <a:pt x="7791" y="20143"/>
-                </a:cubicBezTo>
-                <a:cubicBezTo>
-                  <a:pt x="8448" y="21068"/>
-                  <a:pt x="9211" y="21600"/>
-                  <a:pt x="10025" y="21600"/>
-                </a:cubicBezTo>
-                <a:cubicBezTo>
-                  <a:pt x="11077" y="21600"/>
-                  <a:pt x="12044" y="20713"/>
-                  <a:pt x="12806" y="19235"/>
-                </a:cubicBezTo>
-                <a:cubicBezTo>
-                  <a:pt x="13450" y="20698"/>
-                  <a:pt x="14313" y="21600"/>
-                  <a:pt x="15266" y="21600"/>
-                </a:cubicBezTo>
-                <a:cubicBezTo>
-                  <a:pt x="16369" y="21600"/>
-                  <a:pt x="17354" y="20397"/>
-                  <a:pt x="18015" y="18505"/>
-                </a:cubicBezTo>
-                <a:cubicBezTo>
-                  <a:pt x="18396" y="19391"/>
-                  <a:pt x="18912" y="19938"/>
-                  <a:pt x="19481" y="19938"/>
-                </a:cubicBezTo>
-                <a:cubicBezTo>
-                  <a:pt x="20651" y="19938"/>
-                  <a:pt x="21600" y="17639"/>
-                  <a:pt x="21600" y="14801"/>
-                </a:cubicBezTo>
-                <a:cubicBezTo>
-                  <a:pt x="21599" y="11962"/>
-                  <a:pt x="20651" y="9663"/>
-                  <a:pt x="19481" y="9663"/>
-                </a:cubicBezTo>
-                <a:close/>
-              </a:path>
-            </a:pathLst>
-          </a:custGeom>
-          <a:solidFill>
-            <a:srgbClr val="E9EFF8"/>
-          </a:solidFill>
-          <a:ln w="12700">
-            <a:miter lim="400000"/>
-          </a:ln>
-        </p:spPr>
-        <p:txBody>
-          <a:bodyPr lIns="38100" tIns="38100" rIns="38100" bIns="38100" anchor="ctr"/>
-          <a:lstStyle/>
-          <a:p>
-            <a:pPr>
-              <a:defRPr sz="3000">
-                <a:solidFill>
-                  <a:srgbClr val="FFFFFF"/>
-                </a:solidFill>
-              </a:defRPr>
-            </a:pPr>
-            <a:endParaRPr/>
-          </a:p>
-        </p:txBody>
-      </p:sp>
-      <p:sp>
-        <p:nvSpPr>
-          <p:cNvPr id="78" name="Shape">
-            <a:extLst>
-              <a:ext uri="{FF2B5EF4-FFF2-40B4-BE49-F238E27FC236}">
-                <a16:creationId xmlns="" xmlns:a16="http://schemas.microsoft.com/office/drawing/2014/main" id="{060CE464-B7D0-A542-8015-021B812A8847}"/>
-              </a:ext>
-            </a:extLst>
-          </p:cNvPr>
-          <p:cNvSpPr/>
-          <p:nvPr/>
-        </p:nvSpPr>
-        <p:spPr>
-          <a:xfrm>
-            <a:off x="9719089" y="3905241"/>
-            <a:ext cx="1790798" cy="738661"/>
-          </a:xfrm>
-          <a:custGeom>
-            <a:avLst/>
-            <a:gdLst/>
-            <a:ahLst/>
-            <a:cxnLst>
-              <a:cxn ang="0">
-                <a:pos x="wd2" y="hd2"/>
-              </a:cxn>
-              <a:cxn ang="5400000">
-                <a:pos x="wd2" y="hd2"/>
-              </a:cxn>
-              <a:cxn ang="10800000">
-                <a:pos x="wd2" y="hd2"/>
-              </a:cxn>
-              <a:cxn ang="16200000">
-                <a:pos x="wd2" y="hd2"/>
-              </a:cxn>
-            </a:cxnLst>
-            <a:rect l="0" t="0" r="r" b="b"/>
-            <a:pathLst>
-              <a:path w="21600" h="21600" extrusionOk="0">
-                <a:moveTo>
-                  <a:pt x="19484" y="9668"/>
-                </a:moveTo>
-                <a:cubicBezTo>
-                  <a:pt x="19198" y="9668"/>
-                  <a:pt x="18926" y="9806"/>
-                  <a:pt x="18677" y="10055"/>
-                </a:cubicBezTo>
-                <a:cubicBezTo>
-                  <a:pt x="18193" y="6610"/>
-                  <a:pt x="16851" y="4129"/>
-                  <a:pt x="15267" y="4129"/>
-                </a:cubicBezTo>
-                <a:cubicBezTo>
-                  <a:pt x="14730" y="4129"/>
-                  <a:pt x="14223" y="4423"/>
-                  <a:pt x="13766" y="4932"/>
-                </a:cubicBezTo>
-                <a:cubicBezTo>
-                  <a:pt x="12971" y="1967"/>
-                  <a:pt x="11594" y="0"/>
-                  <a:pt x="10026" y="0"/>
-                </a:cubicBezTo>
-                <a:cubicBezTo>
-                  <a:pt x="8212" y="0"/>
-                  <a:pt x="6652" y="2631"/>
-                  <a:pt x="5956" y="6406"/>
-                </a:cubicBezTo>
-                <a:cubicBezTo>
-                  <a:pt x="5955" y="6406"/>
-                  <a:pt x="5953" y="6406"/>
-                  <a:pt x="5951" y="6406"/>
-                </a:cubicBezTo>
-                <a:cubicBezTo>
-                  <a:pt x="4545" y="6406"/>
-                  <a:pt x="3354" y="8654"/>
-                  <a:pt x="2958" y="11749"/>
-                </a:cubicBezTo>
-                <a:cubicBezTo>
-                  <a:pt x="2701" y="11480"/>
-                  <a:pt x="2417" y="11329"/>
-                  <a:pt x="2118" y="11329"/>
-                </a:cubicBezTo>
-                <a:cubicBezTo>
-                  <a:pt x="947" y="11329"/>
-                  <a:pt x="0" y="13630"/>
-                  <a:pt x="0" y="16465"/>
-                </a:cubicBezTo>
-                <a:cubicBezTo>
-                  <a:pt x="0" y="19299"/>
-                  <a:pt x="949" y="21600"/>
-                  <a:pt x="2118" y="21600"/>
-                </a:cubicBezTo>
-                <a:cubicBezTo>
-                  <a:pt x="2812" y="21600"/>
-                  <a:pt x="3425" y="20790"/>
-                  <a:pt x="3811" y="19543"/>
-                </a:cubicBezTo>
-                <a:cubicBezTo>
-                  <a:pt x="4372" y="20814"/>
-                  <a:pt x="5123" y="21600"/>
-                  <a:pt x="5951" y="21600"/>
-                </a:cubicBezTo>
-                <a:cubicBezTo>
-                  <a:pt x="6640" y="21600"/>
-                  <a:pt x="7275" y="21054"/>
-                  <a:pt x="7791" y="20142"/>
-                </a:cubicBezTo>
-                <a:cubicBezTo>
-                  <a:pt x="8447" y="21066"/>
-                  <a:pt x="9210" y="21600"/>
-                  <a:pt x="10025" y="21600"/>
-                </a:cubicBezTo>
-                <a:cubicBezTo>
-                  <a:pt x="11076" y="21600"/>
-                  <a:pt x="12044" y="20712"/>
-                  <a:pt x="12805" y="19234"/>
-                </a:cubicBezTo>
-                <a:cubicBezTo>
-                  <a:pt x="13450" y="20696"/>
-                  <a:pt x="14313" y="21600"/>
-                  <a:pt x="15266" y="21600"/>
-                </a:cubicBezTo>
-                <a:cubicBezTo>
-                  <a:pt x="16368" y="21600"/>
-                  <a:pt x="17354" y="20395"/>
-                  <a:pt x="18015" y="18505"/>
-                </a:cubicBezTo>
-                <a:cubicBezTo>
-                  <a:pt x="18397" y="19393"/>
-                  <a:pt x="18912" y="19938"/>
-                  <a:pt x="19482" y="19938"/>
-                </a:cubicBezTo>
-                <a:cubicBezTo>
-                  <a:pt x="20653" y="19938"/>
-                  <a:pt x="21600" y="17638"/>
-                  <a:pt x="21600" y="14803"/>
-                </a:cubicBezTo>
-                <a:cubicBezTo>
-                  <a:pt x="21600" y="11969"/>
-                  <a:pt x="20654" y="9668"/>
-                  <a:pt x="19484" y="9668"/>
-                </a:cubicBezTo>
-                <a:close/>
-              </a:path>
-            </a:pathLst>
-          </a:custGeom>
-          <a:solidFill>
-            <a:srgbClr val="E9EFF8"/>
-          </a:solidFill>
-          <a:ln w="12700">
-            <a:miter lim="400000"/>
-          </a:ln>
-        </p:spPr>
-        <p:txBody>
-          <a:bodyPr lIns="38100" tIns="38100" rIns="38100" bIns="38100" anchor="ctr"/>
-          <a:lstStyle/>
-          <a:p>
-            <a:pPr>
-              <a:defRPr sz="3000">
-                <a:solidFill>
-                  <a:srgbClr val="FFFFFF"/>
-                </a:solidFill>
-              </a:defRPr>
-            </a:pPr>
-            <a:endParaRPr/>
-          </a:p>
-        </p:txBody>
-      </p:sp>
-      <p:sp>
-        <p:nvSpPr>
-          <p:cNvPr id="79" name="Shape">
-            <a:extLst>
-              <a:ext uri="{FF2B5EF4-FFF2-40B4-BE49-F238E27FC236}">
-                <a16:creationId xmlns="" xmlns:a16="http://schemas.microsoft.com/office/drawing/2014/main" id="{DC8D0D3E-24AB-B748-81CA-26BC59EAA9B7}"/>
-              </a:ext>
-            </a:extLst>
-          </p:cNvPr>
-          <p:cNvSpPr/>
-          <p:nvPr/>
-        </p:nvSpPr>
-        <p:spPr>
-          <a:xfrm>
-            <a:off x="7291150" y="4364459"/>
-            <a:ext cx="1614157" cy="993979"/>
-          </a:xfrm>
-          <a:custGeom>
-            <a:avLst/>
-            <a:gdLst/>
-            <a:ahLst/>
-            <a:cxnLst>
-              <a:cxn ang="0">
-                <a:pos x="wd2" y="hd2"/>
-              </a:cxn>
-              <a:cxn ang="5400000">
-                <a:pos x="wd2" y="hd2"/>
-              </a:cxn>
-              <a:cxn ang="10800000">
-                <a:pos x="wd2" y="hd2"/>
-              </a:cxn>
-              <a:cxn ang="16200000">
-                <a:pos x="wd2" y="hd2"/>
-              </a:cxn>
-            </a:cxnLst>
-            <a:rect l="0" t="0" r="r" b="b"/>
-            <a:pathLst>
-              <a:path w="20949" h="20256" extrusionOk="0">
-                <a:moveTo>
-                  <a:pt x="20850" y="11132"/>
-                </a:moveTo>
-                <a:cubicBezTo>
-                  <a:pt x="20630" y="10014"/>
-                  <a:pt x="20077" y="9202"/>
-                  <a:pt x="19415" y="8876"/>
-                </a:cubicBezTo>
-                <a:cubicBezTo>
-                  <a:pt x="19674" y="7820"/>
-                  <a:pt x="19719" y="6628"/>
-                  <a:pt x="19487" y="5465"/>
-                </a:cubicBezTo>
-                <a:cubicBezTo>
-                  <a:pt x="18945" y="2720"/>
-                  <a:pt x="17089" y="1188"/>
-                  <a:pt x="15341" y="2039"/>
-                </a:cubicBezTo>
-                <a:cubicBezTo>
-                  <a:pt x="14683" y="2360"/>
-                  <a:pt x="14136" y="2973"/>
-                  <a:pt x="13736" y="3759"/>
-                </a:cubicBezTo>
-                <a:cubicBezTo>
-                  <a:pt x="12603" y="770"/>
-                  <a:pt x="10277" y="-728"/>
-                  <a:pt x="8068" y="348"/>
-                </a:cubicBezTo>
-                <a:cubicBezTo>
-                  <a:pt x="6192" y="1261"/>
-                  <a:pt x="4918" y="3782"/>
-                  <a:pt x="4663" y="6645"/>
-                </a:cubicBezTo>
-                <a:cubicBezTo>
-                  <a:pt x="3955" y="6148"/>
-                  <a:pt x="3132" y="6038"/>
-                  <a:pt x="2332" y="6427"/>
-                </a:cubicBezTo>
-                <a:cubicBezTo>
-                  <a:pt x="584" y="7278"/>
-                  <a:pt x="-392" y="10193"/>
-                  <a:pt x="150" y="12937"/>
-                </a:cubicBezTo>
-                <a:cubicBezTo>
-                  <a:pt x="692" y="15681"/>
-                  <a:pt x="2549" y="17214"/>
-                  <a:pt x="4296" y="16362"/>
-                </a:cubicBezTo>
-                <a:cubicBezTo>
-                  <a:pt x="4298" y="16362"/>
-                  <a:pt x="4298" y="16362"/>
-                  <a:pt x="4300" y="16360"/>
-                </a:cubicBezTo>
-                <a:cubicBezTo>
-                  <a:pt x="4313" y="16439"/>
-                  <a:pt x="4327" y="16516"/>
-                  <a:pt x="4342" y="16595"/>
-                </a:cubicBezTo>
-                <a:cubicBezTo>
-                  <a:pt x="4884" y="19340"/>
-                  <a:pt x="6740" y="20872"/>
-                  <a:pt x="8488" y="20021"/>
-                </a:cubicBezTo>
-                <a:cubicBezTo>
-                  <a:pt x="9368" y="19592"/>
-                  <a:pt x="10051" y="18638"/>
-                  <a:pt x="10445" y="17449"/>
-                </a:cubicBezTo>
-                <a:cubicBezTo>
-                  <a:pt x="11495" y="19405"/>
-                  <a:pt x="13227" y="20293"/>
-                  <a:pt x="14880" y="19487"/>
-                </a:cubicBezTo>
-                <a:cubicBezTo>
-                  <a:pt x="16263" y="18814"/>
-                  <a:pt x="17261" y="17117"/>
-                  <a:pt x="17646" y="15091"/>
-                </a:cubicBezTo>
-                <a:cubicBezTo>
-                  <a:pt x="18159" y="15571"/>
-                  <a:pt x="18795" y="15724"/>
-                  <a:pt x="19410" y="15423"/>
-                </a:cubicBezTo>
-                <a:cubicBezTo>
-                  <a:pt x="20565" y="14861"/>
-                  <a:pt x="21208" y="12940"/>
-                  <a:pt x="20850" y="11132"/>
-                </a:cubicBezTo>
-                <a:close/>
-              </a:path>
-            </a:pathLst>
-          </a:custGeom>
-          <a:solidFill>
-            <a:srgbClr val="E9EFF8"/>
-          </a:solidFill>
-          <a:ln w="12700">
-            <a:miter lim="400000"/>
-          </a:ln>
-        </p:spPr>
-        <p:txBody>
-          <a:bodyPr lIns="38100" tIns="38100" rIns="38100" bIns="38100" anchor="ctr"/>
-          <a:lstStyle/>
-          <a:p>
-            <a:pPr>
-              <a:defRPr sz="3000">
-                <a:solidFill>
-                  <a:srgbClr val="FFFFFF"/>
-                </a:solidFill>
-              </a:defRPr>
-            </a:pPr>
-            <a:endParaRPr/>
-          </a:p>
-        </p:txBody>
-      </p:sp>
-      <p:sp>
-        <p:nvSpPr>
           <p:cNvPr id="2" name="Title 1">
             <a:extLst>
               <a:ext uri="{FF2B5EF4-FFF2-40B4-BE49-F238E27FC236}">
-                <a16:creationId xmlns="" xmlns:a16="http://schemas.microsoft.com/office/drawing/2014/main" id="{AC523816-F025-41D1-A143-DC280077D18D}"/>
+                <a16:creationId xmlns:a16="http://schemas.microsoft.com/office/drawing/2014/main" xmlns="" id="{AC523816-F025-41D1-A143-DC280077D18D}"/>
               </a:ext>
             </a:extLst>
           </p:cNvPr>
@@ -10277,7 +11250,7 @@
           <p:cNvPr id="4" name="Slide Number Placeholder 3">
             <a:extLst>
               <a:ext uri="{FF2B5EF4-FFF2-40B4-BE49-F238E27FC236}">
-                <a16:creationId xmlns="" xmlns:a16="http://schemas.microsoft.com/office/drawing/2014/main" id="{4C4435A3-58E5-41CD-BE69-EB2CA78B2C09}"/>
+                <a16:creationId xmlns:a16="http://schemas.microsoft.com/office/drawing/2014/main" xmlns="" id="{4C4435A3-58E5-41CD-BE69-EB2CA78B2C09}"/>
               </a:ext>
             </a:extLst>
           </p:cNvPr>
@@ -10304,257 +11277,10 @@
       </p:sp>
       <p:sp>
         <p:nvSpPr>
-          <p:cNvPr id="5" name="Shape">
-            <a:extLst>
-              <a:ext uri="{FF2B5EF4-FFF2-40B4-BE49-F238E27FC236}">
-                <a16:creationId xmlns="" xmlns:a16="http://schemas.microsoft.com/office/drawing/2014/main" id="{7E0E8D87-8BBF-4923-BD90-33D785ECE516}"/>
-              </a:ext>
-            </a:extLst>
-          </p:cNvPr>
-          <p:cNvSpPr/>
-          <p:nvPr/>
-        </p:nvSpPr>
-        <p:spPr>
-          <a:xfrm>
-            <a:off x="931818" y="2305016"/>
-            <a:ext cx="8820040" cy="3956713"/>
-          </a:xfrm>
-          <a:custGeom>
-            <a:avLst/>
-            <a:gdLst/>
-            <a:ahLst/>
-            <a:cxnLst>
-              <a:cxn ang="0">
-                <a:pos x="wd2" y="hd2"/>
-              </a:cxn>
-              <a:cxn ang="5400000">
-                <a:pos x="wd2" y="hd2"/>
-              </a:cxn>
-              <a:cxn ang="10800000">
-                <a:pos x="wd2" y="hd2"/>
-              </a:cxn>
-              <a:cxn ang="16200000">
-                <a:pos x="wd2" y="hd2"/>
-              </a:cxn>
-            </a:cxnLst>
-            <a:rect l="0" t="0" r="r" b="b"/>
-            <a:pathLst>
-              <a:path w="21524" h="21463" extrusionOk="0">
-                <a:moveTo>
-                  <a:pt x="21328" y="207"/>
-                </a:moveTo>
-                <a:cubicBezTo>
-                  <a:pt x="21215" y="2506"/>
-                  <a:pt x="20722" y="4700"/>
-                  <a:pt x="20089" y="6509"/>
-                </a:cubicBezTo>
-                <a:cubicBezTo>
-                  <a:pt x="19441" y="8363"/>
-                  <a:pt x="18573" y="10006"/>
-                  <a:pt x="17550" y="10711"/>
-                </a:cubicBezTo>
-                <a:cubicBezTo>
-                  <a:pt x="17088" y="11031"/>
-                  <a:pt x="16583" y="11217"/>
-                  <a:pt x="16131" y="10732"/>
-                </a:cubicBezTo>
-                <a:cubicBezTo>
-                  <a:pt x="15933" y="10520"/>
-                  <a:pt x="15742" y="10191"/>
-                  <a:pt x="15649" y="9737"/>
-                </a:cubicBezTo>
-                <a:cubicBezTo>
-                  <a:pt x="15539" y="9201"/>
-                  <a:pt x="15589" y="8488"/>
-                  <a:pt x="15813" y="8137"/>
-                </a:cubicBezTo>
-                <a:cubicBezTo>
-                  <a:pt x="16051" y="7763"/>
-                  <a:pt x="16368" y="7940"/>
-                  <a:pt x="16554" y="8400"/>
-                </a:cubicBezTo>
-                <a:cubicBezTo>
-                  <a:pt x="16719" y="8807"/>
-                  <a:pt x="16751" y="9368"/>
-                  <a:pt x="16726" y="9893"/>
-                </a:cubicBezTo>
-                <a:cubicBezTo>
-                  <a:pt x="16673" y="10990"/>
-                  <a:pt x="16415" y="12034"/>
-                  <a:pt x="16156" y="12952"/>
-                </a:cubicBezTo>
-                <a:cubicBezTo>
-                  <a:pt x="15070" y="16799"/>
-                  <a:pt x="13176" y="18912"/>
-                  <a:pt x="11247" y="19978"/>
-                </a:cubicBezTo>
-                <a:cubicBezTo>
-                  <a:pt x="9523" y="20931"/>
-                  <a:pt x="7710" y="21276"/>
-                  <a:pt x="5942" y="20861"/>
-                </a:cubicBezTo>
-                <a:cubicBezTo>
-                  <a:pt x="4988" y="20636"/>
-                  <a:pt x="4037" y="20306"/>
-                  <a:pt x="3094" y="19909"/>
-                </a:cubicBezTo>
-                <a:cubicBezTo>
-                  <a:pt x="2249" y="19554"/>
-                  <a:pt x="1398" y="19162"/>
-                  <a:pt x="579" y="18569"/>
-                </a:cubicBezTo>
-                <a:cubicBezTo>
-                  <a:pt x="434" y="18464"/>
-                  <a:pt x="290" y="18352"/>
-                  <a:pt x="149" y="18220"/>
-                </a:cubicBezTo>
-                <a:cubicBezTo>
-                  <a:pt x="35" y="18113"/>
-                  <a:pt x="-64" y="18486"/>
-                  <a:pt x="51" y="18594"/>
-                </a:cubicBezTo>
-                <a:cubicBezTo>
-                  <a:pt x="842" y="19337"/>
-                  <a:pt x="1707" y="19729"/>
-                  <a:pt x="2544" y="20109"/>
-                </a:cubicBezTo>
-                <a:cubicBezTo>
-                  <a:pt x="3585" y="20582"/>
-                  <a:pt x="4636" y="20961"/>
-                  <a:pt x="5691" y="21232"/>
-                </a:cubicBezTo>
-                <a:cubicBezTo>
-                  <a:pt x="6563" y="21455"/>
-                  <a:pt x="7413" y="21530"/>
-                  <a:pt x="8288" y="21397"/>
-                </a:cubicBezTo>
-                <a:cubicBezTo>
-                  <a:pt x="9388" y="21230"/>
-                  <a:pt x="10488" y="20888"/>
-                  <a:pt x="11553" y="20248"/>
-                </a:cubicBezTo>
-                <a:cubicBezTo>
-                  <a:pt x="13642" y="18995"/>
-                  <a:pt x="15638" y="16430"/>
-                  <a:pt x="16623" y="11978"/>
-                </a:cubicBezTo>
-                <a:cubicBezTo>
-                  <a:pt x="16826" y="11063"/>
-                  <a:pt x="17017" y="9930"/>
-                  <a:pt x="16891" y="8901"/>
-                </a:cubicBezTo>
-                <a:cubicBezTo>
-                  <a:pt x="16769" y="7903"/>
-                  <a:pt x="16274" y="7198"/>
-                  <a:pt x="15825" y="7628"/>
-                </a:cubicBezTo>
-                <a:cubicBezTo>
-                  <a:pt x="15377" y="8057"/>
-                  <a:pt x="15288" y="9361"/>
-                  <a:pt x="15547" y="10205"/>
-                </a:cubicBezTo>
-                <a:cubicBezTo>
-                  <a:pt x="15800" y="11029"/>
-                  <a:pt x="16295" y="11490"/>
-                  <a:pt x="16736" y="11471"/>
-                </a:cubicBezTo>
-                <a:cubicBezTo>
-                  <a:pt x="17827" y="11423"/>
-                  <a:pt x="18859" y="9973"/>
-                  <a:pt x="19617" y="8331"/>
-                </a:cubicBezTo>
-                <a:cubicBezTo>
-                  <a:pt x="20429" y="6573"/>
-                  <a:pt x="21074" y="4318"/>
-                  <a:pt x="21379" y="1883"/>
-                </a:cubicBezTo>
-                <a:cubicBezTo>
-                  <a:pt x="21448" y="1333"/>
-                  <a:pt x="21496" y="773"/>
-                  <a:pt x="21524" y="206"/>
-                </a:cubicBezTo>
-                <a:cubicBezTo>
-                  <a:pt x="21536" y="-70"/>
-                  <a:pt x="21341" y="-67"/>
-                  <a:pt x="21328" y="207"/>
-                </a:cubicBezTo>
-                <a:lnTo>
-                  <a:pt x="21328" y="207"/>
-                </a:lnTo>
-                <a:close/>
-              </a:path>
-            </a:pathLst>
-          </a:custGeom>
-          <a:solidFill>
-            <a:srgbClr val="939496"/>
-          </a:solidFill>
-          <a:ln w="12700">
-            <a:miter lim="400000"/>
-          </a:ln>
-        </p:spPr>
-        <p:txBody>
-          <a:bodyPr lIns="38100" tIns="38100" rIns="38100" bIns="38100" anchor="ctr"/>
-          <a:lstStyle/>
-          <a:p>
-            <a:pPr>
-              <a:defRPr sz="3000">
-                <a:solidFill>
-                  <a:srgbClr val="FFFFFF"/>
-                </a:solidFill>
-              </a:defRPr>
-            </a:pPr>
-            <a:endParaRPr/>
-          </a:p>
-        </p:txBody>
-      </p:sp>
-      <p:sp>
-        <p:nvSpPr>
-          <p:cNvPr id="6" name="Circle">
-            <a:extLst>
-              <a:ext uri="{FF2B5EF4-FFF2-40B4-BE49-F238E27FC236}">
-                <a16:creationId xmlns="" xmlns:a16="http://schemas.microsoft.com/office/drawing/2014/main" id="{290B786E-A9A6-4DEB-9D75-E4F066EAE2E2}"/>
-              </a:ext>
-            </a:extLst>
-          </p:cNvPr>
-          <p:cNvSpPr/>
-          <p:nvPr/>
-        </p:nvSpPr>
-        <p:spPr>
-          <a:xfrm>
-            <a:off x="4136311" y="5621108"/>
-            <a:ext cx="1067845" cy="1067845"/>
-          </a:xfrm>
-          <a:prstGeom prst="ellipse">
-            <a:avLst/>
-          </a:prstGeom>
-          <a:solidFill>
-            <a:srgbClr val="DADBDC"/>
-          </a:solidFill>
-          <a:ln w="12700">
-            <a:miter lim="400000"/>
-          </a:ln>
-        </p:spPr>
-        <p:txBody>
-          <a:bodyPr lIns="38100" tIns="38100" rIns="38100" bIns="38100" anchor="ctr"/>
-          <a:lstStyle/>
-          <a:p>
-            <a:pPr>
-              <a:defRPr sz="3000">
-                <a:solidFill>
-                  <a:srgbClr val="FFFFFF"/>
-                </a:solidFill>
-              </a:defRPr>
-            </a:pPr>
-            <a:endParaRPr/>
-          </a:p>
-        </p:txBody>
-      </p:sp>
-      <p:sp>
-        <p:nvSpPr>
           <p:cNvPr id="7" name="Shape">
             <a:extLst>
               <a:ext uri="{FF2B5EF4-FFF2-40B4-BE49-F238E27FC236}">
-                <a16:creationId xmlns="" xmlns:a16="http://schemas.microsoft.com/office/drawing/2014/main" id="{0C86614A-B915-4B9E-BEC6-AE0CB640778B}"/>
+                <a16:creationId xmlns:a16="http://schemas.microsoft.com/office/drawing/2014/main" xmlns="" id="{0C86614A-B915-4B9E-BEC6-AE0CB640778B}"/>
               </a:ext>
             </a:extLst>
           </p:cNvPr>
@@ -10662,52 +11388,10 @@
       </p:sp>
       <p:sp>
         <p:nvSpPr>
-          <p:cNvPr id="8" name="Circle">
-            <a:extLst>
-              <a:ext uri="{FF2B5EF4-FFF2-40B4-BE49-F238E27FC236}">
-                <a16:creationId xmlns="" xmlns:a16="http://schemas.microsoft.com/office/drawing/2014/main" id="{B46B687E-3831-4C46-8386-A23BBA4D21D5}"/>
-              </a:ext>
-            </a:extLst>
-          </p:cNvPr>
-          <p:cNvSpPr/>
-          <p:nvPr/>
-        </p:nvSpPr>
-        <p:spPr>
-          <a:xfrm>
-            <a:off x="2239124" y="5621108"/>
-            <a:ext cx="1067845" cy="1067845"/>
-          </a:xfrm>
-          <a:prstGeom prst="ellipse">
-            <a:avLst/>
-          </a:prstGeom>
-          <a:solidFill>
-            <a:srgbClr val="DADBDC"/>
-          </a:solidFill>
-          <a:ln w="12700">
-            <a:miter lim="400000"/>
-          </a:ln>
-        </p:spPr>
-        <p:txBody>
-          <a:bodyPr lIns="38100" tIns="38100" rIns="38100" bIns="38100" anchor="ctr"/>
-          <a:lstStyle/>
-          <a:p>
-            <a:pPr>
-              <a:defRPr sz="3000">
-                <a:solidFill>
-                  <a:srgbClr val="FFFFFF"/>
-                </a:solidFill>
-              </a:defRPr>
-            </a:pPr>
-            <a:endParaRPr/>
-          </a:p>
-        </p:txBody>
-      </p:sp>
-      <p:sp>
-        <p:nvSpPr>
           <p:cNvPr id="9" name="Shape">
             <a:extLst>
               <a:ext uri="{FF2B5EF4-FFF2-40B4-BE49-F238E27FC236}">
-                <a16:creationId xmlns="" xmlns:a16="http://schemas.microsoft.com/office/drawing/2014/main" id="{5788A58C-8CBE-49BB-BAC0-41E5E38983D8}"/>
+                <a16:creationId xmlns:a16="http://schemas.microsoft.com/office/drawing/2014/main" xmlns="" id="{5788A58C-8CBE-49BB-BAC0-41E5E38983D8}"/>
               </a:ext>
             </a:extLst>
           </p:cNvPr>
@@ -10815,52 +11499,10 @@
       </p:sp>
       <p:sp>
         <p:nvSpPr>
-          <p:cNvPr id="10" name="Circle">
-            <a:extLst>
-              <a:ext uri="{FF2B5EF4-FFF2-40B4-BE49-F238E27FC236}">
-                <a16:creationId xmlns="" xmlns:a16="http://schemas.microsoft.com/office/drawing/2014/main" id="{16E844B6-E2E4-4E6F-8B3A-E5873DD5C725}"/>
-              </a:ext>
-            </a:extLst>
-          </p:cNvPr>
-          <p:cNvSpPr/>
-          <p:nvPr/>
-        </p:nvSpPr>
-        <p:spPr>
-          <a:xfrm>
-            <a:off x="5937841" y="5158768"/>
-            <a:ext cx="1067845" cy="1067845"/>
-          </a:xfrm>
-          <a:prstGeom prst="ellipse">
-            <a:avLst/>
-          </a:prstGeom>
-          <a:solidFill>
-            <a:srgbClr val="DADBDC"/>
-          </a:solidFill>
-          <a:ln w="12700">
-            <a:miter lim="400000"/>
-          </a:ln>
-        </p:spPr>
-        <p:txBody>
-          <a:bodyPr lIns="38100" tIns="38100" rIns="38100" bIns="38100" anchor="ctr"/>
-          <a:lstStyle/>
-          <a:p>
-            <a:pPr>
-              <a:defRPr sz="3000">
-                <a:solidFill>
-                  <a:srgbClr val="FFFFFF"/>
-                </a:solidFill>
-              </a:defRPr>
-            </a:pPr>
-            <a:endParaRPr/>
-          </a:p>
-        </p:txBody>
-      </p:sp>
-      <p:sp>
-        <p:nvSpPr>
           <p:cNvPr id="11" name="Shape">
             <a:extLst>
               <a:ext uri="{FF2B5EF4-FFF2-40B4-BE49-F238E27FC236}">
-                <a16:creationId xmlns="" xmlns:a16="http://schemas.microsoft.com/office/drawing/2014/main" id="{4E3CD0A2-F6E9-4A17-A361-3AA7994A76D3}"/>
+                <a16:creationId xmlns:a16="http://schemas.microsoft.com/office/drawing/2014/main" xmlns="" id="{4E3CD0A2-F6E9-4A17-A361-3AA7994A76D3}"/>
               </a:ext>
             </a:extLst>
           </p:cNvPr>
@@ -10971,7 +11613,7 @@
           <p:cNvPr id="13" name="Shape">
             <a:extLst>
               <a:ext uri="{FF2B5EF4-FFF2-40B4-BE49-F238E27FC236}">
-                <a16:creationId xmlns="" xmlns:a16="http://schemas.microsoft.com/office/drawing/2014/main" id="{BFF12144-6EAF-4FB9-B9E4-653DE51CFA3F}"/>
+                <a16:creationId xmlns:a16="http://schemas.microsoft.com/office/drawing/2014/main" xmlns="" id="{BFF12144-6EAF-4FB9-B9E4-653DE51CFA3F}"/>
               </a:ext>
             </a:extLst>
           </p:cNvPr>
@@ -11082,7 +11724,7 @@
           <p:cNvPr id="15" name="Graphic 14" descr="Crawl">
             <a:extLst>
               <a:ext uri="{FF2B5EF4-FFF2-40B4-BE49-F238E27FC236}">
-                <a16:creationId xmlns="" xmlns:a16="http://schemas.microsoft.com/office/drawing/2014/main" id="{5238E483-5570-4774-B9E2-97EAF1234A9E}"/>
+                <a16:creationId xmlns:a16="http://schemas.microsoft.com/office/drawing/2014/main" xmlns="" id="{5238E483-5570-4774-B9E2-97EAF1234A9E}"/>
               </a:ext>
             </a:extLst>
           </p:cNvPr>
@@ -11098,7 +11740,7 @@
                 <a14:useLocalDpi xmlns:a14="http://schemas.microsoft.com/office/drawing/2010/main" val="0"/>
               </a:ext>
               <a:ext uri="{96DAC541-7B7A-43D3-8B79-37D633B846F1}">
-                <asvg:svgBlip xmlns="" xmlns:asvg="http://schemas.microsoft.com/office/drawing/2016/SVG/main" r:embed="rId5"/>
+                <asvg:svgBlip xmlns:asvg="http://schemas.microsoft.com/office/drawing/2016/SVG/main" xmlns="" r:embed="rId5"/>
               </a:ext>
             </a:extLst>
           </a:blip>
@@ -11108,7 +11750,7 @@
         </p:blipFill>
         <p:spPr>
           <a:xfrm>
-            <a:off x="2406090" y="5741429"/>
+            <a:off x="4246971" y="1091802"/>
             <a:ext cx="733912" cy="733912"/>
           </a:xfrm>
           <a:prstGeom prst="rect">
@@ -11121,7 +11763,7 @@
           <p:cNvPr id="17" name="Graphic 16" descr="Walk">
             <a:extLst>
               <a:ext uri="{FF2B5EF4-FFF2-40B4-BE49-F238E27FC236}">
-                <a16:creationId xmlns="" xmlns:a16="http://schemas.microsoft.com/office/drawing/2014/main" id="{B7AA8476-258E-4643-8CF2-5C785445315E}"/>
+                <a16:creationId xmlns:a16="http://schemas.microsoft.com/office/drawing/2014/main" xmlns="" id="{B7AA8476-258E-4643-8CF2-5C785445315E}"/>
               </a:ext>
             </a:extLst>
           </p:cNvPr>
@@ -11137,7 +11779,7 @@
                 <a14:useLocalDpi xmlns:a14="http://schemas.microsoft.com/office/drawing/2010/main" val="0"/>
               </a:ext>
               <a:ext uri="{96DAC541-7B7A-43D3-8B79-37D633B846F1}">
-                <asvg:svgBlip xmlns="" xmlns:asvg="http://schemas.microsoft.com/office/drawing/2016/SVG/main" r:embed="rId7"/>
+                <asvg:svgBlip xmlns:asvg="http://schemas.microsoft.com/office/drawing/2016/SVG/main" xmlns="" r:embed="rId7"/>
               </a:ext>
             </a:extLst>
           </a:blip>
@@ -11147,7 +11789,7 @@
         </p:blipFill>
         <p:spPr>
           <a:xfrm>
-            <a:off x="4274561" y="5741429"/>
+            <a:off x="5155846" y="2003936"/>
             <a:ext cx="733912" cy="733912"/>
           </a:xfrm>
           <a:prstGeom prst="rect">
@@ -11160,7 +11802,7 @@
           <p:cNvPr id="19" name="Graphic 18" descr="Run">
             <a:extLst>
               <a:ext uri="{FF2B5EF4-FFF2-40B4-BE49-F238E27FC236}">
-                <a16:creationId xmlns="" xmlns:a16="http://schemas.microsoft.com/office/drawing/2014/main" id="{BE648B54-971A-461E-810B-AE08F8505377}"/>
+                <a16:creationId xmlns:a16="http://schemas.microsoft.com/office/drawing/2014/main" xmlns="" id="{BE648B54-971A-461E-810B-AE08F8505377}"/>
               </a:ext>
             </a:extLst>
           </p:cNvPr>
@@ -11176,7 +11818,7 @@
                 <a14:useLocalDpi xmlns:a14="http://schemas.microsoft.com/office/drawing/2010/main" val="0"/>
               </a:ext>
               <a:ext uri="{96DAC541-7B7A-43D3-8B79-37D633B846F1}">
-                <asvg:svgBlip xmlns="" xmlns:asvg="http://schemas.microsoft.com/office/drawing/2016/SVG/main" r:embed="rId9"/>
+                <asvg:svgBlip xmlns:asvg="http://schemas.microsoft.com/office/drawing/2016/SVG/main" xmlns="" r:embed="rId9"/>
               </a:ext>
             </a:extLst>
           </a:blip>
@@ -11186,7 +11828,7 @@
         </p:blipFill>
         <p:spPr>
           <a:xfrm>
-            <a:off x="6104807" y="5339357"/>
+            <a:off x="6312597" y="3720852"/>
             <a:ext cx="733912" cy="733912"/>
           </a:xfrm>
           <a:prstGeom prst="rect">
@@ -11199,7 +11841,7 @@
           <p:cNvPr id="71" name="TextBox 70">
             <a:extLst>
               <a:ext uri="{FF2B5EF4-FFF2-40B4-BE49-F238E27FC236}">
-                <a16:creationId xmlns="" xmlns:a16="http://schemas.microsoft.com/office/drawing/2014/main" id="{DB391A6A-ED68-4869-9463-BFF0A089F51D}"/>
+                <a16:creationId xmlns:a16="http://schemas.microsoft.com/office/drawing/2014/main" xmlns="" id="{DB391A6A-ED68-4869-9463-BFF0A089F51D}"/>
               </a:ext>
             </a:extLst>
           </p:cNvPr>
@@ -11208,7 +11850,7 @@
         </p:nvSpPr>
         <p:spPr>
           <a:xfrm>
-            <a:off x="1468408" y="982206"/>
+            <a:off x="1497653" y="1084294"/>
             <a:ext cx="6966459" cy="3416320"/>
           </a:xfrm>
           <a:prstGeom prst="rect">
@@ -11388,7 +12030,7 @@
           <p:cNvPr id="58" name="Shape">
             <a:extLst>
               <a:ext uri="{FF2B5EF4-FFF2-40B4-BE49-F238E27FC236}">
-                <a16:creationId xmlns="" xmlns:a16="http://schemas.microsoft.com/office/drawing/2014/main" id="{060CE464-B7D0-A542-8015-021B812A8847}"/>
+                <a16:creationId xmlns:a16="http://schemas.microsoft.com/office/drawing/2014/main" xmlns="" id="{060CE464-B7D0-A542-8015-021B812A8847}"/>
               </a:ext>
             </a:extLst>
           </p:cNvPr>
@@ -11555,7 +12197,7 @@
           <p:cNvPr id="59" name="Shape">
             <a:extLst>
               <a:ext uri="{FF2B5EF4-FFF2-40B4-BE49-F238E27FC236}">
-                <a16:creationId xmlns="" xmlns:a16="http://schemas.microsoft.com/office/drawing/2014/main" id="{DC8D0D3E-24AB-B748-81CA-26BC59EAA9B7}"/>
+                <a16:creationId xmlns:a16="http://schemas.microsoft.com/office/drawing/2014/main" xmlns="" id="{DC8D0D3E-24AB-B748-81CA-26BC59EAA9B7}"/>
               </a:ext>
             </a:extLst>
           </p:cNvPr>
@@ -11707,7 +12349,7 @@
           <p:cNvPr id="2" name="Title 1">
             <a:extLst>
               <a:ext uri="{FF2B5EF4-FFF2-40B4-BE49-F238E27FC236}">
-                <a16:creationId xmlns="" xmlns:a16="http://schemas.microsoft.com/office/drawing/2014/main" id="{B9608D36-728B-4FF3-A9AB-A63636C210C5}"/>
+                <a16:creationId xmlns:a16="http://schemas.microsoft.com/office/drawing/2014/main" xmlns="" id="{B9608D36-728B-4FF3-A9AB-A63636C210C5}"/>
               </a:ext>
             </a:extLst>
           </p:cNvPr>
@@ -11736,7 +12378,7 @@
           <p:cNvPr id="4" name="Slide Number Placeholder 3">
             <a:extLst>
               <a:ext uri="{FF2B5EF4-FFF2-40B4-BE49-F238E27FC236}">
-                <a16:creationId xmlns="" xmlns:a16="http://schemas.microsoft.com/office/drawing/2014/main" id="{BA98FF0A-865D-4F86-BEB7-CA3699CDA173}"/>
+                <a16:creationId xmlns:a16="http://schemas.microsoft.com/office/drawing/2014/main" xmlns="" id="{BA98FF0A-865D-4F86-BEB7-CA3699CDA173}"/>
               </a:ext>
             </a:extLst>
           </p:cNvPr>
@@ -11766,7 +12408,7 @@
           <p:cNvPr id="49" name="Group 41">
             <a:extLst>
               <a:ext uri="{FF2B5EF4-FFF2-40B4-BE49-F238E27FC236}">
-                <a16:creationId xmlns="" xmlns:a16="http://schemas.microsoft.com/office/drawing/2014/main" id="{D824673C-4A15-40F6-ADC3-7F250ADB8B6B}"/>
+                <a16:creationId xmlns:a16="http://schemas.microsoft.com/office/drawing/2014/main" xmlns="" id="{D824673C-4A15-40F6-ADC3-7F250ADB8B6B}"/>
               </a:ext>
             </a:extLst>
           </p:cNvPr>
@@ -11786,7 +12428,7 @@
             <p:cNvPr id="50" name="TextBox 49">
               <a:extLst>
                 <a:ext uri="{FF2B5EF4-FFF2-40B4-BE49-F238E27FC236}">
-                  <a16:creationId xmlns="" xmlns:a16="http://schemas.microsoft.com/office/drawing/2014/main" id="{5C94F937-36CF-49C2-84FE-8CA3CC0B3F65}"/>
+                  <a16:creationId xmlns:a16="http://schemas.microsoft.com/office/drawing/2014/main" xmlns="" id="{5C94F937-36CF-49C2-84FE-8CA3CC0B3F65}"/>
                 </a:ext>
               </a:extLst>
             </p:cNvPr>
@@ -11830,7 +12472,7 @@
             <p:cNvPr id="51" name="Rectangle 43">
               <a:extLst>
                 <a:ext uri="{FF2B5EF4-FFF2-40B4-BE49-F238E27FC236}">
-                  <a16:creationId xmlns="" xmlns:a16="http://schemas.microsoft.com/office/drawing/2014/main" id="{E935819C-A263-4244-905A-0C0008112263}"/>
+                  <a16:creationId xmlns:a16="http://schemas.microsoft.com/office/drawing/2014/main" xmlns="" id="{E935819C-A263-4244-905A-0C0008112263}"/>
                 </a:ext>
               </a:extLst>
             </p:cNvPr>
@@ -11991,7 +12633,7 @@
           <p:cNvPr id="55" name="Shape">
             <a:extLst>
               <a:ext uri="{FF2B5EF4-FFF2-40B4-BE49-F238E27FC236}">
-                <a16:creationId xmlns="" xmlns:a16="http://schemas.microsoft.com/office/drawing/2014/main" id="{DC8D0D3E-24AB-B748-81CA-26BC59EAA9B7}"/>
+                <a16:creationId xmlns:a16="http://schemas.microsoft.com/office/drawing/2014/main" xmlns="" id="{DC8D0D3E-24AB-B748-81CA-26BC59EAA9B7}"/>
               </a:ext>
             </a:extLst>
           </p:cNvPr>
@@ -12143,7 +12785,7 @@
           <p:cNvPr id="60" name="Shape">
             <a:extLst>
               <a:ext uri="{FF2B5EF4-FFF2-40B4-BE49-F238E27FC236}">
-                <a16:creationId xmlns="" xmlns:a16="http://schemas.microsoft.com/office/drawing/2014/main" id="{DC8D0D3E-24AB-B748-81CA-26BC59EAA9B7}"/>
+                <a16:creationId xmlns:a16="http://schemas.microsoft.com/office/drawing/2014/main" xmlns="" id="{DC8D0D3E-24AB-B748-81CA-26BC59EAA9B7}"/>
               </a:ext>
             </a:extLst>
           </p:cNvPr>
@@ -12400,7 +13042,7 @@
           <p:cNvPr id="56" name="Shape">
             <a:extLst>
               <a:ext uri="{FF2B5EF4-FFF2-40B4-BE49-F238E27FC236}">
-                <a16:creationId xmlns="" xmlns:a16="http://schemas.microsoft.com/office/drawing/2014/main" id="{E28A227A-DFA3-0649-A4A0-558F7171B0EA}"/>
+                <a16:creationId xmlns:a16="http://schemas.microsoft.com/office/drawing/2014/main" xmlns="" id="{E28A227A-DFA3-0649-A4A0-558F7171B0EA}"/>
               </a:ext>
             </a:extLst>
           </p:cNvPr>
@@ -12596,7 +13238,7 @@
           <p:cNvPr id="2" name="Title 1">
             <a:extLst>
               <a:ext uri="{FF2B5EF4-FFF2-40B4-BE49-F238E27FC236}">
-                <a16:creationId xmlns="" xmlns:a16="http://schemas.microsoft.com/office/drawing/2014/main" id="{B9608D36-728B-4FF3-A9AB-A63636C210C5}"/>
+                <a16:creationId xmlns:a16="http://schemas.microsoft.com/office/drawing/2014/main" xmlns="" id="{B9608D36-728B-4FF3-A9AB-A63636C210C5}"/>
               </a:ext>
             </a:extLst>
           </p:cNvPr>
@@ -12625,7 +13267,7 @@
           <p:cNvPr id="4" name="Slide Number Placeholder 3">
             <a:extLst>
               <a:ext uri="{FF2B5EF4-FFF2-40B4-BE49-F238E27FC236}">
-                <a16:creationId xmlns="" xmlns:a16="http://schemas.microsoft.com/office/drawing/2014/main" id="{BA98FF0A-865D-4F86-BEB7-CA3699CDA173}"/>
+                <a16:creationId xmlns:a16="http://schemas.microsoft.com/office/drawing/2014/main" xmlns="" id="{BA98FF0A-865D-4F86-BEB7-CA3699CDA173}"/>
               </a:ext>
             </a:extLst>
           </p:cNvPr>
@@ -12702,7 +13344,7 @@
           <p:cNvPr id="58" name="Shape">
             <a:extLst>
               <a:ext uri="{FF2B5EF4-FFF2-40B4-BE49-F238E27FC236}">
-                <a16:creationId xmlns="" xmlns:a16="http://schemas.microsoft.com/office/drawing/2014/main" id="{060CE464-B7D0-A542-8015-021B812A8847}"/>
+                <a16:creationId xmlns:a16="http://schemas.microsoft.com/office/drawing/2014/main" xmlns="" id="{060CE464-B7D0-A542-8015-021B812A8847}"/>
               </a:ext>
             </a:extLst>
           </p:cNvPr>
@@ -12869,7 +13511,7 @@
           <p:cNvPr id="14" name="Shape">
             <a:extLst>
               <a:ext uri="{FF2B5EF4-FFF2-40B4-BE49-F238E27FC236}">
-                <a16:creationId xmlns="" xmlns:a16="http://schemas.microsoft.com/office/drawing/2014/main" id="{060CE464-B7D0-A542-8015-021B812A8847}"/>
+                <a16:creationId xmlns:a16="http://schemas.microsoft.com/office/drawing/2014/main" xmlns="" id="{060CE464-B7D0-A542-8015-021B812A8847}"/>
               </a:ext>
             </a:extLst>
           </p:cNvPr>
@@ -13036,7 +13678,7 @@
           <p:cNvPr id="15" name="Shape">
             <a:extLst>
               <a:ext uri="{FF2B5EF4-FFF2-40B4-BE49-F238E27FC236}">
-                <a16:creationId xmlns="" xmlns:a16="http://schemas.microsoft.com/office/drawing/2014/main" id="{060CE464-B7D0-A542-8015-021B812A8847}"/>
+                <a16:creationId xmlns:a16="http://schemas.microsoft.com/office/drawing/2014/main" xmlns="" id="{060CE464-B7D0-A542-8015-021B812A8847}"/>
               </a:ext>
             </a:extLst>
           </p:cNvPr>
@@ -13203,7 +13845,7 @@
           <p:cNvPr id="16" name="Shape">
             <a:extLst>
               <a:ext uri="{FF2B5EF4-FFF2-40B4-BE49-F238E27FC236}">
-                <a16:creationId xmlns="" xmlns:a16="http://schemas.microsoft.com/office/drawing/2014/main" id="{060CE464-B7D0-A542-8015-021B812A8847}"/>
+                <a16:creationId xmlns:a16="http://schemas.microsoft.com/office/drawing/2014/main" xmlns="" id="{060CE464-B7D0-A542-8015-021B812A8847}"/>
               </a:ext>
             </a:extLst>
           </p:cNvPr>
@@ -13427,7 +14069,7 @@
           <p:cNvPr id="56" name="Shape">
             <a:extLst>
               <a:ext uri="{FF2B5EF4-FFF2-40B4-BE49-F238E27FC236}">
-                <a16:creationId xmlns="" xmlns:a16="http://schemas.microsoft.com/office/drawing/2014/main" id="{E28A227A-DFA3-0649-A4A0-558F7171B0EA}"/>
+                <a16:creationId xmlns:a16="http://schemas.microsoft.com/office/drawing/2014/main" xmlns="" id="{E28A227A-DFA3-0649-A4A0-558F7171B0EA}"/>
               </a:ext>
             </a:extLst>
           </p:cNvPr>
@@ -13623,7 +14265,7 @@
           <p:cNvPr id="2" name="Title 1">
             <a:extLst>
               <a:ext uri="{FF2B5EF4-FFF2-40B4-BE49-F238E27FC236}">
-                <a16:creationId xmlns="" xmlns:a16="http://schemas.microsoft.com/office/drawing/2014/main" id="{B9608D36-728B-4FF3-A9AB-A63636C210C5}"/>
+                <a16:creationId xmlns:a16="http://schemas.microsoft.com/office/drawing/2014/main" xmlns="" id="{B9608D36-728B-4FF3-A9AB-A63636C210C5}"/>
               </a:ext>
             </a:extLst>
           </p:cNvPr>
@@ -13660,7 +14302,7 @@
           <p:cNvPr id="4" name="Slide Number Placeholder 3">
             <a:extLst>
               <a:ext uri="{FF2B5EF4-FFF2-40B4-BE49-F238E27FC236}">
-                <a16:creationId xmlns="" xmlns:a16="http://schemas.microsoft.com/office/drawing/2014/main" id="{BA98FF0A-865D-4F86-BEB7-CA3699CDA173}"/>
+                <a16:creationId xmlns:a16="http://schemas.microsoft.com/office/drawing/2014/main" xmlns="" id="{BA98FF0A-865D-4F86-BEB7-CA3699CDA173}"/>
               </a:ext>
             </a:extLst>
           </p:cNvPr>
@@ -13865,7 +14507,7 @@
           <p:cNvPr id="32" name="Shape">
             <a:extLst>
               <a:ext uri="{FF2B5EF4-FFF2-40B4-BE49-F238E27FC236}">
-                <a16:creationId xmlns="" xmlns:a16="http://schemas.microsoft.com/office/drawing/2014/main" id="{060CE464-B7D0-A542-8015-021B812A8847}"/>
+                <a16:creationId xmlns:a16="http://schemas.microsoft.com/office/drawing/2014/main" xmlns="" id="{060CE464-B7D0-A542-8015-021B812A8847}"/>
               </a:ext>
             </a:extLst>
           </p:cNvPr>
@@ -14032,7 +14674,7 @@
           <p:cNvPr id="33" name="Shape">
             <a:extLst>
               <a:ext uri="{FF2B5EF4-FFF2-40B4-BE49-F238E27FC236}">
-                <a16:creationId xmlns="" xmlns:a16="http://schemas.microsoft.com/office/drawing/2014/main" id="{DC8D0D3E-24AB-B748-81CA-26BC59EAA9B7}"/>
+                <a16:creationId xmlns:a16="http://schemas.microsoft.com/office/drawing/2014/main" xmlns="" id="{DC8D0D3E-24AB-B748-81CA-26BC59EAA9B7}"/>
               </a:ext>
             </a:extLst>
           </p:cNvPr>
@@ -14184,7 +14826,7 @@
           <p:cNvPr id="56" name="Shape">
             <a:extLst>
               <a:ext uri="{FF2B5EF4-FFF2-40B4-BE49-F238E27FC236}">
-                <a16:creationId xmlns="" xmlns:a16="http://schemas.microsoft.com/office/drawing/2014/main" id="{E28A227A-DFA3-0649-A4A0-558F7171B0EA}"/>
+                <a16:creationId xmlns:a16="http://schemas.microsoft.com/office/drawing/2014/main" xmlns="" id="{E28A227A-DFA3-0649-A4A0-558F7171B0EA}"/>
               </a:ext>
             </a:extLst>
           </p:cNvPr>
@@ -14380,7 +15022,7 @@
           <p:cNvPr id="2" name="Title 1">
             <a:extLst>
               <a:ext uri="{FF2B5EF4-FFF2-40B4-BE49-F238E27FC236}">
-                <a16:creationId xmlns="" xmlns:a16="http://schemas.microsoft.com/office/drawing/2014/main" id="{B9608D36-728B-4FF3-A9AB-A63636C210C5}"/>
+                <a16:creationId xmlns:a16="http://schemas.microsoft.com/office/drawing/2014/main" xmlns="" id="{B9608D36-728B-4FF3-A9AB-A63636C210C5}"/>
               </a:ext>
             </a:extLst>
           </p:cNvPr>
@@ -14413,7 +15055,7 @@
           <p:cNvPr id="4" name="Slide Number Placeholder 3">
             <a:extLst>
               <a:ext uri="{FF2B5EF4-FFF2-40B4-BE49-F238E27FC236}">
-                <a16:creationId xmlns="" xmlns:a16="http://schemas.microsoft.com/office/drawing/2014/main" id="{BA98FF0A-865D-4F86-BEB7-CA3699CDA173}"/>
+                <a16:creationId xmlns:a16="http://schemas.microsoft.com/office/drawing/2014/main" xmlns="" id="{BA98FF0A-865D-4F86-BEB7-CA3699CDA173}"/>
               </a:ext>
             </a:extLst>
           </p:cNvPr>
@@ -14927,7 +15569,7 @@
           <p:cNvPr id="31" name="Shape">
             <a:extLst>
               <a:ext uri="{FF2B5EF4-FFF2-40B4-BE49-F238E27FC236}">
-                <a16:creationId xmlns="" xmlns:a16="http://schemas.microsoft.com/office/drawing/2014/main" id="{E28A227A-DFA3-0649-A4A0-558F7171B0EA}"/>
+                <a16:creationId xmlns:a16="http://schemas.microsoft.com/office/drawing/2014/main" xmlns="" id="{E28A227A-DFA3-0649-A4A0-558F7171B0EA}"/>
               </a:ext>
             </a:extLst>
           </p:cNvPr>
@@ -15123,7 +15765,7 @@
           <p:cNvPr id="2" name="Title 1">
             <a:extLst>
               <a:ext uri="{FF2B5EF4-FFF2-40B4-BE49-F238E27FC236}">
-                <a16:creationId xmlns="" xmlns:a16="http://schemas.microsoft.com/office/drawing/2014/main" id="{B83E0CBD-0020-9B4C-9A56-326C3B22F02F}"/>
+                <a16:creationId xmlns:a16="http://schemas.microsoft.com/office/drawing/2014/main" xmlns="" id="{B83E0CBD-0020-9B4C-9A56-326C3B22F02F}"/>
               </a:ext>
             </a:extLst>
           </p:cNvPr>
@@ -15162,7 +15804,7 @@
           <p:cNvPr id="4" name="Slide Number Placeholder 3">
             <a:extLst>
               <a:ext uri="{FF2B5EF4-FFF2-40B4-BE49-F238E27FC236}">
-                <a16:creationId xmlns="" xmlns:a16="http://schemas.microsoft.com/office/drawing/2014/main" id="{F1077B55-DE0A-1147-90F1-0FC783990A48}"/>
+                <a16:creationId xmlns:a16="http://schemas.microsoft.com/office/drawing/2014/main" xmlns="" id="{F1077B55-DE0A-1147-90F1-0FC783990A48}"/>
               </a:ext>
             </a:extLst>
           </p:cNvPr>
@@ -15273,7 +15915,7 @@
           <p:cNvPr id="31" name="Shape">
             <a:extLst>
               <a:ext uri="{FF2B5EF4-FFF2-40B4-BE49-F238E27FC236}">
-                <a16:creationId xmlns="" xmlns:a16="http://schemas.microsoft.com/office/drawing/2014/main" id="{E28A227A-DFA3-0649-A4A0-558F7171B0EA}"/>
+                <a16:creationId xmlns:a16="http://schemas.microsoft.com/office/drawing/2014/main" xmlns="" id="{E28A227A-DFA3-0649-A4A0-558F7171B0EA}"/>
               </a:ext>
             </a:extLst>
           </p:cNvPr>
@@ -15469,7 +16111,7 @@
           <p:cNvPr id="2" name="Title 1">
             <a:extLst>
               <a:ext uri="{FF2B5EF4-FFF2-40B4-BE49-F238E27FC236}">
-                <a16:creationId xmlns="" xmlns:a16="http://schemas.microsoft.com/office/drawing/2014/main" id="{B83E0CBD-0020-9B4C-9A56-326C3B22F02F}"/>
+                <a16:creationId xmlns:a16="http://schemas.microsoft.com/office/drawing/2014/main" xmlns="" id="{B83E0CBD-0020-9B4C-9A56-326C3B22F02F}"/>
               </a:ext>
             </a:extLst>
           </p:cNvPr>
@@ -15508,7 +16150,7 @@
           <p:cNvPr id="4" name="Slide Number Placeholder 3">
             <a:extLst>
               <a:ext uri="{FF2B5EF4-FFF2-40B4-BE49-F238E27FC236}">
-                <a16:creationId xmlns="" xmlns:a16="http://schemas.microsoft.com/office/drawing/2014/main" id="{F1077B55-DE0A-1147-90F1-0FC783990A48}"/>
+                <a16:creationId xmlns:a16="http://schemas.microsoft.com/office/drawing/2014/main" xmlns="" id="{F1077B55-DE0A-1147-90F1-0FC783990A48}"/>
               </a:ext>
             </a:extLst>
           </p:cNvPr>
@@ -15619,7 +16261,7 @@
           <p:cNvPr id="32" name="Shape">
             <a:extLst>
               <a:ext uri="{FF2B5EF4-FFF2-40B4-BE49-F238E27FC236}">
-                <a16:creationId xmlns="" xmlns:a16="http://schemas.microsoft.com/office/drawing/2014/main" id="{625D9CEB-E53C-D446-8909-8C2A1208A47F}"/>
+                <a16:creationId xmlns:a16="http://schemas.microsoft.com/office/drawing/2014/main" xmlns="" id="{625D9CEB-E53C-D446-8909-8C2A1208A47F}"/>
               </a:ext>
             </a:extLst>
           </p:cNvPr>
@@ -15786,7 +16428,7 @@
           <p:cNvPr id="35" name="Shape">
             <a:extLst>
               <a:ext uri="{FF2B5EF4-FFF2-40B4-BE49-F238E27FC236}">
-                <a16:creationId xmlns="" xmlns:a16="http://schemas.microsoft.com/office/drawing/2014/main" id="{060CE464-B7D0-A542-8015-021B812A8847}"/>
+                <a16:creationId xmlns:a16="http://schemas.microsoft.com/office/drawing/2014/main" xmlns="" id="{060CE464-B7D0-A542-8015-021B812A8847}"/>
               </a:ext>
             </a:extLst>
           </p:cNvPr>
@@ -15953,7 +16595,7 @@
           <p:cNvPr id="36" name="Shape">
             <a:extLst>
               <a:ext uri="{FF2B5EF4-FFF2-40B4-BE49-F238E27FC236}">
-                <a16:creationId xmlns="" xmlns:a16="http://schemas.microsoft.com/office/drawing/2014/main" id="{DC8D0D3E-24AB-B748-81CA-26BC59EAA9B7}"/>
+                <a16:creationId xmlns:a16="http://schemas.microsoft.com/office/drawing/2014/main" xmlns="" id="{DC8D0D3E-24AB-B748-81CA-26BC59EAA9B7}"/>
               </a:ext>
             </a:extLst>
           </p:cNvPr>
@@ -16105,7 +16747,7 @@
           <p:cNvPr id="31" name="Shape">
             <a:extLst>
               <a:ext uri="{FF2B5EF4-FFF2-40B4-BE49-F238E27FC236}">
-                <a16:creationId xmlns="" xmlns:a16="http://schemas.microsoft.com/office/drawing/2014/main" id="{E28A227A-DFA3-0649-A4A0-558F7171B0EA}"/>
+                <a16:creationId xmlns:a16="http://schemas.microsoft.com/office/drawing/2014/main" xmlns="" id="{E28A227A-DFA3-0649-A4A0-558F7171B0EA}"/>
               </a:ext>
             </a:extLst>
           </p:cNvPr>
@@ -16301,7 +16943,7 @@
           <p:cNvPr id="2" name="Title 1">
             <a:extLst>
               <a:ext uri="{FF2B5EF4-FFF2-40B4-BE49-F238E27FC236}">
-                <a16:creationId xmlns="" xmlns:a16="http://schemas.microsoft.com/office/drawing/2014/main" id="{B83E0CBD-0020-9B4C-9A56-326C3B22F02F}"/>
+                <a16:creationId xmlns:a16="http://schemas.microsoft.com/office/drawing/2014/main" xmlns="" id="{B83E0CBD-0020-9B4C-9A56-326C3B22F02F}"/>
               </a:ext>
             </a:extLst>
           </p:cNvPr>
@@ -16334,7 +16976,7 @@
           <p:cNvPr id="4" name="Slide Number Placeholder 3">
             <a:extLst>
               <a:ext uri="{FF2B5EF4-FFF2-40B4-BE49-F238E27FC236}">
-                <a16:creationId xmlns="" xmlns:a16="http://schemas.microsoft.com/office/drawing/2014/main" id="{F1077B55-DE0A-1147-90F1-0FC783990A48}"/>
+                <a16:creationId xmlns:a16="http://schemas.microsoft.com/office/drawing/2014/main" xmlns="" id="{F1077B55-DE0A-1147-90F1-0FC783990A48}"/>
               </a:ext>
             </a:extLst>
           </p:cNvPr>

--- a/document/쇼핑몰(이태훈).pptx
+++ b/document/쇼핑몰(이태훈).pptx
@@ -6,10 +6,10 @@
     <p:sldMasterId id="2147483753" r:id="rId2"/>
   </p:sldMasterIdLst>
   <p:notesMasterIdLst>
-    <p:notesMasterId r:id="rId21"/>
+    <p:notesMasterId r:id="rId23"/>
   </p:notesMasterIdLst>
   <p:handoutMasterIdLst>
-    <p:handoutMasterId r:id="rId22"/>
+    <p:handoutMasterId r:id="rId24"/>
   </p:handoutMasterIdLst>
   <p:sldIdLst>
     <p:sldId id="1087" r:id="rId3"/>
@@ -26,10 +26,12 @@
     <p:sldId id="1134" r:id="rId14"/>
     <p:sldId id="1138" r:id="rId15"/>
     <p:sldId id="1135" r:id="rId16"/>
-    <p:sldId id="1136" r:id="rId17"/>
-    <p:sldId id="1137" r:id="rId18"/>
-    <p:sldId id="1129" r:id="rId19"/>
-    <p:sldId id="787" r:id="rId20"/>
+    <p:sldId id="1139" r:id="rId17"/>
+    <p:sldId id="1136" r:id="rId18"/>
+    <p:sldId id="1137" r:id="rId19"/>
+    <p:sldId id="1140" r:id="rId20"/>
+    <p:sldId id="1129" r:id="rId21"/>
+    <p:sldId id="787" r:id="rId22"/>
   </p:sldIdLst>
   <p:sldSz cx="12192000" cy="6858000"/>
   <p:notesSz cx="6797675" cy="9926638"/>
@@ -147,8 +149,10 @@
             <p14:sldId id="1134"/>
             <p14:sldId id="1138"/>
             <p14:sldId id="1135"/>
+            <p14:sldId id="1139"/>
             <p14:sldId id="1136"/>
             <p14:sldId id="1137"/>
+            <p14:sldId id="1140"/>
             <p14:sldId id="1129"/>
           </p14:sldIdLst>
         </p14:section>
@@ -329,7 +333,7 @@
             <a:fld id="{EA33B4B9-AFB0-43EB-82AF-ED70AC262E4F}" type="datetimeFigureOut">
               <a:rPr lang="en-US" smtClean="0"/>
               <a:pPr/>
-              <a:t>4/27/2021</a:t>
+              <a:t>4/28/2021</a:t>
             </a:fld>
             <a:endParaRPr lang="en-US"/>
           </a:p>
@@ -497,7 +501,7 @@
             <a:fld id="{3D31E77A-DD07-4A76-801D-B4BF4990C412}" type="datetimeFigureOut">
               <a:rPr lang="en-US" smtClean="0"/>
               <a:pPr/>
-              <a:t>4/27/2021</a:t>
+              <a:t>4/28/2021</a:t>
             </a:fld>
             <a:endParaRPr lang="en-US"/>
           </a:p>
@@ -1104,7 +1108,7 @@
             <a:fld id="{2CA3AB2B-189A-4C92-A457-C6A3833631A7}" type="slidenum">
               <a:rPr lang="en-US" smtClean="0"/>
               <a:pPr/>
-              <a:t>17</a:t>
+              <a:t>19</a:t>
             </a:fld>
             <a:endParaRPr lang="en-US"/>
           </a:p>
@@ -1207,7 +1211,7 @@
               <a:pPr defTabSz="914213">
                 <a:defRPr/>
               </a:pPr>
-              <a:t>18</a:t>
+              <a:t>20</a:t>
             </a:fld>
             <a:endParaRPr lang="en-US">
               <a:solidFill>
@@ -6890,6 +6894,14 @@
           <a:bodyPr/>
           <a:lstStyle/>
           <a:p>
+            <a:r>
+              <a:rPr lang="ko-KR" altLang="en-US" dirty="0" smtClean="0"/>
+              <a:t>로그인</a:t>
+            </a:r>
+            <a:r>
+              <a:rPr lang="en-US" altLang="ko-KR" dirty="0" smtClean="0"/>
+              <a:t>UI</a:t>
+            </a:r>
             <a:endParaRPr lang="ko-KR" altLang="en-US" dirty="0"/>
           </a:p>
         </p:txBody>
@@ -7014,8 +7026,8 @@
   <p:clrMapOvr>
     <a:masterClrMapping/>
   </p:clrMapOvr>
-  <mc:AlternateContent xmlns:mc="http://schemas.openxmlformats.org/markup-compatibility/2006">
-    <mc:Choice xmlns:p14="http://schemas.microsoft.com/office/powerpoint/2010/main" Requires="p14">
+  <mc:AlternateContent xmlns:mc="http://schemas.openxmlformats.org/markup-compatibility/2006" xmlns:p14="http://schemas.microsoft.com/office/powerpoint/2010/main">
+    <mc:Choice Requires="p14">
       <p:transition spd="slow" p14:dur="2000">
         <p:sndAc>
           <p:stSnd>
@@ -7024,11 +7036,11 @@
         </p:sndAc>
       </p:transition>
     </mc:Choice>
-    <mc:Fallback>
+    <mc:Fallback xmlns="">
       <p:transition spd="slow">
         <p:sndAc>
           <p:stSnd>
-            <p:snd r:embed="rId2" name="click.wav"/>
+            <p:snd r:embed="rId4" name="click.wav"/>
           </p:stSnd>
         </p:sndAc>
       </p:transition>
@@ -7101,8 +7113,8 @@
         </p:blipFill>
         <p:spPr>
           <a:xfrm>
-            <a:off x="1487488" y="404664"/>
-            <a:ext cx="8507012" cy="5915851"/>
+            <a:off x="1703512" y="861985"/>
+            <a:ext cx="7782178" cy="5411795"/>
           </a:xfrm>
           <a:prstGeom prst="rect">
             <a:avLst/>
@@ -7233,13 +7245,15 @@
       <p:cxnSp>
         <p:nvCxnSpPr>
           <p:cNvPr id="12" name="직선 화살표 연결선 11"/>
-          <p:cNvCxnSpPr/>
+          <p:cNvCxnSpPr>
+            <a:stCxn id="8" idx="0"/>
+          </p:cNvCxnSpPr>
           <p:nvPr/>
         </p:nvCxnSpPr>
         <p:spPr>
           <a:xfrm flipV="1">
-            <a:off x="3359696" y="692696"/>
-            <a:ext cx="2520280" cy="5112568"/>
+            <a:off x="3182193" y="1207947"/>
+            <a:ext cx="3096485" cy="4597317"/>
           </a:xfrm>
           <a:prstGeom prst="straightConnector1">
             <a:avLst/>
@@ -7263,6 +7277,46 @@
           </a:fontRef>
         </p:style>
       </p:cxnSp>
+      <p:sp>
+        <p:nvSpPr>
+          <p:cNvPr id="9" name="제목 1"/>
+          <p:cNvSpPr>
+            <a:spLocks noGrp="1"/>
+          </p:cNvSpPr>
+          <p:nvPr>
+            <p:ph type="title"/>
+          </p:nvPr>
+        </p:nvSpPr>
+        <p:spPr>
+          <a:xfrm>
+            <a:off x="623887" y="137160"/>
+            <a:ext cx="9797831" cy="707886"/>
+          </a:xfrm>
+        </p:spPr>
+        <p:txBody>
+          <a:bodyPr/>
+          <a:lstStyle/>
+          <a:p>
+            <a:r>
+              <a:rPr lang="ko-KR" altLang="en-US" dirty="0" smtClean="0"/>
+              <a:t>제품 구입 </a:t>
+            </a:r>
+            <a:r>
+              <a:rPr lang="en-US" altLang="ko-KR" dirty="0" smtClean="0"/>
+              <a:t>UI(</a:t>
+            </a:r>
+            <a:r>
+              <a:rPr lang="ko-KR" altLang="en-US" dirty="0" smtClean="0"/>
+              <a:t>고객용</a:t>
+            </a:r>
+            <a:r>
+              <a:rPr lang="en-US" altLang="ko-KR" smtClean="0"/>
+              <a:t>)</a:t>
+            </a:r>
+            <a:endParaRPr lang="ko-KR" altLang="en-US" dirty="0"/>
+          </a:p>
+        </p:txBody>
+      </p:sp>
     </p:spTree>
     <p:extLst>
       <p:ext uri="{BB962C8B-B14F-4D97-AF65-F5344CB8AC3E}">
@@ -7273,8 +7327,8 @@
   <p:clrMapOvr>
     <a:masterClrMapping/>
   </p:clrMapOvr>
-  <mc:AlternateContent xmlns:mc="http://schemas.openxmlformats.org/markup-compatibility/2006">
-    <mc:Choice xmlns:p14="http://schemas.microsoft.com/office/powerpoint/2010/main" Requires="p14">
+  <mc:AlternateContent xmlns:mc="http://schemas.openxmlformats.org/markup-compatibility/2006" xmlns:p14="http://schemas.microsoft.com/office/powerpoint/2010/main">
+    <mc:Choice Requires="p14">
       <p:transition spd="slow" p14:dur="2000">
         <p:sndAc>
           <p:stSnd>
@@ -7283,11 +7337,11 @@
         </p:sndAc>
       </p:transition>
     </mc:Choice>
-    <mc:Fallback>
+    <mc:Fallback xmlns="">
       <p:transition spd="slow">
         <p:sndAc>
           <p:stSnd>
-            <p:snd r:embed="rId2" name="click.wav"/>
+            <p:snd r:embed="rId5" name="click.wav"/>
           </p:stSnd>
         </p:sndAc>
       </p:transition>
@@ -7405,8 +7459,8 @@
   <p:clrMapOvr>
     <a:masterClrMapping/>
   </p:clrMapOvr>
-  <mc:AlternateContent xmlns:mc="http://schemas.openxmlformats.org/markup-compatibility/2006">
-    <mc:Choice xmlns:p14="http://schemas.microsoft.com/office/powerpoint/2010/main" Requires="p14">
+  <mc:AlternateContent xmlns:mc="http://schemas.openxmlformats.org/markup-compatibility/2006" xmlns:p14="http://schemas.microsoft.com/office/powerpoint/2010/main">
+    <mc:Choice Requires="p14">
       <p:transition spd="slow" p14:dur="2000">
         <p:sndAc>
           <p:stSnd>
@@ -7415,11 +7469,11 @@
         </p:sndAc>
       </p:transition>
     </mc:Choice>
-    <mc:Fallback>
+    <mc:Fallback xmlns="">
       <p:transition spd="slow">
         <p:sndAc>
           <p:stSnd>
-            <p:snd r:embed="rId2" name="click.wav"/>
+            <p:snd r:embed="rId4" name="click.wav"/>
           </p:stSnd>
         </p:sndAc>
       </p:transition>
@@ -7542,8 +7596,8 @@
   <p:clrMapOvr>
     <a:masterClrMapping/>
   </p:clrMapOvr>
-  <mc:AlternateContent xmlns:mc="http://schemas.openxmlformats.org/markup-compatibility/2006">
-    <mc:Choice xmlns:p14="http://schemas.microsoft.com/office/powerpoint/2010/main" Requires="p14">
+  <mc:AlternateContent xmlns:mc="http://schemas.openxmlformats.org/markup-compatibility/2006" xmlns:p14="http://schemas.microsoft.com/office/powerpoint/2010/main">
+    <mc:Choice Requires="p14">
       <p:transition spd="slow" p14:dur="2000">
         <p:sndAc>
           <p:stSnd>
@@ -7552,11 +7606,11 @@
         </p:sndAc>
       </p:transition>
     </mc:Choice>
-    <mc:Fallback>
+    <mc:Fallback xmlns="">
       <p:transition spd="slow">
         <p:sndAc>
           <p:stSnd>
-            <p:snd r:embed="rId2" name="click.wav"/>
+            <p:snd r:embed="rId4" name="click.wav"/>
           </p:stSnd>
         </p:sndAc>
       </p:transition>
@@ -7703,8 +7757,8 @@
   <p:clrMapOvr>
     <a:masterClrMapping/>
   </p:clrMapOvr>
-  <mc:AlternateContent xmlns:mc="http://schemas.openxmlformats.org/markup-compatibility/2006">
-    <mc:Choice xmlns:p14="http://schemas.microsoft.com/office/powerpoint/2010/main" Requires="p14">
+  <mc:AlternateContent xmlns:mc="http://schemas.openxmlformats.org/markup-compatibility/2006" xmlns:p14="http://schemas.microsoft.com/office/powerpoint/2010/main">
+    <mc:Choice Requires="p14">
       <p:transition spd="slow" p14:dur="2000">
         <p:sndAc>
           <p:stSnd>
@@ -7713,11 +7767,11 @@
         </p:sndAc>
       </p:transition>
     </mc:Choice>
-    <mc:Fallback>
+    <mc:Fallback xmlns="">
       <p:transition spd="slow">
         <p:sndAc>
           <p:stSnd>
-            <p:snd r:embed="rId2" name="click.wav"/>
+            <p:snd r:embed="rId5" name="click.wav"/>
           </p:stSnd>
         </p:sndAc>
       </p:transition>
@@ -7767,7 +7821,11 @@
           <a:p>
             <a:r>
               <a:rPr lang="ko-KR" altLang="en-US" dirty="0" smtClean="0"/>
-              <a:t>제품관리</a:t>
+              <a:t>상세조회</a:t>
+            </a:r>
+            <a:r>
+              <a:rPr lang="en-US" altLang="ko-KR" dirty="0" smtClean="0"/>
+              <a:t>UI</a:t>
             </a:r>
             <a:endParaRPr lang="ko-KR" altLang="en-US" dirty="0"/>
           </a:p>
@@ -7799,7 +7857,7 @@
       </p:sp>
       <p:pic>
         <p:nvPicPr>
-          <p:cNvPr id="7" name="그림 6"/>
+          <p:cNvPr id="6" name="그림 5"/>
           <p:cNvPicPr>
             <a:picLocks noChangeAspect="1"/>
           </p:cNvPicPr>
@@ -7813,32 +7871,82 @@
         </p:blipFill>
         <p:spPr>
           <a:xfrm>
-            <a:off x="547789" y="930427"/>
-            <a:ext cx="5220733" cy="4298773"/>
+            <a:off x="1718424" y="1163956"/>
+            <a:ext cx="9494616" cy="4857331"/>
           </a:xfrm>
           <a:prstGeom prst="rect">
             <a:avLst/>
           </a:prstGeom>
         </p:spPr>
       </p:pic>
+    </p:spTree>
+    <p:extLst>
+      <p:ext uri="{BB962C8B-B14F-4D97-AF65-F5344CB8AC3E}">
+        <p14:creationId xmlns:p14="http://schemas.microsoft.com/office/powerpoint/2010/main" val="1402423815"/>
+      </p:ext>
+    </p:extLst>
+  </p:cSld>
+  <p:clrMapOvr>
+    <a:masterClrMapping/>
+  </p:clrMapOvr>
+  <mc:AlternateContent xmlns:mc="http://schemas.openxmlformats.org/markup-compatibility/2006">
+    <mc:Choice xmlns:p14="http://schemas.microsoft.com/office/powerpoint/2010/main" Requires="p14">
+      <p:transition spd="slow" p14:dur="2000">
+        <p:sndAc>
+          <p:stSnd>
+            <p:snd r:embed="rId2" name="click.wav"/>
+          </p:stSnd>
+        </p:sndAc>
+      </p:transition>
+    </mc:Choice>
+    <mc:Fallback>
+      <p:transition spd="slow">
+        <p:sndAc>
+          <p:stSnd>
+            <p:snd r:embed="rId2" name="click.wav"/>
+          </p:stSnd>
+        </p:sndAc>
+      </p:transition>
+    </mc:Fallback>
+  </mc:AlternateContent>
+</p:sld>
+</file>
+
+<file path=ppt/slides/slide16.xml><?xml version="1.0" encoding="utf-8"?>
+<p:sld xmlns:a="http://schemas.openxmlformats.org/drawingml/2006/main" xmlns:r="http://schemas.openxmlformats.org/officeDocument/2006/relationships" xmlns:p="http://schemas.openxmlformats.org/presentationml/2006/main">
+  <p:cSld>
+    <p:spTree>
+      <p:nvGrpSpPr>
+        <p:cNvPr id="1" name=""/>
+        <p:cNvGrpSpPr/>
+        <p:nvPr/>
+      </p:nvGrpSpPr>
+      <p:grpSpPr>
+        <a:xfrm>
+          <a:off x="0" y="0"/>
+          <a:ext cx="0" cy="0"/>
+          <a:chOff x="0" y="0"/>
+          <a:chExt cx="0" cy="0"/>
+        </a:xfrm>
+      </p:grpSpPr>
       <p:pic>
         <p:nvPicPr>
-          <p:cNvPr id="8" name="그림 7"/>
+          <p:cNvPr id="11" name="그림 10"/>
           <p:cNvPicPr>
             <a:picLocks noChangeAspect="1"/>
           </p:cNvPicPr>
           <p:nvPr/>
         </p:nvPicPr>
         <p:blipFill>
-          <a:blip r:embed="rId4"/>
+          <a:blip r:embed="rId3"/>
           <a:stretch>
             <a:fillRect/>
           </a:stretch>
         </p:blipFill>
         <p:spPr>
           <a:xfrm>
-            <a:off x="6384032" y="814096"/>
-            <a:ext cx="4605138" cy="5618434"/>
+            <a:off x="1517178" y="937263"/>
+            <a:ext cx="10287537" cy="5690486"/>
           </a:xfrm>
           <a:prstGeom prst="rect">
             <a:avLst/>
@@ -7847,14 +7955,61 @@
       </p:pic>
       <p:sp>
         <p:nvSpPr>
+          <p:cNvPr id="2" name="제목 1"/>
+          <p:cNvSpPr>
+            <a:spLocks noGrp="1"/>
+          </p:cNvSpPr>
+          <p:nvPr>
+            <p:ph type="title"/>
+          </p:nvPr>
+        </p:nvSpPr>
+        <p:spPr/>
+        <p:txBody>
+          <a:bodyPr/>
+          <a:lstStyle/>
+          <a:p>
+            <a:r>
+              <a:rPr lang="ko-KR" altLang="en-US" dirty="0" smtClean="0"/>
+              <a:t>제품관리</a:t>
+            </a:r>
+            <a:endParaRPr lang="ko-KR" altLang="en-US" dirty="0"/>
+          </a:p>
+        </p:txBody>
+      </p:sp>
+      <p:sp>
+        <p:nvSpPr>
+          <p:cNvPr id="4" name="슬라이드 번호 개체 틀 3"/>
+          <p:cNvSpPr>
+            <a:spLocks noGrp="1"/>
+          </p:cNvSpPr>
+          <p:nvPr>
+            <p:ph type="sldNum" sz="quarter" idx="12"/>
+          </p:nvPr>
+        </p:nvSpPr>
+        <p:spPr/>
+        <p:txBody>
+          <a:bodyPr/>
+          <a:lstStyle/>
+          <a:p>
+            <a:fld id="{F68327C5-B821-4FE9-A59A-A60D9EB59A9A}" type="slidenum">
+              <a:rPr lang="en-US" smtClean="0"/>
+              <a:pPr/>
+              <a:t>16</a:t>
+            </a:fld>
+            <a:endParaRPr lang="en-US" dirty="0"/>
+          </a:p>
+        </p:txBody>
+      </p:sp>
+      <p:sp>
+        <p:nvSpPr>
           <p:cNvPr id="9" name="TextBox 8"/>
           <p:cNvSpPr txBox="1"/>
           <p:nvPr/>
         </p:nvSpPr>
         <p:spPr>
           <a:xfrm>
-            <a:off x="4151784" y="2996952"/>
-            <a:ext cx="720080" cy="241175"/>
+            <a:off x="3935760" y="1412776"/>
+            <a:ext cx="720080" cy="383471"/>
           </a:xfrm>
           <a:prstGeom prst="rect">
             <a:avLst/>
@@ -7876,54 +8031,26 @@
           </a:p>
         </p:txBody>
       </p:sp>
-      <p:sp>
-        <p:nvSpPr>
-          <p:cNvPr id="10" name="TextBox 9"/>
-          <p:cNvSpPr txBox="1"/>
-          <p:nvPr/>
-        </p:nvSpPr>
-        <p:spPr>
-          <a:xfrm>
-            <a:off x="2711625" y="1340768"/>
-            <a:ext cx="864096" cy="360040"/>
-          </a:xfrm>
-          <a:prstGeom prst="rect">
-            <a:avLst/>
-          </a:prstGeom>
-          <a:noFill/>
-          <a:ln w="28575">
-            <a:solidFill>
-              <a:srgbClr val="FF0000"/>
-            </a:solidFill>
-          </a:ln>
-        </p:spPr>
-        <p:txBody>
-          <a:bodyPr vert="eaVert" wrap="square" rtlCol="0">
-            <a:spAutoFit/>
-          </a:bodyPr>
-          <a:lstStyle/>
-          <a:p>
-            <a:endParaRPr lang="ko-KR" altLang="en-US" dirty="0"/>
-          </a:p>
-        </p:txBody>
-      </p:sp>
       <p:cxnSp>
         <p:nvCxnSpPr>
-          <p:cNvPr id="12" name="직선 화살표 연결선 11"/>
+          <p:cNvPr id="14" name="직선 화살표 연결선 13"/>
           <p:cNvCxnSpPr>
-            <a:stCxn id="10" idx="3"/>
+            <a:stCxn id="9" idx="3"/>
           </p:cNvCxnSpPr>
           <p:nvPr/>
         </p:nvCxnSpPr>
         <p:spPr>
-          <a:xfrm flipV="1">
-            <a:off x="3575721" y="1052736"/>
-            <a:ext cx="2952327" cy="468052"/>
+          <a:xfrm>
+            <a:off x="4655840" y="1604512"/>
+            <a:ext cx="2520280" cy="2225127"/>
           </a:xfrm>
           <a:prstGeom prst="straightConnector1">
             <a:avLst/>
           </a:prstGeom>
           <a:ln>
+            <a:solidFill>
+              <a:schemeClr val="accent5"/>
+            </a:solidFill>
             <a:tailEnd type="triangle"/>
           </a:ln>
         </p:spPr>
@@ -7942,19 +8069,47 @@
           </a:fontRef>
         </p:style>
       </p:cxnSp>
+      <p:sp>
+        <p:nvSpPr>
+          <p:cNvPr id="10" name="TextBox 9"/>
+          <p:cNvSpPr txBox="1"/>
+          <p:nvPr/>
+        </p:nvSpPr>
+        <p:spPr>
+          <a:xfrm>
+            <a:off x="5807968" y="2780928"/>
+            <a:ext cx="720080" cy="216024"/>
+          </a:xfrm>
+          <a:prstGeom prst="rect">
+            <a:avLst/>
+          </a:prstGeom>
+          <a:noFill/>
+          <a:ln w="28575">
+            <a:solidFill>
+              <a:schemeClr val="accent2"/>
+            </a:solidFill>
+          </a:ln>
+        </p:spPr>
+        <p:txBody>
+          <a:bodyPr vert="eaVert" wrap="square" rtlCol="0">
+            <a:spAutoFit/>
+          </a:bodyPr>
+          <a:lstStyle/>
+          <a:p>
+            <a:endParaRPr lang="ko-KR" altLang="en-US" dirty="0"/>
+          </a:p>
+        </p:txBody>
+      </p:sp>
       <p:cxnSp>
         <p:nvCxnSpPr>
-          <p:cNvPr id="14" name="직선 화살표 연결선 13"/>
-          <p:cNvCxnSpPr>
-            <a:stCxn id="9" idx="3"/>
-            <a:endCxn id="8" idx="1"/>
-          </p:cNvCxnSpPr>
+          <p:cNvPr id="12" name="직선 화살표 연결선 11"/>
+          <p:cNvCxnSpPr/>
           <p:nvPr/>
         </p:nvCxnSpPr>
         <p:spPr>
-          <a:xfrm>
-            <a:off x="4871864" y="3117540"/>
-            <a:ext cx="1512168" cy="505773"/>
+          <a:xfrm flipV="1">
+            <a:off x="6528048" y="1196752"/>
+            <a:ext cx="749768" cy="1661714"/>
           </a:xfrm>
           <a:prstGeom prst="straightConnector1">
             <a:avLst/>
@@ -7988,8 +8143,8 @@
   <p:clrMapOvr>
     <a:masterClrMapping/>
   </p:clrMapOvr>
-  <mc:AlternateContent xmlns:mc="http://schemas.openxmlformats.org/markup-compatibility/2006">
-    <mc:Choice xmlns:p14="http://schemas.microsoft.com/office/powerpoint/2010/main" Requires="p14">
+  <mc:AlternateContent xmlns:mc="http://schemas.openxmlformats.org/markup-compatibility/2006" xmlns:p14="http://schemas.microsoft.com/office/powerpoint/2010/main">
+    <mc:Choice Requires="p14">
       <p:transition spd="slow" p14:dur="2000">
         <p:sndAc>
           <p:stSnd>
@@ -7998,11 +8153,11 @@
         </p:sndAc>
       </p:transition>
     </mc:Choice>
-    <mc:Fallback>
+    <mc:Fallback xmlns="">
       <p:transition spd="slow">
         <p:sndAc>
           <p:stSnd>
-            <p:snd r:embed="rId2" name="click.wav"/>
+            <p:snd r:embed="rId5" name="click.wav"/>
           </p:stSnd>
         </p:sndAc>
       </p:transition>
@@ -8018,7 +8173,7 @@
 </p:sld>
 </file>
 
-<file path=ppt/slides/slide16.xml><?xml version="1.0" encoding="utf-8"?>
+<file path=ppt/slides/slide17.xml><?xml version="1.0" encoding="utf-8"?>
 <p:sld xmlns:a="http://schemas.openxmlformats.org/drawingml/2006/main" xmlns:r="http://schemas.openxmlformats.org/officeDocument/2006/relationships" xmlns:p="http://schemas.openxmlformats.org/presentationml/2006/main">
   <p:cSld>
     <p:spTree>
@@ -8076,7 +8231,7 @@
             <a:fld id="{F68327C5-B821-4FE9-A59A-A60D9EB59A9A}" type="slidenum">
               <a:rPr lang="en-US" smtClean="0"/>
               <a:pPr/>
-              <a:t>16</a:t>
+              <a:t>17</a:t>
             </a:fld>
             <a:endParaRPr lang="en-US" dirty="0"/>
           </a:p>
@@ -8273,6 +8428,138 @@
   <p:clrMapOvr>
     <a:masterClrMapping/>
   </p:clrMapOvr>
+  <mc:AlternateContent xmlns:mc="http://schemas.openxmlformats.org/markup-compatibility/2006" xmlns:p14="http://schemas.microsoft.com/office/powerpoint/2010/main">
+    <mc:Choice Requires="p14">
+      <p:transition spd="slow" p14:dur="2000">
+        <p:sndAc>
+          <p:stSnd>
+            <p:snd r:embed="rId2" name="click.wav"/>
+          </p:stSnd>
+        </p:sndAc>
+      </p:transition>
+    </mc:Choice>
+    <mc:Fallback xmlns="">
+      <p:transition spd="slow">
+        <p:sndAc>
+          <p:stSnd>
+            <p:snd r:embed="rId5" name="click.wav"/>
+          </p:stSnd>
+        </p:sndAc>
+      </p:transition>
+    </mc:Fallback>
+  </mc:AlternateContent>
+  <p:timing>
+    <p:tnLst>
+      <p:par>
+        <p:cTn id="1" dur="indefinite" restart="never" nodeType="tmRoot"/>
+      </p:par>
+    </p:tnLst>
+  </p:timing>
+</p:sld>
+</file>
+
+<file path=ppt/slides/slide18.xml><?xml version="1.0" encoding="utf-8"?>
+<p:sld xmlns:a="http://schemas.openxmlformats.org/drawingml/2006/main" xmlns:r="http://schemas.openxmlformats.org/officeDocument/2006/relationships" xmlns:p="http://schemas.openxmlformats.org/presentationml/2006/main">
+  <p:cSld>
+    <p:spTree>
+      <p:nvGrpSpPr>
+        <p:cNvPr id="1" name=""/>
+        <p:cNvGrpSpPr/>
+        <p:nvPr/>
+      </p:nvGrpSpPr>
+      <p:grpSpPr>
+        <a:xfrm>
+          <a:off x="0" y="0"/>
+          <a:ext cx="0" cy="0"/>
+          <a:chOff x="0" y="0"/>
+          <a:chExt cx="0" cy="0"/>
+        </a:xfrm>
+      </p:grpSpPr>
+      <p:sp>
+        <p:nvSpPr>
+          <p:cNvPr id="2" name="제목 1"/>
+          <p:cNvSpPr>
+            <a:spLocks noGrp="1"/>
+          </p:cNvSpPr>
+          <p:nvPr>
+            <p:ph type="title"/>
+          </p:nvPr>
+        </p:nvSpPr>
+        <p:spPr/>
+        <p:txBody>
+          <a:bodyPr/>
+          <a:lstStyle/>
+          <a:p>
+            <a:r>
+              <a:rPr lang="ko-KR" altLang="en-US" dirty="0" smtClean="0"/>
+              <a:t>이익금액 차트</a:t>
+            </a:r>
+            <a:r>
+              <a:rPr lang="en-US" altLang="ko-KR" dirty="0" smtClean="0"/>
+              <a:t>UI</a:t>
+            </a:r>
+            <a:endParaRPr lang="ko-KR" altLang="en-US" dirty="0"/>
+          </a:p>
+        </p:txBody>
+      </p:sp>
+      <p:sp>
+        <p:nvSpPr>
+          <p:cNvPr id="4" name="슬라이드 번호 개체 틀 3"/>
+          <p:cNvSpPr>
+            <a:spLocks noGrp="1"/>
+          </p:cNvSpPr>
+          <p:nvPr>
+            <p:ph type="sldNum" sz="quarter" idx="12"/>
+          </p:nvPr>
+        </p:nvSpPr>
+        <p:spPr/>
+        <p:txBody>
+          <a:bodyPr/>
+          <a:lstStyle/>
+          <a:p>
+            <a:fld id="{F68327C5-B821-4FE9-A59A-A60D9EB59A9A}" type="slidenum">
+              <a:rPr lang="en-US" smtClean="0"/>
+              <a:pPr/>
+              <a:t>18</a:t>
+            </a:fld>
+            <a:endParaRPr lang="en-US" dirty="0"/>
+          </a:p>
+        </p:txBody>
+      </p:sp>
+      <p:pic>
+        <p:nvPicPr>
+          <p:cNvPr id="6" name="그림 5"/>
+          <p:cNvPicPr>
+            <a:picLocks noChangeAspect="1"/>
+          </p:cNvPicPr>
+          <p:nvPr/>
+        </p:nvPicPr>
+        <p:blipFill>
+          <a:blip r:embed="rId3"/>
+          <a:stretch>
+            <a:fillRect/>
+          </a:stretch>
+        </p:blipFill>
+        <p:spPr>
+          <a:xfrm>
+            <a:off x="2567608" y="875690"/>
+            <a:ext cx="6401693" cy="5239481"/>
+          </a:xfrm>
+          <a:prstGeom prst="rect">
+            <a:avLst/>
+          </a:prstGeom>
+        </p:spPr>
+      </p:pic>
+    </p:spTree>
+    <p:extLst>
+      <p:ext uri="{BB962C8B-B14F-4D97-AF65-F5344CB8AC3E}">
+        <p14:creationId xmlns:p14="http://schemas.microsoft.com/office/powerpoint/2010/main" val="1741611802"/>
+      </p:ext>
+    </p:extLst>
+  </p:cSld>
+  <p:clrMapOvr>
+    <a:masterClrMapping/>
+  </p:clrMapOvr>
   <mc:AlternateContent xmlns:mc="http://schemas.openxmlformats.org/markup-compatibility/2006">
     <mc:Choice xmlns:p14="http://schemas.microsoft.com/office/powerpoint/2010/main" Requires="p14">
       <p:transition spd="slow" p14:dur="2000">
@@ -8293,17 +8580,10 @@
       </p:transition>
     </mc:Fallback>
   </mc:AlternateContent>
-  <p:timing>
-    <p:tnLst>
-      <p:par>
-        <p:cTn id="1" dur="indefinite" restart="never" nodeType="tmRoot"/>
-      </p:par>
-    </p:tnLst>
-  </p:timing>
 </p:sld>
 </file>
 
-<file path=ppt/slides/slide17.xml><?xml version="1.0" encoding="utf-8"?>
+<file path=ppt/slides/slide19.xml><?xml version="1.0" encoding="utf-8"?>
 <p:sld xmlns:a="http://schemas.openxmlformats.org/drawingml/2006/main" xmlns:r="http://schemas.openxmlformats.org/officeDocument/2006/relationships" xmlns:p="http://schemas.openxmlformats.org/presentationml/2006/main">
   <p:cSld>
     <p:spTree>
@@ -8344,7 +8624,7 @@
             <a:fld id="{F68327C5-B821-4FE9-A59A-A60D9EB59A9A}" type="slidenum">
               <a:rPr lang="en-US" smtClean="0"/>
               <a:pPr/>
-              <a:t>17</a:t>
+              <a:t>19</a:t>
             </a:fld>
             <a:endParaRPr lang="en-US" dirty="0"/>
           </a:p>
@@ -8437,7 +8717,1012 @@
 </p:sld>
 </file>
 
-<file path=ppt/slides/slide18.xml><?xml version="1.0" encoding="utf-8"?>
+<file path=ppt/slides/slide2.xml><?xml version="1.0" encoding="utf-8"?>
+<p:sld xmlns:a="http://schemas.openxmlformats.org/drawingml/2006/main" xmlns:r="http://schemas.openxmlformats.org/officeDocument/2006/relationships" xmlns:p="http://schemas.openxmlformats.org/presentationml/2006/main">
+  <p:cSld>
+    <p:spTree>
+      <p:nvGrpSpPr>
+        <p:cNvPr id="1" name=""/>
+        <p:cNvGrpSpPr/>
+        <p:nvPr/>
+      </p:nvGrpSpPr>
+      <p:grpSpPr>
+        <a:xfrm>
+          <a:off x="0" y="0"/>
+          <a:ext cx="0" cy="0"/>
+          <a:chOff x="0" y="0"/>
+          <a:chExt cx="0" cy="0"/>
+        </a:xfrm>
+      </p:grpSpPr>
+      <p:sp>
+        <p:nvSpPr>
+          <p:cNvPr id="76" name="Shape">
+            <a:extLst>
+              <a:ext uri="{FF2B5EF4-FFF2-40B4-BE49-F238E27FC236}">
+                <a16:creationId xmlns:a16="http://schemas.microsoft.com/office/drawing/2014/main" xmlns="" id="{E28A227A-DFA3-0649-A4A0-558F7171B0EA}"/>
+              </a:ext>
+            </a:extLst>
+          </p:cNvPr>
+          <p:cNvSpPr/>
+          <p:nvPr/>
+        </p:nvSpPr>
+        <p:spPr>
+          <a:xfrm>
+            <a:off x="0" y="0"/>
+            <a:ext cx="12192000" cy="2185573"/>
+          </a:xfrm>
+          <a:custGeom>
+            <a:avLst/>
+            <a:gdLst/>
+            <a:ahLst/>
+            <a:cxnLst>
+              <a:cxn ang="0">
+                <a:pos x="wd2" y="hd2"/>
+              </a:cxn>
+              <a:cxn ang="5400000">
+                <a:pos x="wd2" y="hd2"/>
+              </a:cxn>
+              <a:cxn ang="10800000">
+                <a:pos x="wd2" y="hd2"/>
+              </a:cxn>
+              <a:cxn ang="16200000">
+                <a:pos x="wd2" y="hd2"/>
+              </a:cxn>
+            </a:cxnLst>
+            <a:rect l="0" t="0" r="r" b="b"/>
+            <a:pathLst>
+              <a:path w="21600" h="20421" extrusionOk="0">
+                <a:moveTo>
+                  <a:pt x="21600" y="0"/>
+                </a:moveTo>
+                <a:lnTo>
+                  <a:pt x="0" y="0"/>
+                </a:lnTo>
+                <a:lnTo>
+                  <a:pt x="0" y="11114"/>
+                </a:lnTo>
+                <a:cubicBezTo>
+                  <a:pt x="379" y="13197"/>
+                  <a:pt x="905" y="14014"/>
+                  <a:pt x="1411" y="12976"/>
+                </a:cubicBezTo>
+                <a:cubicBezTo>
+                  <a:pt x="1411" y="12974"/>
+                  <a:pt x="1412" y="12972"/>
+                  <a:pt x="1412" y="12972"/>
+                </a:cubicBezTo>
+                <a:cubicBezTo>
+                  <a:pt x="1418" y="13122"/>
+                  <a:pt x="1425" y="13272"/>
+                  <a:pt x="1432" y="13422"/>
+                </a:cubicBezTo>
+                <a:cubicBezTo>
+                  <a:pt x="1678" y="18668"/>
+                  <a:pt x="2522" y="21600"/>
+                  <a:pt x="3316" y="19971"/>
+                </a:cubicBezTo>
+                <a:cubicBezTo>
+                  <a:pt x="3716" y="19151"/>
+                  <a:pt x="4027" y="17330"/>
+                  <a:pt x="4206" y="15056"/>
+                </a:cubicBezTo>
+                <a:cubicBezTo>
+                  <a:pt x="4683" y="18795"/>
+                  <a:pt x="5469" y="20494"/>
+                  <a:pt x="6221" y="18953"/>
+                </a:cubicBezTo>
+                <a:cubicBezTo>
+                  <a:pt x="6849" y="17664"/>
+                  <a:pt x="7303" y="14420"/>
+                  <a:pt x="7477" y="10549"/>
+                </a:cubicBezTo>
+                <a:cubicBezTo>
+                  <a:pt x="7711" y="11465"/>
+                  <a:pt x="8000" y="11757"/>
+                  <a:pt x="8279" y="11183"/>
+                </a:cubicBezTo>
+                <a:cubicBezTo>
+                  <a:pt x="8603" y="10519"/>
+                  <a:pt x="8838" y="8862"/>
+                  <a:pt x="8932" y="6875"/>
+                </a:cubicBezTo>
+                <a:cubicBezTo>
+                  <a:pt x="9136" y="7036"/>
+                  <a:pt x="9348" y="6925"/>
+                  <a:pt x="9556" y="6497"/>
+                </a:cubicBezTo>
+                <a:cubicBezTo>
+                  <a:pt x="9557" y="6496"/>
+                  <a:pt x="9558" y="6494"/>
+                  <a:pt x="9558" y="6494"/>
+                </a:cubicBezTo>
+                <a:cubicBezTo>
+                  <a:pt x="9564" y="6644"/>
+                  <a:pt x="9570" y="6794"/>
+                  <a:pt x="9578" y="6944"/>
+                </a:cubicBezTo>
+                <a:cubicBezTo>
+                  <a:pt x="9824" y="12190"/>
+                  <a:pt x="10668" y="15122"/>
+                  <a:pt x="11462" y="13493"/>
+                </a:cubicBezTo>
+                <a:cubicBezTo>
+                  <a:pt x="11862" y="12673"/>
+                  <a:pt x="12173" y="10852"/>
+                  <a:pt x="12351" y="8578"/>
+                </a:cubicBezTo>
+                <a:cubicBezTo>
+                  <a:pt x="12601" y="10533"/>
+                  <a:pt x="12935" y="11929"/>
+                  <a:pt x="13304" y="12596"/>
+                </a:cubicBezTo>
+                <a:cubicBezTo>
+                  <a:pt x="13299" y="12885"/>
+                  <a:pt x="13296" y="13180"/>
+                  <a:pt x="13296" y="13479"/>
+                </a:cubicBezTo>
+                <a:cubicBezTo>
+                  <a:pt x="13296" y="17311"/>
+                  <a:pt x="13766" y="20418"/>
+                  <a:pt x="14346" y="20418"/>
+                </a:cubicBezTo>
+                <a:cubicBezTo>
+                  <a:pt x="14690" y="20418"/>
+                  <a:pt x="14994" y="19323"/>
+                  <a:pt x="15186" y="17638"/>
+                </a:cubicBezTo>
+                <a:cubicBezTo>
+                  <a:pt x="15463" y="19357"/>
+                  <a:pt x="15836" y="20418"/>
+                  <a:pt x="16246" y="20418"/>
+                </a:cubicBezTo>
+                <a:cubicBezTo>
+                  <a:pt x="16588" y="20418"/>
+                  <a:pt x="16903" y="19682"/>
+                  <a:pt x="17159" y="18450"/>
+                </a:cubicBezTo>
+                <a:cubicBezTo>
+                  <a:pt x="17484" y="19699"/>
+                  <a:pt x="17863" y="20418"/>
+                  <a:pt x="18266" y="20418"/>
+                </a:cubicBezTo>
+                <a:cubicBezTo>
+                  <a:pt x="18788" y="20418"/>
+                  <a:pt x="19267" y="19220"/>
+                  <a:pt x="19645" y="17222"/>
+                </a:cubicBezTo>
+                <a:cubicBezTo>
+                  <a:pt x="19964" y="19198"/>
+                  <a:pt x="20393" y="20418"/>
+                  <a:pt x="20865" y="20418"/>
+                </a:cubicBezTo>
+                <a:cubicBezTo>
+                  <a:pt x="21127" y="20418"/>
+                  <a:pt x="21376" y="20043"/>
+                  <a:pt x="21600" y="19371"/>
+                </a:cubicBezTo>
+                <a:lnTo>
+                  <a:pt x="21600" y="0"/>
+                </a:lnTo>
+                <a:close/>
+              </a:path>
+            </a:pathLst>
+          </a:custGeom>
+          <a:solidFill>
+            <a:srgbClr val="E9EFF8"/>
+          </a:solidFill>
+          <a:ln w="12700">
+            <a:miter lim="400000"/>
+          </a:ln>
+        </p:spPr>
+        <p:txBody>
+          <a:bodyPr lIns="38100" tIns="38100" rIns="38100" bIns="38100" anchor="ctr"/>
+          <a:lstStyle/>
+          <a:p>
+            <a:pPr>
+              <a:defRPr sz="3000">
+                <a:solidFill>
+                  <a:srgbClr val="FFFFFF"/>
+                </a:solidFill>
+              </a:defRPr>
+            </a:pPr>
+            <a:endParaRPr/>
+          </a:p>
+        </p:txBody>
+      </p:sp>
+      <p:sp>
+        <p:nvSpPr>
+          <p:cNvPr id="2" name="Title 1">
+            <a:extLst>
+              <a:ext uri="{FF2B5EF4-FFF2-40B4-BE49-F238E27FC236}">
+                <a16:creationId xmlns:a16="http://schemas.microsoft.com/office/drawing/2014/main" xmlns="" id="{AC523816-F025-41D1-A143-DC280077D18D}"/>
+              </a:ext>
+            </a:extLst>
+          </p:cNvPr>
+          <p:cNvSpPr>
+            <a:spLocks noGrp="1"/>
+          </p:cNvSpPr>
+          <p:nvPr>
+            <p:ph type="title"/>
+          </p:nvPr>
+        </p:nvSpPr>
+        <p:spPr/>
+        <p:txBody>
+          <a:bodyPr/>
+          <a:lstStyle/>
+          <a:p>
+            <a:r>
+              <a:rPr lang="ko-KR" altLang="en-US" smtClean="0"/>
+              <a:t>목차</a:t>
+            </a:r>
+            <a:endParaRPr lang="en-US" dirty="0"/>
+          </a:p>
+        </p:txBody>
+      </p:sp>
+      <p:sp>
+        <p:nvSpPr>
+          <p:cNvPr id="4" name="Slide Number Placeholder 3">
+            <a:extLst>
+              <a:ext uri="{FF2B5EF4-FFF2-40B4-BE49-F238E27FC236}">
+                <a16:creationId xmlns:a16="http://schemas.microsoft.com/office/drawing/2014/main" xmlns="" id="{4C4435A3-58E5-41CD-BE69-EB2CA78B2C09}"/>
+              </a:ext>
+            </a:extLst>
+          </p:cNvPr>
+          <p:cNvSpPr>
+            <a:spLocks noGrp="1"/>
+          </p:cNvSpPr>
+          <p:nvPr>
+            <p:ph type="sldNum" sz="quarter" idx="12"/>
+          </p:nvPr>
+        </p:nvSpPr>
+        <p:spPr/>
+        <p:txBody>
+          <a:bodyPr/>
+          <a:lstStyle/>
+          <a:p>
+            <a:fld id="{F68327C5-B821-4FE9-A59A-A60D9EB59A9A}" type="slidenum">
+              <a:rPr lang="en-US" smtClean="0"/>
+              <a:pPr/>
+              <a:t>2</a:t>
+            </a:fld>
+            <a:endParaRPr lang="en-US" dirty="0"/>
+          </a:p>
+        </p:txBody>
+      </p:sp>
+      <p:sp>
+        <p:nvSpPr>
+          <p:cNvPr id="7" name="Shape">
+            <a:extLst>
+              <a:ext uri="{FF2B5EF4-FFF2-40B4-BE49-F238E27FC236}">
+                <a16:creationId xmlns:a16="http://schemas.microsoft.com/office/drawing/2014/main" xmlns="" id="{0C86614A-B915-4B9E-BEC6-AE0CB640778B}"/>
+              </a:ext>
+            </a:extLst>
+          </p:cNvPr>
+          <p:cNvSpPr/>
+          <p:nvPr/>
+        </p:nvSpPr>
+        <p:spPr>
+          <a:xfrm>
+            <a:off x="4104425" y="5605165"/>
+            <a:ext cx="1115675" cy="1115675"/>
+          </a:xfrm>
+          <a:custGeom>
+            <a:avLst/>
+            <a:gdLst/>
+            <a:ahLst/>
+            <a:cxnLst>
+              <a:cxn ang="0">
+                <a:pos x="wd2" y="hd2"/>
+              </a:cxn>
+              <a:cxn ang="5400000">
+                <a:pos x="wd2" y="hd2"/>
+              </a:cxn>
+              <a:cxn ang="10800000">
+                <a:pos x="wd2" y="hd2"/>
+              </a:cxn>
+              <a:cxn ang="16200000">
+                <a:pos x="wd2" y="hd2"/>
+              </a:cxn>
+            </a:cxnLst>
+            <a:rect l="0" t="0" r="r" b="b"/>
+            <a:pathLst>
+              <a:path w="21600" h="21600" extrusionOk="0">
+                <a:moveTo>
+                  <a:pt x="10800" y="21600"/>
+                </a:moveTo>
+                <a:cubicBezTo>
+                  <a:pt x="4846" y="21600"/>
+                  <a:pt x="0" y="16754"/>
+                  <a:pt x="0" y="10800"/>
+                </a:cubicBezTo>
+                <a:cubicBezTo>
+                  <a:pt x="0" y="4846"/>
+                  <a:pt x="4846" y="0"/>
+                  <a:pt x="10800" y="0"/>
+                </a:cubicBezTo>
+                <a:cubicBezTo>
+                  <a:pt x="16754" y="0"/>
+                  <a:pt x="21600" y="4846"/>
+                  <a:pt x="21600" y="10800"/>
+                </a:cubicBezTo>
+                <a:cubicBezTo>
+                  <a:pt x="21600" y="16754"/>
+                  <a:pt x="16757" y="21600"/>
+                  <a:pt x="10800" y="21600"/>
+                </a:cubicBezTo>
+                <a:close/>
+                <a:moveTo>
+                  <a:pt x="10800" y="929"/>
+                </a:moveTo>
+                <a:cubicBezTo>
+                  <a:pt x="5355" y="929"/>
+                  <a:pt x="926" y="5358"/>
+                  <a:pt x="926" y="10803"/>
+                </a:cubicBezTo>
+                <a:cubicBezTo>
+                  <a:pt x="926" y="16248"/>
+                  <a:pt x="5355" y="20677"/>
+                  <a:pt x="10800" y="20677"/>
+                </a:cubicBezTo>
+                <a:cubicBezTo>
+                  <a:pt x="16245" y="20677"/>
+                  <a:pt x="20674" y="16248"/>
+                  <a:pt x="20674" y="10803"/>
+                </a:cubicBezTo>
+                <a:cubicBezTo>
+                  <a:pt x="20674" y="5358"/>
+                  <a:pt x="16245" y="929"/>
+                  <a:pt x="10800" y="929"/>
+                </a:cubicBezTo>
+                <a:close/>
+              </a:path>
+            </a:pathLst>
+          </a:custGeom>
+          <a:solidFill>
+            <a:srgbClr val="FFFFFF"/>
+          </a:solidFill>
+          <a:ln w="12700">
+            <a:miter lim="400000"/>
+          </a:ln>
+        </p:spPr>
+        <p:txBody>
+          <a:bodyPr lIns="38100" tIns="38100" rIns="38100" bIns="38100" anchor="ctr"/>
+          <a:lstStyle/>
+          <a:p>
+            <a:pPr>
+              <a:defRPr sz="3000">
+                <a:solidFill>
+                  <a:srgbClr val="FFFFFF"/>
+                </a:solidFill>
+              </a:defRPr>
+            </a:pPr>
+            <a:endParaRPr/>
+          </a:p>
+        </p:txBody>
+      </p:sp>
+      <p:sp>
+        <p:nvSpPr>
+          <p:cNvPr id="9" name="Shape">
+            <a:extLst>
+              <a:ext uri="{FF2B5EF4-FFF2-40B4-BE49-F238E27FC236}">
+                <a16:creationId xmlns:a16="http://schemas.microsoft.com/office/drawing/2014/main" xmlns="" id="{5788A58C-8CBE-49BB-BAC0-41E5E38983D8}"/>
+              </a:ext>
+            </a:extLst>
+          </p:cNvPr>
+          <p:cNvSpPr/>
+          <p:nvPr/>
+        </p:nvSpPr>
+        <p:spPr>
+          <a:xfrm>
+            <a:off x="2223182" y="5605165"/>
+            <a:ext cx="1115675" cy="1115675"/>
+          </a:xfrm>
+          <a:custGeom>
+            <a:avLst/>
+            <a:gdLst/>
+            <a:ahLst/>
+            <a:cxnLst>
+              <a:cxn ang="0">
+                <a:pos x="wd2" y="hd2"/>
+              </a:cxn>
+              <a:cxn ang="5400000">
+                <a:pos x="wd2" y="hd2"/>
+              </a:cxn>
+              <a:cxn ang="10800000">
+                <a:pos x="wd2" y="hd2"/>
+              </a:cxn>
+              <a:cxn ang="16200000">
+                <a:pos x="wd2" y="hd2"/>
+              </a:cxn>
+            </a:cxnLst>
+            <a:rect l="0" t="0" r="r" b="b"/>
+            <a:pathLst>
+              <a:path w="21600" h="21600" extrusionOk="0">
+                <a:moveTo>
+                  <a:pt x="10800" y="21600"/>
+                </a:moveTo>
+                <a:cubicBezTo>
+                  <a:pt x="4846" y="21600"/>
+                  <a:pt x="0" y="16754"/>
+                  <a:pt x="0" y="10800"/>
+                </a:cubicBezTo>
+                <a:cubicBezTo>
+                  <a:pt x="0" y="4846"/>
+                  <a:pt x="4846" y="0"/>
+                  <a:pt x="10800" y="0"/>
+                </a:cubicBezTo>
+                <a:cubicBezTo>
+                  <a:pt x="16754" y="0"/>
+                  <a:pt x="21600" y="4846"/>
+                  <a:pt x="21600" y="10800"/>
+                </a:cubicBezTo>
+                <a:cubicBezTo>
+                  <a:pt x="21600" y="16754"/>
+                  <a:pt x="16757" y="21600"/>
+                  <a:pt x="10800" y="21600"/>
+                </a:cubicBezTo>
+                <a:close/>
+                <a:moveTo>
+                  <a:pt x="10800" y="929"/>
+                </a:moveTo>
+                <a:cubicBezTo>
+                  <a:pt x="5355" y="929"/>
+                  <a:pt x="926" y="5358"/>
+                  <a:pt x="926" y="10803"/>
+                </a:cubicBezTo>
+                <a:cubicBezTo>
+                  <a:pt x="926" y="16248"/>
+                  <a:pt x="5355" y="20677"/>
+                  <a:pt x="10800" y="20677"/>
+                </a:cubicBezTo>
+                <a:cubicBezTo>
+                  <a:pt x="16245" y="20677"/>
+                  <a:pt x="20674" y="16248"/>
+                  <a:pt x="20674" y="10803"/>
+                </a:cubicBezTo>
+                <a:cubicBezTo>
+                  <a:pt x="20674" y="5358"/>
+                  <a:pt x="16245" y="929"/>
+                  <a:pt x="10800" y="929"/>
+                </a:cubicBezTo>
+                <a:close/>
+              </a:path>
+            </a:pathLst>
+          </a:custGeom>
+          <a:solidFill>
+            <a:srgbClr val="FFFFFF"/>
+          </a:solidFill>
+          <a:ln w="12700">
+            <a:miter lim="400000"/>
+          </a:ln>
+        </p:spPr>
+        <p:txBody>
+          <a:bodyPr lIns="38100" tIns="38100" rIns="38100" bIns="38100" anchor="ctr"/>
+          <a:lstStyle/>
+          <a:p>
+            <a:pPr>
+              <a:defRPr sz="3000">
+                <a:solidFill>
+                  <a:srgbClr val="FFFFFF"/>
+                </a:solidFill>
+              </a:defRPr>
+            </a:pPr>
+            <a:endParaRPr/>
+          </a:p>
+        </p:txBody>
+      </p:sp>
+      <p:sp>
+        <p:nvSpPr>
+          <p:cNvPr id="11" name="Shape">
+            <a:extLst>
+              <a:ext uri="{FF2B5EF4-FFF2-40B4-BE49-F238E27FC236}">
+                <a16:creationId xmlns:a16="http://schemas.microsoft.com/office/drawing/2014/main" xmlns="" id="{4E3CD0A2-F6E9-4A17-A361-3AA7994A76D3}"/>
+              </a:ext>
+            </a:extLst>
+          </p:cNvPr>
+          <p:cNvSpPr/>
+          <p:nvPr/>
+        </p:nvSpPr>
+        <p:spPr>
+          <a:xfrm>
+            <a:off x="5921898" y="5142825"/>
+            <a:ext cx="1115675" cy="1115675"/>
+          </a:xfrm>
+          <a:custGeom>
+            <a:avLst/>
+            <a:gdLst/>
+            <a:ahLst/>
+            <a:cxnLst>
+              <a:cxn ang="0">
+                <a:pos x="wd2" y="hd2"/>
+              </a:cxn>
+              <a:cxn ang="5400000">
+                <a:pos x="wd2" y="hd2"/>
+              </a:cxn>
+              <a:cxn ang="10800000">
+                <a:pos x="wd2" y="hd2"/>
+              </a:cxn>
+              <a:cxn ang="16200000">
+                <a:pos x="wd2" y="hd2"/>
+              </a:cxn>
+            </a:cxnLst>
+            <a:rect l="0" t="0" r="r" b="b"/>
+            <a:pathLst>
+              <a:path w="21600" h="21600" extrusionOk="0">
+                <a:moveTo>
+                  <a:pt x="10800" y="21600"/>
+                </a:moveTo>
+                <a:cubicBezTo>
+                  <a:pt x="4846" y="21600"/>
+                  <a:pt x="0" y="16754"/>
+                  <a:pt x="0" y="10800"/>
+                </a:cubicBezTo>
+                <a:cubicBezTo>
+                  <a:pt x="0" y="4846"/>
+                  <a:pt x="4846" y="0"/>
+                  <a:pt x="10800" y="0"/>
+                </a:cubicBezTo>
+                <a:cubicBezTo>
+                  <a:pt x="16754" y="0"/>
+                  <a:pt x="21600" y="4846"/>
+                  <a:pt x="21600" y="10800"/>
+                </a:cubicBezTo>
+                <a:cubicBezTo>
+                  <a:pt x="21600" y="16754"/>
+                  <a:pt x="16754" y="21600"/>
+                  <a:pt x="10800" y="21600"/>
+                </a:cubicBezTo>
+                <a:close/>
+                <a:moveTo>
+                  <a:pt x="10800" y="926"/>
+                </a:moveTo>
+                <a:cubicBezTo>
+                  <a:pt x="5355" y="926"/>
+                  <a:pt x="926" y="5355"/>
+                  <a:pt x="926" y="10800"/>
+                </a:cubicBezTo>
+                <a:cubicBezTo>
+                  <a:pt x="926" y="16245"/>
+                  <a:pt x="5355" y="20674"/>
+                  <a:pt x="10800" y="20674"/>
+                </a:cubicBezTo>
+                <a:cubicBezTo>
+                  <a:pt x="16245" y="20674"/>
+                  <a:pt x="20674" y="16245"/>
+                  <a:pt x="20674" y="10800"/>
+                </a:cubicBezTo>
+                <a:cubicBezTo>
+                  <a:pt x="20674" y="5355"/>
+                  <a:pt x="16245" y="926"/>
+                  <a:pt x="10800" y="926"/>
+                </a:cubicBezTo>
+                <a:close/>
+              </a:path>
+            </a:pathLst>
+          </a:custGeom>
+          <a:solidFill>
+            <a:srgbClr val="FFFFFF"/>
+          </a:solidFill>
+          <a:ln w="12700">
+            <a:miter lim="400000"/>
+          </a:ln>
+        </p:spPr>
+        <p:txBody>
+          <a:bodyPr lIns="38100" tIns="38100" rIns="38100" bIns="38100" anchor="ctr"/>
+          <a:lstStyle/>
+          <a:p>
+            <a:pPr>
+              <a:defRPr sz="3000">
+                <a:solidFill>
+                  <a:srgbClr val="FFFFFF"/>
+                </a:solidFill>
+              </a:defRPr>
+            </a:pPr>
+            <a:endParaRPr/>
+          </a:p>
+        </p:txBody>
+      </p:sp>
+      <p:sp>
+        <p:nvSpPr>
+          <p:cNvPr id="13" name="Shape">
+            <a:extLst>
+              <a:ext uri="{FF2B5EF4-FFF2-40B4-BE49-F238E27FC236}">
+                <a16:creationId xmlns:a16="http://schemas.microsoft.com/office/drawing/2014/main" xmlns="" id="{BFF12144-6EAF-4FB9-B9E4-653DE51CFA3F}"/>
+              </a:ext>
+            </a:extLst>
+          </p:cNvPr>
+          <p:cNvSpPr/>
+          <p:nvPr/>
+        </p:nvSpPr>
+        <p:spPr>
+          <a:xfrm>
+            <a:off x="8664051" y="2942726"/>
+            <a:ext cx="1115675" cy="1115675"/>
+          </a:xfrm>
+          <a:custGeom>
+            <a:avLst/>
+            <a:gdLst/>
+            <a:ahLst/>
+            <a:cxnLst>
+              <a:cxn ang="0">
+                <a:pos x="wd2" y="hd2"/>
+              </a:cxn>
+              <a:cxn ang="5400000">
+                <a:pos x="wd2" y="hd2"/>
+              </a:cxn>
+              <a:cxn ang="10800000">
+                <a:pos x="wd2" y="hd2"/>
+              </a:cxn>
+              <a:cxn ang="16200000">
+                <a:pos x="wd2" y="hd2"/>
+              </a:cxn>
+            </a:cxnLst>
+            <a:rect l="0" t="0" r="r" b="b"/>
+            <a:pathLst>
+              <a:path w="21600" h="21600" extrusionOk="0">
+                <a:moveTo>
+                  <a:pt x="10800" y="21600"/>
+                </a:moveTo>
+                <a:cubicBezTo>
+                  <a:pt x="4846" y="21600"/>
+                  <a:pt x="0" y="16754"/>
+                  <a:pt x="0" y="10800"/>
+                </a:cubicBezTo>
+                <a:cubicBezTo>
+                  <a:pt x="0" y="4846"/>
+                  <a:pt x="4846" y="0"/>
+                  <a:pt x="10800" y="0"/>
+                </a:cubicBezTo>
+                <a:cubicBezTo>
+                  <a:pt x="16754" y="0"/>
+                  <a:pt x="21600" y="4846"/>
+                  <a:pt x="21600" y="10800"/>
+                </a:cubicBezTo>
+                <a:cubicBezTo>
+                  <a:pt x="21600" y="16754"/>
+                  <a:pt x="16754" y="21600"/>
+                  <a:pt x="10800" y="21600"/>
+                </a:cubicBezTo>
+                <a:close/>
+                <a:moveTo>
+                  <a:pt x="10800" y="926"/>
+                </a:moveTo>
+                <a:cubicBezTo>
+                  <a:pt x="5355" y="926"/>
+                  <a:pt x="926" y="5355"/>
+                  <a:pt x="926" y="10800"/>
+                </a:cubicBezTo>
+                <a:cubicBezTo>
+                  <a:pt x="926" y="16245"/>
+                  <a:pt x="5355" y="20674"/>
+                  <a:pt x="10800" y="20674"/>
+                </a:cubicBezTo>
+                <a:cubicBezTo>
+                  <a:pt x="16245" y="20674"/>
+                  <a:pt x="20674" y="16245"/>
+                  <a:pt x="20674" y="10800"/>
+                </a:cubicBezTo>
+                <a:cubicBezTo>
+                  <a:pt x="20674" y="5355"/>
+                  <a:pt x="16245" y="926"/>
+                  <a:pt x="10800" y="926"/>
+                </a:cubicBezTo>
+                <a:close/>
+              </a:path>
+            </a:pathLst>
+          </a:custGeom>
+          <a:solidFill>
+            <a:srgbClr val="FFFFFF"/>
+          </a:solidFill>
+          <a:ln w="12700">
+            <a:miter lim="400000"/>
+          </a:ln>
+        </p:spPr>
+        <p:txBody>
+          <a:bodyPr lIns="38100" tIns="38100" rIns="38100" bIns="38100" anchor="ctr"/>
+          <a:lstStyle/>
+          <a:p>
+            <a:pPr>
+              <a:defRPr sz="3000">
+                <a:solidFill>
+                  <a:srgbClr val="FFFFFF"/>
+                </a:solidFill>
+              </a:defRPr>
+            </a:pPr>
+            <a:endParaRPr/>
+          </a:p>
+        </p:txBody>
+      </p:sp>
+      <p:pic>
+        <p:nvPicPr>
+          <p:cNvPr id="15" name="Graphic 14" descr="Crawl">
+            <a:extLst>
+              <a:ext uri="{FF2B5EF4-FFF2-40B4-BE49-F238E27FC236}">
+                <a16:creationId xmlns:a16="http://schemas.microsoft.com/office/drawing/2014/main" xmlns="" id="{5238E483-5570-4774-B9E2-97EAF1234A9E}"/>
+              </a:ext>
+            </a:extLst>
+          </p:cNvPr>
+          <p:cNvPicPr>
+            <a:picLocks noChangeAspect="1"/>
+          </p:cNvPicPr>
+          <p:nvPr/>
+        </p:nvPicPr>
+        <p:blipFill>
+          <a:blip r:embed="rId4" cstate="print">
+            <a:extLst>
+              <a:ext uri="{28A0092B-C50C-407E-A947-70E740481C1C}">
+                <a14:useLocalDpi xmlns:a14="http://schemas.microsoft.com/office/drawing/2010/main" val="0"/>
+              </a:ext>
+              <a:ext uri="{96DAC541-7B7A-43D3-8B79-37D633B846F1}">
+                <asvg:svgBlip xmlns:asvg="http://schemas.microsoft.com/office/drawing/2016/SVG/main" xmlns="" r:embed="rId5"/>
+              </a:ext>
+            </a:extLst>
+          </a:blip>
+          <a:stretch>
+            <a:fillRect/>
+          </a:stretch>
+        </p:blipFill>
+        <p:spPr>
+          <a:xfrm>
+            <a:off x="4246971" y="1091802"/>
+            <a:ext cx="733912" cy="733912"/>
+          </a:xfrm>
+          <a:prstGeom prst="rect">
+            <a:avLst/>
+          </a:prstGeom>
+        </p:spPr>
+      </p:pic>
+      <p:pic>
+        <p:nvPicPr>
+          <p:cNvPr id="17" name="Graphic 16" descr="Walk">
+            <a:extLst>
+              <a:ext uri="{FF2B5EF4-FFF2-40B4-BE49-F238E27FC236}">
+                <a16:creationId xmlns:a16="http://schemas.microsoft.com/office/drawing/2014/main" xmlns="" id="{B7AA8476-258E-4643-8CF2-5C785445315E}"/>
+              </a:ext>
+            </a:extLst>
+          </p:cNvPr>
+          <p:cNvPicPr>
+            <a:picLocks noChangeAspect="1"/>
+          </p:cNvPicPr>
+          <p:nvPr/>
+        </p:nvPicPr>
+        <p:blipFill>
+          <a:blip r:embed="rId6" cstate="print">
+            <a:extLst>
+              <a:ext uri="{28A0092B-C50C-407E-A947-70E740481C1C}">
+                <a14:useLocalDpi xmlns:a14="http://schemas.microsoft.com/office/drawing/2010/main" val="0"/>
+              </a:ext>
+              <a:ext uri="{96DAC541-7B7A-43D3-8B79-37D633B846F1}">
+                <asvg:svgBlip xmlns:asvg="http://schemas.microsoft.com/office/drawing/2016/SVG/main" xmlns="" r:embed="rId7"/>
+              </a:ext>
+            </a:extLst>
+          </a:blip>
+          <a:stretch>
+            <a:fillRect/>
+          </a:stretch>
+        </p:blipFill>
+        <p:spPr>
+          <a:xfrm>
+            <a:off x="5155846" y="2003936"/>
+            <a:ext cx="733912" cy="733912"/>
+          </a:xfrm>
+          <a:prstGeom prst="rect">
+            <a:avLst/>
+          </a:prstGeom>
+        </p:spPr>
+      </p:pic>
+      <p:pic>
+        <p:nvPicPr>
+          <p:cNvPr id="19" name="Graphic 18" descr="Run">
+            <a:extLst>
+              <a:ext uri="{FF2B5EF4-FFF2-40B4-BE49-F238E27FC236}">
+                <a16:creationId xmlns:a16="http://schemas.microsoft.com/office/drawing/2014/main" xmlns="" id="{BE648B54-971A-461E-810B-AE08F8505377}"/>
+              </a:ext>
+            </a:extLst>
+          </p:cNvPr>
+          <p:cNvPicPr>
+            <a:picLocks noChangeAspect="1"/>
+          </p:cNvPicPr>
+          <p:nvPr/>
+        </p:nvPicPr>
+        <p:blipFill>
+          <a:blip r:embed="rId8" cstate="print">
+            <a:extLst>
+              <a:ext uri="{28A0092B-C50C-407E-A947-70E740481C1C}">
+                <a14:useLocalDpi xmlns:a14="http://schemas.microsoft.com/office/drawing/2010/main" val="0"/>
+              </a:ext>
+              <a:ext uri="{96DAC541-7B7A-43D3-8B79-37D633B846F1}">
+                <asvg:svgBlip xmlns:asvg="http://schemas.microsoft.com/office/drawing/2016/SVG/main" xmlns="" r:embed="rId9"/>
+              </a:ext>
+            </a:extLst>
+          </a:blip>
+          <a:stretch>
+            <a:fillRect/>
+          </a:stretch>
+        </p:blipFill>
+        <p:spPr>
+          <a:xfrm>
+            <a:off x="6312597" y="3720852"/>
+            <a:ext cx="733912" cy="733912"/>
+          </a:xfrm>
+          <a:prstGeom prst="rect">
+            <a:avLst/>
+          </a:prstGeom>
+        </p:spPr>
+      </p:pic>
+      <p:sp>
+        <p:nvSpPr>
+          <p:cNvPr id="71" name="TextBox 70">
+            <a:extLst>
+              <a:ext uri="{FF2B5EF4-FFF2-40B4-BE49-F238E27FC236}">
+                <a16:creationId xmlns:a16="http://schemas.microsoft.com/office/drawing/2014/main" xmlns="" id="{DB391A6A-ED68-4869-9463-BFF0A089F51D}"/>
+              </a:ext>
+            </a:extLst>
+          </p:cNvPr>
+          <p:cNvSpPr txBox="1"/>
+          <p:nvPr/>
+        </p:nvSpPr>
+        <p:spPr>
+          <a:xfrm>
+            <a:off x="1497653" y="1084294"/>
+            <a:ext cx="6966459" cy="3416320"/>
+          </a:xfrm>
+          <a:prstGeom prst="rect">
+            <a:avLst/>
+          </a:prstGeom>
+          <a:noFill/>
+        </p:spPr>
+        <p:txBody>
+          <a:bodyPr wrap="none" rtlCol="0" anchor="b">
+            <a:spAutoFit/>
+          </a:bodyPr>
+          <a:lstStyle/>
+          <a:p>
+            <a:pPr marL="742950" indent="-742950">
+              <a:lnSpc>
+                <a:spcPct val="150000"/>
+              </a:lnSpc>
+              <a:buAutoNum type="arabicPeriod"/>
+            </a:pPr>
+            <a:r>
+              <a:rPr lang="ko-KR" altLang="en-US" sz="3600" b="1" noProof="1" smtClean="0">
+                <a:solidFill>
+                  <a:schemeClr val="accent2"/>
+                </a:solidFill>
+              </a:rPr>
+              <a:t>소개</a:t>
+            </a:r>
+            <a:endParaRPr lang="en-US" altLang="ko-KR" sz="3600" b="1" noProof="1" smtClean="0">
+              <a:solidFill>
+                <a:schemeClr val="accent2"/>
+              </a:solidFill>
+            </a:endParaRPr>
+          </a:p>
+          <a:p>
+            <a:pPr marL="742950" indent="-742950">
+              <a:lnSpc>
+                <a:spcPct val="150000"/>
+              </a:lnSpc>
+              <a:buAutoNum type="arabicPeriod"/>
+            </a:pPr>
+            <a:r>
+              <a:rPr lang="ko-KR" altLang="en-US" sz="3600" b="1" noProof="1" smtClean="0">
+                <a:solidFill>
+                  <a:schemeClr val="accent2"/>
+                </a:solidFill>
+              </a:rPr>
+              <a:t>개발환경</a:t>
+            </a:r>
+            <a:endParaRPr lang="en-US" altLang="ko-KR" sz="3600" b="1" noProof="1" smtClean="0">
+              <a:solidFill>
+                <a:schemeClr val="accent2"/>
+              </a:solidFill>
+            </a:endParaRPr>
+          </a:p>
+          <a:p>
+            <a:pPr marL="742950" indent="-742950">
+              <a:lnSpc>
+                <a:spcPct val="150000"/>
+              </a:lnSpc>
+              <a:buAutoNum type="arabicPeriod"/>
+            </a:pPr>
+            <a:r>
+              <a:rPr lang="ko-KR" altLang="en-US" sz="3600" b="1" noProof="1" smtClean="0">
+                <a:solidFill>
+                  <a:schemeClr val="accent2"/>
+                </a:solidFill>
+              </a:rPr>
+              <a:t>프로그램 설계</a:t>
+            </a:r>
+            <a:r>
+              <a:rPr lang="en-US" altLang="ko-KR" sz="3600" b="1" noProof="1" smtClean="0">
+                <a:solidFill>
+                  <a:schemeClr val="accent2"/>
+                </a:solidFill>
+              </a:rPr>
+              <a:t>(DB,</a:t>
+            </a:r>
+            <a:r>
+              <a:rPr lang="ko-KR" altLang="en-US" sz="3600" b="1" noProof="1" smtClean="0">
+                <a:solidFill>
+                  <a:schemeClr val="accent2"/>
+                </a:solidFill>
+              </a:rPr>
+              <a:t>클래스</a:t>
+            </a:r>
+            <a:r>
+              <a:rPr lang="en-US" altLang="ko-KR" sz="3600" b="1" noProof="1" smtClean="0">
+                <a:solidFill>
+                  <a:schemeClr val="accent2"/>
+                </a:solidFill>
+              </a:rPr>
+              <a:t>,AID)</a:t>
+            </a:r>
+          </a:p>
+          <a:p>
+            <a:pPr marL="742950" indent="-742950">
+              <a:lnSpc>
+                <a:spcPct val="150000"/>
+              </a:lnSpc>
+              <a:buAutoNum type="arabicPeriod"/>
+            </a:pPr>
+            <a:r>
+              <a:rPr lang="ko-KR" altLang="en-US" sz="3600" b="1" noProof="1" smtClean="0">
+                <a:solidFill>
+                  <a:schemeClr val="accent2"/>
+                </a:solidFill>
+              </a:rPr>
+              <a:t>주요 기능 소개</a:t>
+            </a:r>
+            <a:endParaRPr lang="en-US" altLang="ko-KR" sz="3600" b="1" noProof="1" smtClean="0">
+              <a:solidFill>
+                <a:schemeClr val="accent2"/>
+              </a:solidFill>
+            </a:endParaRPr>
+          </a:p>
+        </p:txBody>
+      </p:sp>
+    </p:spTree>
+    <p:extLst>
+      <p:ext uri="{BB962C8B-B14F-4D97-AF65-F5344CB8AC3E}">
+        <p14:creationId xmlns:p14="http://schemas.microsoft.com/office/powerpoint/2010/main" val="1005064279"/>
+      </p:ext>
+    </p:extLst>
+  </p:cSld>
+  <p:clrMapOvr>
+    <a:masterClrMapping/>
+  </p:clrMapOvr>
+  <mc:AlternateContent xmlns:mc="http://schemas.openxmlformats.org/markup-compatibility/2006" xmlns:p14="http://schemas.microsoft.com/office/powerpoint/2010/main">
+    <mc:Choice Requires="p14">
+      <p:transition spd="slow" p14:dur="2000">
+        <p:sndAc>
+          <p:stSnd>
+            <p:snd r:embed="rId3" name="click.wav"/>
+          </p:stSnd>
+        </p:sndAc>
+      </p:transition>
+    </mc:Choice>
+    <mc:Fallback xmlns="">
+      <p:transition spd="slow">
+        <p:sndAc>
+          <p:stSnd>
+            <p:snd r:embed="rId12" name="click.wav"/>
+          </p:stSnd>
+        </p:sndAc>
+      </p:transition>
+    </mc:Fallback>
+  </mc:AlternateContent>
+  <p:timing>
+    <p:tnLst>
+      <p:par>
+        <p:cTn id="1" dur="indefinite" restart="never" nodeType="tmRoot"/>
+      </p:par>
+    </p:tnLst>
+  </p:timing>
+</p:sld>
+</file>
+
+<file path=ppt/slides/slide20.xml><?xml version="1.0" encoding="utf-8"?>
 <p:sld xmlns:a="http://schemas.openxmlformats.org/drawingml/2006/main" xmlns:r="http://schemas.openxmlformats.org/officeDocument/2006/relationships" xmlns:p="http://schemas.openxmlformats.org/presentationml/2006/main">
   <p:cSld>
     <p:spTree>
@@ -11003,1011 +12288,6 @@
 </p:sld>
 </file>
 
-<file path=ppt/slides/slide2.xml><?xml version="1.0" encoding="utf-8"?>
-<p:sld xmlns:a="http://schemas.openxmlformats.org/drawingml/2006/main" xmlns:r="http://schemas.openxmlformats.org/officeDocument/2006/relationships" xmlns:p="http://schemas.openxmlformats.org/presentationml/2006/main">
-  <p:cSld>
-    <p:spTree>
-      <p:nvGrpSpPr>
-        <p:cNvPr id="1" name=""/>
-        <p:cNvGrpSpPr/>
-        <p:nvPr/>
-      </p:nvGrpSpPr>
-      <p:grpSpPr>
-        <a:xfrm>
-          <a:off x="0" y="0"/>
-          <a:ext cx="0" cy="0"/>
-          <a:chOff x="0" y="0"/>
-          <a:chExt cx="0" cy="0"/>
-        </a:xfrm>
-      </p:grpSpPr>
-      <p:sp>
-        <p:nvSpPr>
-          <p:cNvPr id="76" name="Shape">
-            <a:extLst>
-              <a:ext uri="{FF2B5EF4-FFF2-40B4-BE49-F238E27FC236}">
-                <a16:creationId xmlns:a16="http://schemas.microsoft.com/office/drawing/2014/main" xmlns="" id="{E28A227A-DFA3-0649-A4A0-558F7171B0EA}"/>
-              </a:ext>
-            </a:extLst>
-          </p:cNvPr>
-          <p:cNvSpPr/>
-          <p:nvPr/>
-        </p:nvSpPr>
-        <p:spPr>
-          <a:xfrm>
-            <a:off x="0" y="0"/>
-            <a:ext cx="12192000" cy="2185573"/>
-          </a:xfrm>
-          <a:custGeom>
-            <a:avLst/>
-            <a:gdLst/>
-            <a:ahLst/>
-            <a:cxnLst>
-              <a:cxn ang="0">
-                <a:pos x="wd2" y="hd2"/>
-              </a:cxn>
-              <a:cxn ang="5400000">
-                <a:pos x="wd2" y="hd2"/>
-              </a:cxn>
-              <a:cxn ang="10800000">
-                <a:pos x="wd2" y="hd2"/>
-              </a:cxn>
-              <a:cxn ang="16200000">
-                <a:pos x="wd2" y="hd2"/>
-              </a:cxn>
-            </a:cxnLst>
-            <a:rect l="0" t="0" r="r" b="b"/>
-            <a:pathLst>
-              <a:path w="21600" h="20421" extrusionOk="0">
-                <a:moveTo>
-                  <a:pt x="21600" y="0"/>
-                </a:moveTo>
-                <a:lnTo>
-                  <a:pt x="0" y="0"/>
-                </a:lnTo>
-                <a:lnTo>
-                  <a:pt x="0" y="11114"/>
-                </a:lnTo>
-                <a:cubicBezTo>
-                  <a:pt x="379" y="13197"/>
-                  <a:pt x="905" y="14014"/>
-                  <a:pt x="1411" y="12976"/>
-                </a:cubicBezTo>
-                <a:cubicBezTo>
-                  <a:pt x="1411" y="12974"/>
-                  <a:pt x="1412" y="12972"/>
-                  <a:pt x="1412" y="12972"/>
-                </a:cubicBezTo>
-                <a:cubicBezTo>
-                  <a:pt x="1418" y="13122"/>
-                  <a:pt x="1425" y="13272"/>
-                  <a:pt x="1432" y="13422"/>
-                </a:cubicBezTo>
-                <a:cubicBezTo>
-                  <a:pt x="1678" y="18668"/>
-                  <a:pt x="2522" y="21600"/>
-                  <a:pt x="3316" y="19971"/>
-                </a:cubicBezTo>
-                <a:cubicBezTo>
-                  <a:pt x="3716" y="19151"/>
-                  <a:pt x="4027" y="17330"/>
-                  <a:pt x="4206" y="15056"/>
-                </a:cubicBezTo>
-                <a:cubicBezTo>
-                  <a:pt x="4683" y="18795"/>
-                  <a:pt x="5469" y="20494"/>
-                  <a:pt x="6221" y="18953"/>
-                </a:cubicBezTo>
-                <a:cubicBezTo>
-                  <a:pt x="6849" y="17664"/>
-                  <a:pt x="7303" y="14420"/>
-                  <a:pt x="7477" y="10549"/>
-                </a:cubicBezTo>
-                <a:cubicBezTo>
-                  <a:pt x="7711" y="11465"/>
-                  <a:pt x="8000" y="11757"/>
-                  <a:pt x="8279" y="11183"/>
-                </a:cubicBezTo>
-                <a:cubicBezTo>
-                  <a:pt x="8603" y="10519"/>
-                  <a:pt x="8838" y="8862"/>
-                  <a:pt x="8932" y="6875"/>
-                </a:cubicBezTo>
-                <a:cubicBezTo>
-                  <a:pt x="9136" y="7036"/>
-                  <a:pt x="9348" y="6925"/>
-                  <a:pt x="9556" y="6497"/>
-                </a:cubicBezTo>
-                <a:cubicBezTo>
-                  <a:pt x="9557" y="6496"/>
-                  <a:pt x="9558" y="6494"/>
-                  <a:pt x="9558" y="6494"/>
-                </a:cubicBezTo>
-                <a:cubicBezTo>
-                  <a:pt x="9564" y="6644"/>
-                  <a:pt x="9570" y="6794"/>
-                  <a:pt x="9578" y="6944"/>
-                </a:cubicBezTo>
-                <a:cubicBezTo>
-                  <a:pt x="9824" y="12190"/>
-                  <a:pt x="10668" y="15122"/>
-                  <a:pt x="11462" y="13493"/>
-                </a:cubicBezTo>
-                <a:cubicBezTo>
-                  <a:pt x="11862" y="12673"/>
-                  <a:pt x="12173" y="10852"/>
-                  <a:pt x="12351" y="8578"/>
-                </a:cubicBezTo>
-                <a:cubicBezTo>
-                  <a:pt x="12601" y="10533"/>
-                  <a:pt x="12935" y="11929"/>
-                  <a:pt x="13304" y="12596"/>
-                </a:cubicBezTo>
-                <a:cubicBezTo>
-                  <a:pt x="13299" y="12885"/>
-                  <a:pt x="13296" y="13180"/>
-                  <a:pt x="13296" y="13479"/>
-                </a:cubicBezTo>
-                <a:cubicBezTo>
-                  <a:pt x="13296" y="17311"/>
-                  <a:pt x="13766" y="20418"/>
-                  <a:pt x="14346" y="20418"/>
-                </a:cubicBezTo>
-                <a:cubicBezTo>
-                  <a:pt x="14690" y="20418"/>
-                  <a:pt x="14994" y="19323"/>
-                  <a:pt x="15186" y="17638"/>
-                </a:cubicBezTo>
-                <a:cubicBezTo>
-                  <a:pt x="15463" y="19357"/>
-                  <a:pt x="15836" y="20418"/>
-                  <a:pt x="16246" y="20418"/>
-                </a:cubicBezTo>
-                <a:cubicBezTo>
-                  <a:pt x="16588" y="20418"/>
-                  <a:pt x="16903" y="19682"/>
-                  <a:pt x="17159" y="18450"/>
-                </a:cubicBezTo>
-                <a:cubicBezTo>
-                  <a:pt x="17484" y="19699"/>
-                  <a:pt x="17863" y="20418"/>
-                  <a:pt x="18266" y="20418"/>
-                </a:cubicBezTo>
-                <a:cubicBezTo>
-                  <a:pt x="18788" y="20418"/>
-                  <a:pt x="19267" y="19220"/>
-                  <a:pt x="19645" y="17222"/>
-                </a:cubicBezTo>
-                <a:cubicBezTo>
-                  <a:pt x="19964" y="19198"/>
-                  <a:pt x="20393" y="20418"/>
-                  <a:pt x="20865" y="20418"/>
-                </a:cubicBezTo>
-                <a:cubicBezTo>
-                  <a:pt x="21127" y="20418"/>
-                  <a:pt x="21376" y="20043"/>
-                  <a:pt x="21600" y="19371"/>
-                </a:cubicBezTo>
-                <a:lnTo>
-                  <a:pt x="21600" y="0"/>
-                </a:lnTo>
-                <a:close/>
-              </a:path>
-            </a:pathLst>
-          </a:custGeom>
-          <a:solidFill>
-            <a:srgbClr val="E9EFF8"/>
-          </a:solidFill>
-          <a:ln w="12700">
-            <a:miter lim="400000"/>
-          </a:ln>
-        </p:spPr>
-        <p:txBody>
-          <a:bodyPr lIns="38100" tIns="38100" rIns="38100" bIns="38100" anchor="ctr"/>
-          <a:lstStyle/>
-          <a:p>
-            <a:pPr>
-              <a:defRPr sz="3000">
-                <a:solidFill>
-                  <a:srgbClr val="FFFFFF"/>
-                </a:solidFill>
-              </a:defRPr>
-            </a:pPr>
-            <a:endParaRPr/>
-          </a:p>
-        </p:txBody>
-      </p:sp>
-      <p:sp>
-        <p:nvSpPr>
-          <p:cNvPr id="2" name="Title 1">
-            <a:extLst>
-              <a:ext uri="{FF2B5EF4-FFF2-40B4-BE49-F238E27FC236}">
-                <a16:creationId xmlns:a16="http://schemas.microsoft.com/office/drawing/2014/main" xmlns="" id="{AC523816-F025-41D1-A143-DC280077D18D}"/>
-              </a:ext>
-            </a:extLst>
-          </p:cNvPr>
-          <p:cNvSpPr>
-            <a:spLocks noGrp="1"/>
-          </p:cNvSpPr>
-          <p:nvPr>
-            <p:ph type="title"/>
-          </p:nvPr>
-        </p:nvSpPr>
-        <p:spPr/>
-        <p:txBody>
-          <a:bodyPr/>
-          <a:lstStyle/>
-          <a:p>
-            <a:r>
-              <a:rPr lang="ko-KR" altLang="en-US" smtClean="0"/>
-              <a:t>목차</a:t>
-            </a:r>
-            <a:endParaRPr lang="en-US" dirty="0"/>
-          </a:p>
-        </p:txBody>
-      </p:sp>
-      <p:sp>
-        <p:nvSpPr>
-          <p:cNvPr id="4" name="Slide Number Placeholder 3">
-            <a:extLst>
-              <a:ext uri="{FF2B5EF4-FFF2-40B4-BE49-F238E27FC236}">
-                <a16:creationId xmlns:a16="http://schemas.microsoft.com/office/drawing/2014/main" xmlns="" id="{4C4435A3-58E5-41CD-BE69-EB2CA78B2C09}"/>
-              </a:ext>
-            </a:extLst>
-          </p:cNvPr>
-          <p:cNvSpPr>
-            <a:spLocks noGrp="1"/>
-          </p:cNvSpPr>
-          <p:nvPr>
-            <p:ph type="sldNum" sz="quarter" idx="12"/>
-          </p:nvPr>
-        </p:nvSpPr>
-        <p:spPr/>
-        <p:txBody>
-          <a:bodyPr/>
-          <a:lstStyle/>
-          <a:p>
-            <a:fld id="{F68327C5-B821-4FE9-A59A-A60D9EB59A9A}" type="slidenum">
-              <a:rPr lang="en-US" smtClean="0"/>
-              <a:pPr/>
-              <a:t>2</a:t>
-            </a:fld>
-            <a:endParaRPr lang="en-US" dirty="0"/>
-          </a:p>
-        </p:txBody>
-      </p:sp>
-      <p:sp>
-        <p:nvSpPr>
-          <p:cNvPr id="7" name="Shape">
-            <a:extLst>
-              <a:ext uri="{FF2B5EF4-FFF2-40B4-BE49-F238E27FC236}">
-                <a16:creationId xmlns:a16="http://schemas.microsoft.com/office/drawing/2014/main" xmlns="" id="{0C86614A-B915-4B9E-BEC6-AE0CB640778B}"/>
-              </a:ext>
-            </a:extLst>
-          </p:cNvPr>
-          <p:cNvSpPr/>
-          <p:nvPr/>
-        </p:nvSpPr>
-        <p:spPr>
-          <a:xfrm>
-            <a:off x="4104425" y="5605165"/>
-            <a:ext cx="1115675" cy="1115675"/>
-          </a:xfrm>
-          <a:custGeom>
-            <a:avLst/>
-            <a:gdLst/>
-            <a:ahLst/>
-            <a:cxnLst>
-              <a:cxn ang="0">
-                <a:pos x="wd2" y="hd2"/>
-              </a:cxn>
-              <a:cxn ang="5400000">
-                <a:pos x="wd2" y="hd2"/>
-              </a:cxn>
-              <a:cxn ang="10800000">
-                <a:pos x="wd2" y="hd2"/>
-              </a:cxn>
-              <a:cxn ang="16200000">
-                <a:pos x="wd2" y="hd2"/>
-              </a:cxn>
-            </a:cxnLst>
-            <a:rect l="0" t="0" r="r" b="b"/>
-            <a:pathLst>
-              <a:path w="21600" h="21600" extrusionOk="0">
-                <a:moveTo>
-                  <a:pt x="10800" y="21600"/>
-                </a:moveTo>
-                <a:cubicBezTo>
-                  <a:pt x="4846" y="21600"/>
-                  <a:pt x="0" y="16754"/>
-                  <a:pt x="0" y="10800"/>
-                </a:cubicBezTo>
-                <a:cubicBezTo>
-                  <a:pt x="0" y="4846"/>
-                  <a:pt x="4846" y="0"/>
-                  <a:pt x="10800" y="0"/>
-                </a:cubicBezTo>
-                <a:cubicBezTo>
-                  <a:pt x="16754" y="0"/>
-                  <a:pt x="21600" y="4846"/>
-                  <a:pt x="21600" y="10800"/>
-                </a:cubicBezTo>
-                <a:cubicBezTo>
-                  <a:pt x="21600" y="16754"/>
-                  <a:pt x="16757" y="21600"/>
-                  <a:pt x="10800" y="21600"/>
-                </a:cubicBezTo>
-                <a:close/>
-                <a:moveTo>
-                  <a:pt x="10800" y="929"/>
-                </a:moveTo>
-                <a:cubicBezTo>
-                  <a:pt x="5355" y="929"/>
-                  <a:pt x="926" y="5358"/>
-                  <a:pt x="926" y="10803"/>
-                </a:cubicBezTo>
-                <a:cubicBezTo>
-                  <a:pt x="926" y="16248"/>
-                  <a:pt x="5355" y="20677"/>
-                  <a:pt x="10800" y="20677"/>
-                </a:cubicBezTo>
-                <a:cubicBezTo>
-                  <a:pt x="16245" y="20677"/>
-                  <a:pt x="20674" y="16248"/>
-                  <a:pt x="20674" y="10803"/>
-                </a:cubicBezTo>
-                <a:cubicBezTo>
-                  <a:pt x="20674" y="5358"/>
-                  <a:pt x="16245" y="929"/>
-                  <a:pt x="10800" y="929"/>
-                </a:cubicBezTo>
-                <a:close/>
-              </a:path>
-            </a:pathLst>
-          </a:custGeom>
-          <a:solidFill>
-            <a:srgbClr val="FFFFFF"/>
-          </a:solidFill>
-          <a:ln w="12700">
-            <a:miter lim="400000"/>
-          </a:ln>
-        </p:spPr>
-        <p:txBody>
-          <a:bodyPr lIns="38100" tIns="38100" rIns="38100" bIns="38100" anchor="ctr"/>
-          <a:lstStyle/>
-          <a:p>
-            <a:pPr>
-              <a:defRPr sz="3000">
-                <a:solidFill>
-                  <a:srgbClr val="FFFFFF"/>
-                </a:solidFill>
-              </a:defRPr>
-            </a:pPr>
-            <a:endParaRPr/>
-          </a:p>
-        </p:txBody>
-      </p:sp>
-      <p:sp>
-        <p:nvSpPr>
-          <p:cNvPr id="9" name="Shape">
-            <a:extLst>
-              <a:ext uri="{FF2B5EF4-FFF2-40B4-BE49-F238E27FC236}">
-                <a16:creationId xmlns:a16="http://schemas.microsoft.com/office/drawing/2014/main" xmlns="" id="{5788A58C-8CBE-49BB-BAC0-41E5E38983D8}"/>
-              </a:ext>
-            </a:extLst>
-          </p:cNvPr>
-          <p:cNvSpPr/>
-          <p:nvPr/>
-        </p:nvSpPr>
-        <p:spPr>
-          <a:xfrm>
-            <a:off x="2223182" y="5605165"/>
-            <a:ext cx="1115675" cy="1115675"/>
-          </a:xfrm>
-          <a:custGeom>
-            <a:avLst/>
-            <a:gdLst/>
-            <a:ahLst/>
-            <a:cxnLst>
-              <a:cxn ang="0">
-                <a:pos x="wd2" y="hd2"/>
-              </a:cxn>
-              <a:cxn ang="5400000">
-                <a:pos x="wd2" y="hd2"/>
-              </a:cxn>
-              <a:cxn ang="10800000">
-                <a:pos x="wd2" y="hd2"/>
-              </a:cxn>
-              <a:cxn ang="16200000">
-                <a:pos x="wd2" y="hd2"/>
-              </a:cxn>
-            </a:cxnLst>
-            <a:rect l="0" t="0" r="r" b="b"/>
-            <a:pathLst>
-              <a:path w="21600" h="21600" extrusionOk="0">
-                <a:moveTo>
-                  <a:pt x="10800" y="21600"/>
-                </a:moveTo>
-                <a:cubicBezTo>
-                  <a:pt x="4846" y="21600"/>
-                  <a:pt x="0" y="16754"/>
-                  <a:pt x="0" y="10800"/>
-                </a:cubicBezTo>
-                <a:cubicBezTo>
-                  <a:pt x="0" y="4846"/>
-                  <a:pt x="4846" y="0"/>
-                  <a:pt x="10800" y="0"/>
-                </a:cubicBezTo>
-                <a:cubicBezTo>
-                  <a:pt x="16754" y="0"/>
-                  <a:pt x="21600" y="4846"/>
-                  <a:pt x="21600" y="10800"/>
-                </a:cubicBezTo>
-                <a:cubicBezTo>
-                  <a:pt x="21600" y="16754"/>
-                  <a:pt x="16757" y="21600"/>
-                  <a:pt x="10800" y="21600"/>
-                </a:cubicBezTo>
-                <a:close/>
-                <a:moveTo>
-                  <a:pt x="10800" y="929"/>
-                </a:moveTo>
-                <a:cubicBezTo>
-                  <a:pt x="5355" y="929"/>
-                  <a:pt x="926" y="5358"/>
-                  <a:pt x="926" y="10803"/>
-                </a:cubicBezTo>
-                <a:cubicBezTo>
-                  <a:pt x="926" y="16248"/>
-                  <a:pt x="5355" y="20677"/>
-                  <a:pt x="10800" y="20677"/>
-                </a:cubicBezTo>
-                <a:cubicBezTo>
-                  <a:pt x="16245" y="20677"/>
-                  <a:pt x="20674" y="16248"/>
-                  <a:pt x="20674" y="10803"/>
-                </a:cubicBezTo>
-                <a:cubicBezTo>
-                  <a:pt x="20674" y="5358"/>
-                  <a:pt x="16245" y="929"/>
-                  <a:pt x="10800" y="929"/>
-                </a:cubicBezTo>
-                <a:close/>
-              </a:path>
-            </a:pathLst>
-          </a:custGeom>
-          <a:solidFill>
-            <a:srgbClr val="FFFFFF"/>
-          </a:solidFill>
-          <a:ln w="12700">
-            <a:miter lim="400000"/>
-          </a:ln>
-        </p:spPr>
-        <p:txBody>
-          <a:bodyPr lIns="38100" tIns="38100" rIns="38100" bIns="38100" anchor="ctr"/>
-          <a:lstStyle/>
-          <a:p>
-            <a:pPr>
-              <a:defRPr sz="3000">
-                <a:solidFill>
-                  <a:srgbClr val="FFFFFF"/>
-                </a:solidFill>
-              </a:defRPr>
-            </a:pPr>
-            <a:endParaRPr/>
-          </a:p>
-        </p:txBody>
-      </p:sp>
-      <p:sp>
-        <p:nvSpPr>
-          <p:cNvPr id="11" name="Shape">
-            <a:extLst>
-              <a:ext uri="{FF2B5EF4-FFF2-40B4-BE49-F238E27FC236}">
-                <a16:creationId xmlns:a16="http://schemas.microsoft.com/office/drawing/2014/main" xmlns="" id="{4E3CD0A2-F6E9-4A17-A361-3AA7994A76D3}"/>
-              </a:ext>
-            </a:extLst>
-          </p:cNvPr>
-          <p:cNvSpPr/>
-          <p:nvPr/>
-        </p:nvSpPr>
-        <p:spPr>
-          <a:xfrm>
-            <a:off x="5921898" y="5142825"/>
-            <a:ext cx="1115675" cy="1115675"/>
-          </a:xfrm>
-          <a:custGeom>
-            <a:avLst/>
-            <a:gdLst/>
-            <a:ahLst/>
-            <a:cxnLst>
-              <a:cxn ang="0">
-                <a:pos x="wd2" y="hd2"/>
-              </a:cxn>
-              <a:cxn ang="5400000">
-                <a:pos x="wd2" y="hd2"/>
-              </a:cxn>
-              <a:cxn ang="10800000">
-                <a:pos x="wd2" y="hd2"/>
-              </a:cxn>
-              <a:cxn ang="16200000">
-                <a:pos x="wd2" y="hd2"/>
-              </a:cxn>
-            </a:cxnLst>
-            <a:rect l="0" t="0" r="r" b="b"/>
-            <a:pathLst>
-              <a:path w="21600" h="21600" extrusionOk="0">
-                <a:moveTo>
-                  <a:pt x="10800" y="21600"/>
-                </a:moveTo>
-                <a:cubicBezTo>
-                  <a:pt x="4846" y="21600"/>
-                  <a:pt x="0" y="16754"/>
-                  <a:pt x="0" y="10800"/>
-                </a:cubicBezTo>
-                <a:cubicBezTo>
-                  <a:pt x="0" y="4846"/>
-                  <a:pt x="4846" y="0"/>
-                  <a:pt x="10800" y="0"/>
-                </a:cubicBezTo>
-                <a:cubicBezTo>
-                  <a:pt x="16754" y="0"/>
-                  <a:pt x="21600" y="4846"/>
-                  <a:pt x="21600" y="10800"/>
-                </a:cubicBezTo>
-                <a:cubicBezTo>
-                  <a:pt x="21600" y="16754"/>
-                  <a:pt x="16754" y="21600"/>
-                  <a:pt x="10800" y="21600"/>
-                </a:cubicBezTo>
-                <a:close/>
-                <a:moveTo>
-                  <a:pt x="10800" y="926"/>
-                </a:moveTo>
-                <a:cubicBezTo>
-                  <a:pt x="5355" y="926"/>
-                  <a:pt x="926" y="5355"/>
-                  <a:pt x="926" y="10800"/>
-                </a:cubicBezTo>
-                <a:cubicBezTo>
-                  <a:pt x="926" y="16245"/>
-                  <a:pt x="5355" y="20674"/>
-                  <a:pt x="10800" y="20674"/>
-                </a:cubicBezTo>
-                <a:cubicBezTo>
-                  <a:pt x="16245" y="20674"/>
-                  <a:pt x="20674" y="16245"/>
-                  <a:pt x="20674" y="10800"/>
-                </a:cubicBezTo>
-                <a:cubicBezTo>
-                  <a:pt x="20674" y="5355"/>
-                  <a:pt x="16245" y="926"/>
-                  <a:pt x="10800" y="926"/>
-                </a:cubicBezTo>
-                <a:close/>
-              </a:path>
-            </a:pathLst>
-          </a:custGeom>
-          <a:solidFill>
-            <a:srgbClr val="FFFFFF"/>
-          </a:solidFill>
-          <a:ln w="12700">
-            <a:miter lim="400000"/>
-          </a:ln>
-        </p:spPr>
-        <p:txBody>
-          <a:bodyPr lIns="38100" tIns="38100" rIns="38100" bIns="38100" anchor="ctr"/>
-          <a:lstStyle/>
-          <a:p>
-            <a:pPr>
-              <a:defRPr sz="3000">
-                <a:solidFill>
-                  <a:srgbClr val="FFFFFF"/>
-                </a:solidFill>
-              </a:defRPr>
-            </a:pPr>
-            <a:endParaRPr/>
-          </a:p>
-        </p:txBody>
-      </p:sp>
-      <p:sp>
-        <p:nvSpPr>
-          <p:cNvPr id="13" name="Shape">
-            <a:extLst>
-              <a:ext uri="{FF2B5EF4-FFF2-40B4-BE49-F238E27FC236}">
-                <a16:creationId xmlns:a16="http://schemas.microsoft.com/office/drawing/2014/main" xmlns="" id="{BFF12144-6EAF-4FB9-B9E4-653DE51CFA3F}"/>
-              </a:ext>
-            </a:extLst>
-          </p:cNvPr>
-          <p:cNvSpPr/>
-          <p:nvPr/>
-        </p:nvSpPr>
-        <p:spPr>
-          <a:xfrm>
-            <a:off x="8664051" y="2942726"/>
-            <a:ext cx="1115675" cy="1115675"/>
-          </a:xfrm>
-          <a:custGeom>
-            <a:avLst/>
-            <a:gdLst/>
-            <a:ahLst/>
-            <a:cxnLst>
-              <a:cxn ang="0">
-                <a:pos x="wd2" y="hd2"/>
-              </a:cxn>
-              <a:cxn ang="5400000">
-                <a:pos x="wd2" y="hd2"/>
-              </a:cxn>
-              <a:cxn ang="10800000">
-                <a:pos x="wd2" y="hd2"/>
-              </a:cxn>
-              <a:cxn ang="16200000">
-                <a:pos x="wd2" y="hd2"/>
-              </a:cxn>
-            </a:cxnLst>
-            <a:rect l="0" t="0" r="r" b="b"/>
-            <a:pathLst>
-              <a:path w="21600" h="21600" extrusionOk="0">
-                <a:moveTo>
-                  <a:pt x="10800" y="21600"/>
-                </a:moveTo>
-                <a:cubicBezTo>
-                  <a:pt x="4846" y="21600"/>
-                  <a:pt x="0" y="16754"/>
-                  <a:pt x="0" y="10800"/>
-                </a:cubicBezTo>
-                <a:cubicBezTo>
-                  <a:pt x="0" y="4846"/>
-                  <a:pt x="4846" y="0"/>
-                  <a:pt x="10800" y="0"/>
-                </a:cubicBezTo>
-                <a:cubicBezTo>
-                  <a:pt x="16754" y="0"/>
-                  <a:pt x="21600" y="4846"/>
-                  <a:pt x="21600" y="10800"/>
-                </a:cubicBezTo>
-                <a:cubicBezTo>
-                  <a:pt x="21600" y="16754"/>
-                  <a:pt x="16754" y="21600"/>
-                  <a:pt x="10800" y="21600"/>
-                </a:cubicBezTo>
-                <a:close/>
-                <a:moveTo>
-                  <a:pt x="10800" y="926"/>
-                </a:moveTo>
-                <a:cubicBezTo>
-                  <a:pt x="5355" y="926"/>
-                  <a:pt x="926" y="5355"/>
-                  <a:pt x="926" y="10800"/>
-                </a:cubicBezTo>
-                <a:cubicBezTo>
-                  <a:pt x="926" y="16245"/>
-                  <a:pt x="5355" y="20674"/>
-                  <a:pt x="10800" y="20674"/>
-                </a:cubicBezTo>
-                <a:cubicBezTo>
-                  <a:pt x="16245" y="20674"/>
-                  <a:pt x="20674" y="16245"/>
-                  <a:pt x="20674" y="10800"/>
-                </a:cubicBezTo>
-                <a:cubicBezTo>
-                  <a:pt x="20674" y="5355"/>
-                  <a:pt x="16245" y="926"/>
-                  <a:pt x="10800" y="926"/>
-                </a:cubicBezTo>
-                <a:close/>
-              </a:path>
-            </a:pathLst>
-          </a:custGeom>
-          <a:solidFill>
-            <a:srgbClr val="FFFFFF"/>
-          </a:solidFill>
-          <a:ln w="12700">
-            <a:miter lim="400000"/>
-          </a:ln>
-        </p:spPr>
-        <p:txBody>
-          <a:bodyPr lIns="38100" tIns="38100" rIns="38100" bIns="38100" anchor="ctr"/>
-          <a:lstStyle/>
-          <a:p>
-            <a:pPr>
-              <a:defRPr sz="3000">
-                <a:solidFill>
-                  <a:srgbClr val="FFFFFF"/>
-                </a:solidFill>
-              </a:defRPr>
-            </a:pPr>
-            <a:endParaRPr/>
-          </a:p>
-        </p:txBody>
-      </p:sp>
-      <p:pic>
-        <p:nvPicPr>
-          <p:cNvPr id="15" name="Graphic 14" descr="Crawl">
-            <a:extLst>
-              <a:ext uri="{FF2B5EF4-FFF2-40B4-BE49-F238E27FC236}">
-                <a16:creationId xmlns:a16="http://schemas.microsoft.com/office/drawing/2014/main" xmlns="" id="{5238E483-5570-4774-B9E2-97EAF1234A9E}"/>
-              </a:ext>
-            </a:extLst>
-          </p:cNvPr>
-          <p:cNvPicPr>
-            <a:picLocks noChangeAspect="1"/>
-          </p:cNvPicPr>
-          <p:nvPr/>
-        </p:nvPicPr>
-        <p:blipFill>
-          <a:blip r:embed="rId4" cstate="print">
-            <a:extLst>
-              <a:ext uri="{28A0092B-C50C-407E-A947-70E740481C1C}">
-                <a14:useLocalDpi xmlns:a14="http://schemas.microsoft.com/office/drawing/2010/main" val="0"/>
-              </a:ext>
-              <a:ext uri="{96DAC541-7B7A-43D3-8B79-37D633B846F1}">
-                <asvg:svgBlip xmlns:asvg="http://schemas.microsoft.com/office/drawing/2016/SVG/main" xmlns="" r:embed="rId5"/>
-              </a:ext>
-            </a:extLst>
-          </a:blip>
-          <a:stretch>
-            <a:fillRect/>
-          </a:stretch>
-        </p:blipFill>
-        <p:spPr>
-          <a:xfrm>
-            <a:off x="4246971" y="1091802"/>
-            <a:ext cx="733912" cy="733912"/>
-          </a:xfrm>
-          <a:prstGeom prst="rect">
-            <a:avLst/>
-          </a:prstGeom>
-        </p:spPr>
-      </p:pic>
-      <p:pic>
-        <p:nvPicPr>
-          <p:cNvPr id="17" name="Graphic 16" descr="Walk">
-            <a:extLst>
-              <a:ext uri="{FF2B5EF4-FFF2-40B4-BE49-F238E27FC236}">
-                <a16:creationId xmlns:a16="http://schemas.microsoft.com/office/drawing/2014/main" xmlns="" id="{B7AA8476-258E-4643-8CF2-5C785445315E}"/>
-              </a:ext>
-            </a:extLst>
-          </p:cNvPr>
-          <p:cNvPicPr>
-            <a:picLocks noChangeAspect="1"/>
-          </p:cNvPicPr>
-          <p:nvPr/>
-        </p:nvPicPr>
-        <p:blipFill>
-          <a:blip r:embed="rId6" cstate="print">
-            <a:extLst>
-              <a:ext uri="{28A0092B-C50C-407E-A947-70E740481C1C}">
-                <a14:useLocalDpi xmlns:a14="http://schemas.microsoft.com/office/drawing/2010/main" val="0"/>
-              </a:ext>
-              <a:ext uri="{96DAC541-7B7A-43D3-8B79-37D633B846F1}">
-                <asvg:svgBlip xmlns:asvg="http://schemas.microsoft.com/office/drawing/2016/SVG/main" xmlns="" r:embed="rId7"/>
-              </a:ext>
-            </a:extLst>
-          </a:blip>
-          <a:stretch>
-            <a:fillRect/>
-          </a:stretch>
-        </p:blipFill>
-        <p:spPr>
-          <a:xfrm>
-            <a:off x="5155846" y="2003936"/>
-            <a:ext cx="733912" cy="733912"/>
-          </a:xfrm>
-          <a:prstGeom prst="rect">
-            <a:avLst/>
-          </a:prstGeom>
-        </p:spPr>
-      </p:pic>
-      <p:pic>
-        <p:nvPicPr>
-          <p:cNvPr id="19" name="Graphic 18" descr="Run">
-            <a:extLst>
-              <a:ext uri="{FF2B5EF4-FFF2-40B4-BE49-F238E27FC236}">
-                <a16:creationId xmlns:a16="http://schemas.microsoft.com/office/drawing/2014/main" xmlns="" id="{BE648B54-971A-461E-810B-AE08F8505377}"/>
-              </a:ext>
-            </a:extLst>
-          </p:cNvPr>
-          <p:cNvPicPr>
-            <a:picLocks noChangeAspect="1"/>
-          </p:cNvPicPr>
-          <p:nvPr/>
-        </p:nvPicPr>
-        <p:blipFill>
-          <a:blip r:embed="rId8" cstate="print">
-            <a:extLst>
-              <a:ext uri="{28A0092B-C50C-407E-A947-70E740481C1C}">
-                <a14:useLocalDpi xmlns:a14="http://schemas.microsoft.com/office/drawing/2010/main" val="0"/>
-              </a:ext>
-              <a:ext uri="{96DAC541-7B7A-43D3-8B79-37D633B846F1}">
-                <asvg:svgBlip xmlns:asvg="http://schemas.microsoft.com/office/drawing/2016/SVG/main" xmlns="" r:embed="rId9"/>
-              </a:ext>
-            </a:extLst>
-          </a:blip>
-          <a:stretch>
-            <a:fillRect/>
-          </a:stretch>
-        </p:blipFill>
-        <p:spPr>
-          <a:xfrm>
-            <a:off x="6312597" y="3720852"/>
-            <a:ext cx="733912" cy="733912"/>
-          </a:xfrm>
-          <a:prstGeom prst="rect">
-            <a:avLst/>
-          </a:prstGeom>
-        </p:spPr>
-      </p:pic>
-      <p:sp>
-        <p:nvSpPr>
-          <p:cNvPr id="71" name="TextBox 70">
-            <a:extLst>
-              <a:ext uri="{FF2B5EF4-FFF2-40B4-BE49-F238E27FC236}">
-                <a16:creationId xmlns:a16="http://schemas.microsoft.com/office/drawing/2014/main" xmlns="" id="{DB391A6A-ED68-4869-9463-BFF0A089F51D}"/>
-              </a:ext>
-            </a:extLst>
-          </p:cNvPr>
-          <p:cNvSpPr txBox="1"/>
-          <p:nvPr/>
-        </p:nvSpPr>
-        <p:spPr>
-          <a:xfrm>
-            <a:off x="1497653" y="1084294"/>
-            <a:ext cx="6966459" cy="3416320"/>
-          </a:xfrm>
-          <a:prstGeom prst="rect">
-            <a:avLst/>
-          </a:prstGeom>
-          <a:noFill/>
-        </p:spPr>
-        <p:txBody>
-          <a:bodyPr wrap="none" rtlCol="0" anchor="b">
-            <a:spAutoFit/>
-          </a:bodyPr>
-          <a:lstStyle/>
-          <a:p>
-            <a:pPr marL="742950" indent="-742950">
-              <a:lnSpc>
-                <a:spcPct val="150000"/>
-              </a:lnSpc>
-              <a:buAutoNum type="arabicPeriod"/>
-            </a:pPr>
-            <a:r>
-              <a:rPr lang="ko-KR" altLang="en-US" sz="3600" b="1" noProof="1" smtClean="0">
-                <a:solidFill>
-                  <a:schemeClr val="accent2"/>
-                </a:solidFill>
-              </a:rPr>
-              <a:t>소개</a:t>
-            </a:r>
-            <a:endParaRPr lang="en-US" altLang="ko-KR" sz="3600" b="1" noProof="1" smtClean="0">
-              <a:solidFill>
-                <a:schemeClr val="accent2"/>
-              </a:solidFill>
-            </a:endParaRPr>
-          </a:p>
-          <a:p>
-            <a:pPr marL="742950" indent="-742950">
-              <a:lnSpc>
-                <a:spcPct val="150000"/>
-              </a:lnSpc>
-              <a:buAutoNum type="arabicPeriod"/>
-            </a:pPr>
-            <a:r>
-              <a:rPr lang="ko-KR" altLang="en-US" sz="3600" b="1" noProof="1" smtClean="0">
-                <a:solidFill>
-                  <a:schemeClr val="accent2"/>
-                </a:solidFill>
-              </a:rPr>
-              <a:t>개발환경</a:t>
-            </a:r>
-            <a:endParaRPr lang="en-US" altLang="ko-KR" sz="3600" b="1" noProof="1" smtClean="0">
-              <a:solidFill>
-                <a:schemeClr val="accent2"/>
-              </a:solidFill>
-            </a:endParaRPr>
-          </a:p>
-          <a:p>
-            <a:pPr marL="742950" indent="-742950">
-              <a:lnSpc>
-                <a:spcPct val="150000"/>
-              </a:lnSpc>
-              <a:buAutoNum type="arabicPeriod"/>
-            </a:pPr>
-            <a:r>
-              <a:rPr lang="ko-KR" altLang="en-US" sz="3600" b="1" noProof="1" smtClean="0">
-                <a:solidFill>
-                  <a:schemeClr val="accent2"/>
-                </a:solidFill>
-              </a:rPr>
-              <a:t>프로그램 설계</a:t>
-            </a:r>
-            <a:r>
-              <a:rPr lang="en-US" altLang="ko-KR" sz="3600" b="1" noProof="1" smtClean="0">
-                <a:solidFill>
-                  <a:schemeClr val="accent2"/>
-                </a:solidFill>
-              </a:rPr>
-              <a:t>(DB,</a:t>
-            </a:r>
-            <a:r>
-              <a:rPr lang="ko-KR" altLang="en-US" sz="3600" b="1" noProof="1" smtClean="0">
-                <a:solidFill>
-                  <a:schemeClr val="accent2"/>
-                </a:solidFill>
-              </a:rPr>
-              <a:t>클래스</a:t>
-            </a:r>
-            <a:r>
-              <a:rPr lang="en-US" altLang="ko-KR" sz="3600" b="1" noProof="1" smtClean="0">
-                <a:solidFill>
-                  <a:schemeClr val="accent2"/>
-                </a:solidFill>
-              </a:rPr>
-              <a:t>,AID)</a:t>
-            </a:r>
-          </a:p>
-          <a:p>
-            <a:pPr marL="742950" indent="-742950">
-              <a:lnSpc>
-                <a:spcPct val="150000"/>
-              </a:lnSpc>
-              <a:buAutoNum type="arabicPeriod"/>
-            </a:pPr>
-            <a:r>
-              <a:rPr lang="ko-KR" altLang="en-US" sz="3600" b="1" noProof="1" smtClean="0">
-                <a:solidFill>
-                  <a:schemeClr val="accent2"/>
-                </a:solidFill>
-              </a:rPr>
-              <a:t>주요 기능 소개</a:t>
-            </a:r>
-            <a:endParaRPr lang="en-US" altLang="ko-KR" sz="3600" b="1" noProof="1" smtClean="0">
-              <a:solidFill>
-                <a:schemeClr val="accent2"/>
-              </a:solidFill>
-            </a:endParaRPr>
-          </a:p>
-        </p:txBody>
-      </p:sp>
-    </p:spTree>
-    <p:extLst>
-      <p:ext uri="{BB962C8B-B14F-4D97-AF65-F5344CB8AC3E}">
-        <p14:creationId xmlns:p14="http://schemas.microsoft.com/office/powerpoint/2010/main" val="1005064279"/>
-      </p:ext>
-    </p:extLst>
-  </p:cSld>
-  <p:clrMapOvr>
-    <a:masterClrMapping/>
-  </p:clrMapOvr>
-  <mc:AlternateContent xmlns:mc="http://schemas.openxmlformats.org/markup-compatibility/2006" xmlns:p14="http://schemas.microsoft.com/office/powerpoint/2010/main">
-    <mc:Choice Requires="p14">
-      <p:transition spd="slow" p14:dur="2000">
-        <p:sndAc>
-          <p:stSnd>
-            <p:snd r:embed="rId3" name="click.wav"/>
-          </p:stSnd>
-        </p:sndAc>
-      </p:transition>
-    </mc:Choice>
-    <mc:Fallback xmlns="">
-      <p:transition spd="slow">
-        <p:sndAc>
-          <p:stSnd>
-            <p:snd r:embed="rId12" name="click.wav"/>
-          </p:stSnd>
-        </p:sndAc>
-      </p:transition>
-    </mc:Fallback>
-  </mc:AlternateContent>
-  <p:timing>
-    <p:tnLst>
-      <p:par>
-        <p:cTn id="1" dur="indefinite" restart="never" nodeType="tmRoot"/>
-      </p:par>
-    </p:tnLst>
-  </p:timing>
-</p:sld>
-</file>
-
 <file path=ppt/slides/slide3.xml><?xml version="1.0" encoding="utf-8"?>
 <p:sld xmlns:a="http://schemas.openxmlformats.org/drawingml/2006/main" xmlns:r="http://schemas.openxmlformats.org/officeDocument/2006/relationships" xmlns:p="http://schemas.openxmlformats.org/presentationml/2006/main">
   <p:cSld>
@@ -14291,7 +14571,11 @@
             </a:r>
             <a:r>
               <a:rPr lang="en-US" altLang="ko-KR" dirty="0" smtClean="0"/>
-              <a:t>(EXERD)</a:t>
+              <a:t>(ERD</a:t>
+            </a:r>
+            <a:r>
+              <a:rPr lang="en-US" altLang="ko-KR" dirty="0" smtClean="0"/>
+              <a:t>)</a:t>
             </a:r>
             <a:endParaRPr lang="en-US" dirty="0"/>
           </a:p>
@@ -14351,100 +14635,6 @@
           </a:prstGeom>
         </p:spPr>
       </p:pic>
-      <p:sp>
-        <p:nvSpPr>
-          <p:cNvPr id="208" name="직사각형 207"/>
-          <p:cNvSpPr/>
-          <p:nvPr/>
-        </p:nvSpPr>
-        <p:spPr>
-          <a:xfrm>
-            <a:off x="4348582" y="3436217"/>
-            <a:ext cx="3475610" cy="1864991"/>
-          </a:xfrm>
-          <a:prstGeom prst="rect">
-            <a:avLst/>
-          </a:prstGeom>
-          <a:solidFill>
-            <a:srgbClr val="FFFF00">
-              <a:alpha val="10000"/>
-            </a:srgbClr>
-          </a:solidFill>
-        </p:spPr>
-        <p:style>
-          <a:lnRef idx="2">
-            <a:schemeClr val="accent5">
-              <a:shade val="50000"/>
-            </a:schemeClr>
-          </a:lnRef>
-          <a:fillRef idx="1">
-            <a:schemeClr val="accent5"/>
-          </a:fillRef>
-          <a:effectRef idx="0">
-            <a:schemeClr val="accent5"/>
-          </a:effectRef>
-          <a:fontRef idx="minor">
-            <a:schemeClr val="lt1"/>
-          </a:fontRef>
-        </p:style>
-        <p:txBody>
-          <a:bodyPr rot="0" spcFirstLastPara="0" vertOverflow="overflow" horzOverflow="overflow" vert="horz" wrap="square" lIns="91440" tIns="45720" rIns="91440" bIns="45720" numCol="1" spcCol="0" rtlCol="0" fromWordArt="0" anchor="t" anchorCtr="0" forceAA="0" compatLnSpc="1">
-            <a:prstTxWarp prst="textNoShape">
-              <a:avLst/>
-            </a:prstTxWarp>
-            <a:noAutofit/>
-          </a:bodyPr>
-          <a:lstStyle/>
-          <a:p>
-            <a:pPr algn="ctr"/>
-            <a:r>
-              <a:rPr lang="en-US" altLang="ko-KR" b="1" dirty="0" smtClean="0">
-                <a:ln w="0"/>
-                <a:solidFill>
-                  <a:schemeClr val="accent6"/>
-                </a:solidFill>
-                <a:effectLst>
-                  <a:outerShdw blurRad="38100" dist="19050" dir="2700000" algn="tl" rotWithShape="0">
-                    <a:schemeClr val="dk1">
-                      <a:alpha val="40000"/>
-                    </a:schemeClr>
-                  </a:outerShdw>
-                </a:effectLst>
-              </a:rPr>
-              <a:t>Multi </a:t>
-            </a:r>
-            <a:r>
-              <a:rPr lang="en-US" altLang="ko-KR" b="1" dirty="0">
-                <a:ln w="0"/>
-                <a:solidFill>
-                  <a:schemeClr val="accent6"/>
-                </a:solidFill>
-                <a:effectLst>
-                  <a:outerShdw blurRad="38100" dist="19050" dir="2700000" algn="tl" rotWithShape="0">
-                    <a:schemeClr val="dk1">
-                      <a:alpha val="40000"/>
-                    </a:schemeClr>
-                  </a:outerShdw>
-                </a:effectLst>
-              </a:rPr>
-              <a:t>Join</a:t>
-            </a:r>
-            <a:endParaRPr lang="ko-KR" altLang="en-US" b="1" dirty="0">
-              <a:ln w="0"/>
-              <a:solidFill>
-                <a:schemeClr val="accent6"/>
-              </a:solidFill>
-              <a:effectLst>
-                <a:outerShdw blurRad="38100" dist="19050" dir="2700000" algn="tl" rotWithShape="0">
-                  <a:schemeClr val="dk1">
-                    <a:alpha val="40000"/>
-                  </a:schemeClr>
-                </a:outerShdw>
-              </a:effectLst>
-            </a:endParaRPr>
-          </a:p>
-        </p:txBody>
-      </p:sp>
     </p:spTree>
     <p:extLst>
       <p:ext uri="{BB962C8B-B14F-4D97-AF65-F5344CB8AC3E}">
@@ -15243,8 +15433,8 @@
         </p:nvSpPr>
         <p:spPr>
           <a:xfrm>
-            <a:off x="6044108" y="2135900"/>
-            <a:ext cx="2810275" cy="1450151"/>
+            <a:off x="6044108" y="2002548"/>
+            <a:ext cx="2810275" cy="1583503"/>
           </a:xfrm>
           <a:prstGeom prst="rect">
             <a:avLst/>
@@ -15293,44 +15483,6 @@
                   </a:schemeClr>
                 </a:outerShdw>
               </a:effectLst>
-            </a:endParaRPr>
-          </a:p>
-        </p:txBody>
-      </p:sp>
-      <p:sp>
-        <p:nvSpPr>
-          <p:cNvPr id="34" name="TextBox 33"/>
-          <p:cNvSpPr txBox="1"/>
-          <p:nvPr/>
-        </p:nvSpPr>
-        <p:spPr>
-          <a:xfrm>
-            <a:off x="9226921" y="2135900"/>
-            <a:ext cx="679737" cy="369332"/>
-          </a:xfrm>
-          <a:prstGeom prst="rect">
-            <a:avLst/>
-          </a:prstGeom>
-          <a:noFill/>
-        </p:spPr>
-        <p:txBody>
-          <a:bodyPr wrap="square" rtlCol="0">
-            <a:spAutoFit/>
-          </a:bodyPr>
-          <a:lstStyle/>
-          <a:p>
-            <a:r>
-              <a:rPr lang="en-US" altLang="ko-KR" b="1" dirty="0" smtClean="0">
-                <a:solidFill>
-                  <a:schemeClr val="accent6"/>
-                </a:solidFill>
-              </a:rPr>
-              <a:t>View</a:t>
-            </a:r>
-            <a:endParaRPr lang="ko-KR" altLang="en-US" b="1" dirty="0">
-              <a:solidFill>
-                <a:schemeClr val="accent6"/>
-              </a:solidFill>
             </a:endParaRPr>
           </a:p>
         </p:txBody>
@@ -15404,81 +15556,14 @@
       </p:sp>
       <p:sp>
         <p:nvSpPr>
-          <p:cNvPr id="39" name="직사각형 38"/>
-          <p:cNvSpPr/>
-          <p:nvPr/>
-        </p:nvSpPr>
-        <p:spPr>
-          <a:xfrm>
-            <a:off x="5919487" y="1916832"/>
-            <a:ext cx="2264745" cy="278917"/>
-          </a:xfrm>
-          <a:prstGeom prst="rect">
-            <a:avLst/>
-          </a:prstGeom>
-          <a:solidFill>
-            <a:schemeClr val="accent5">
-              <a:alpha val="10000"/>
-            </a:schemeClr>
-          </a:solidFill>
-          <a:ln>
-            <a:solidFill>
-              <a:schemeClr val="accent4"/>
-            </a:solidFill>
-          </a:ln>
-        </p:spPr>
-        <p:style>
-          <a:lnRef idx="2">
-            <a:schemeClr val="accent5">
-              <a:shade val="50000"/>
-            </a:schemeClr>
-          </a:lnRef>
-          <a:fillRef idx="1">
-            <a:schemeClr val="accent5"/>
-          </a:fillRef>
-          <a:effectRef idx="0">
-            <a:schemeClr val="accent5"/>
-          </a:effectRef>
-          <a:fontRef idx="minor">
-            <a:schemeClr val="lt1"/>
-          </a:fontRef>
-        </p:style>
-        <p:txBody>
-          <a:bodyPr rot="0" spcFirstLastPara="0" vertOverflow="overflow" horzOverflow="overflow" vert="horz" wrap="square" lIns="91440" tIns="45720" rIns="91440" bIns="45720" numCol="1" spcCol="0" rtlCol="0" fromWordArt="0" anchor="t" anchorCtr="0" forceAA="0" compatLnSpc="1">
-            <a:prstTxWarp prst="textNoShape">
-              <a:avLst/>
-            </a:prstTxWarp>
-            <a:noAutofit/>
-          </a:bodyPr>
-          <a:lstStyle/>
-          <a:p>
-            <a:pPr algn="ctr"/>
-            <a:endParaRPr lang="ko-KR" altLang="en-US" b="1" dirty="0">
-              <a:ln w="0"/>
-              <a:solidFill>
-                <a:schemeClr val="accent6"/>
-              </a:solidFill>
-              <a:effectLst>
-                <a:outerShdw blurRad="38100" dist="19050" dir="2700000" algn="tl" rotWithShape="0">
-                  <a:schemeClr val="dk1">
-                    <a:alpha val="40000"/>
-                  </a:schemeClr>
-                </a:outerShdw>
-              </a:effectLst>
-            </a:endParaRPr>
-          </a:p>
-        </p:txBody>
-      </p:sp>
-      <p:sp>
-        <p:nvSpPr>
           <p:cNvPr id="40" name="TextBox 39"/>
           <p:cNvSpPr txBox="1"/>
           <p:nvPr/>
         </p:nvSpPr>
         <p:spPr>
           <a:xfrm>
-            <a:off x="8674184" y="1732166"/>
-            <a:ext cx="1254558" cy="369332"/>
+            <a:off x="8542341" y="2158362"/>
+            <a:ext cx="1999494" cy="646331"/>
           </a:xfrm>
           <a:prstGeom prst="rect">
             <a:avLst/>
@@ -15494,11 +15579,18 @@
             <a:r>
               <a:rPr lang="en-US" altLang="ko-KR" b="1" dirty="0" smtClean="0">
                 <a:solidFill>
-                  <a:schemeClr val="accent4"/>
+                  <a:srgbClr val="FF0000"/>
                 </a:solidFill>
               </a:rPr>
-              <a:t>Controller</a:t>
-            </a:r>
+              <a:t>Controller &amp; View </a:t>
+            </a:r>
+            <a:endParaRPr lang="ko-KR" altLang="en-US" b="1" dirty="0">
+              <a:solidFill>
+                <a:srgbClr val="FF0000"/>
+              </a:solidFill>
+            </a:endParaRPr>
+          </a:p>
+          <a:p>
             <a:endParaRPr lang="ko-KR" altLang="en-US" b="1" dirty="0">
               <a:solidFill>
                 <a:schemeClr val="accent4"/>
